--- a/2018_sisg_1_9.pptx
+++ b/2018_sisg_1_9.pptx
@@ -5,30 +5,32 @@
     <p:sldMasterId id="2147483648" r:id="rId1"/>
   </p:sldMasterIdLst>
   <p:notesMasterIdLst>
-    <p:notesMasterId r:id="rId20"/>
+    <p:notesMasterId r:id="rId22"/>
   </p:notesMasterIdLst>
   <p:handoutMasterIdLst>
-    <p:handoutMasterId r:id="rId21"/>
+    <p:handoutMasterId r:id="rId23"/>
   </p:handoutMasterIdLst>
   <p:sldIdLst>
     <p:sldId id="263" r:id="rId2"/>
-    <p:sldId id="265" r:id="rId3"/>
-    <p:sldId id="285" r:id="rId4"/>
-    <p:sldId id="266" r:id="rId5"/>
-    <p:sldId id="264" r:id="rId6"/>
-    <p:sldId id="287" r:id="rId7"/>
-    <p:sldId id="288" r:id="rId8"/>
-    <p:sldId id="268" r:id="rId9"/>
-    <p:sldId id="284" r:id="rId10"/>
-    <p:sldId id="273" r:id="rId11"/>
-    <p:sldId id="281" r:id="rId12"/>
-    <p:sldId id="282" r:id="rId13"/>
-    <p:sldId id="279" r:id="rId14"/>
-    <p:sldId id="286" r:id="rId15"/>
-    <p:sldId id="289" r:id="rId16"/>
-    <p:sldId id="275" r:id="rId17"/>
-    <p:sldId id="276" r:id="rId18"/>
-    <p:sldId id="283" r:id="rId19"/>
+    <p:sldId id="291" r:id="rId3"/>
+    <p:sldId id="290" r:id="rId4"/>
+    <p:sldId id="265" r:id="rId5"/>
+    <p:sldId id="285" r:id="rId6"/>
+    <p:sldId id="266" r:id="rId7"/>
+    <p:sldId id="264" r:id="rId8"/>
+    <p:sldId id="287" r:id="rId9"/>
+    <p:sldId id="288" r:id="rId10"/>
+    <p:sldId id="268" r:id="rId11"/>
+    <p:sldId id="284" r:id="rId12"/>
+    <p:sldId id="273" r:id="rId13"/>
+    <p:sldId id="281" r:id="rId14"/>
+    <p:sldId id="282" r:id="rId15"/>
+    <p:sldId id="279" r:id="rId16"/>
+    <p:sldId id="286" r:id="rId17"/>
+    <p:sldId id="289" r:id="rId18"/>
+    <p:sldId id="275" r:id="rId19"/>
+    <p:sldId id="276" r:id="rId20"/>
+    <p:sldId id="283" r:id="rId21"/>
   </p:sldIdLst>
   <p:sldSz cx="6858000" cy="9144000" type="overhead"/>
   <p:notesSz cx="9601200" cy="7315200"/>
@@ -1032,6 +1034,96 @@
     <p:extLst>
       <p:ext uri="{BB962C8B-B14F-4D97-AF65-F5344CB8AC3E}">
         <p14:creationId xmlns:p14="http://schemas.microsoft.com/office/powerpoint/2010/main" val="4044986938"/>
+      </p:ext>
+    </p:extLst>
+  </p:cSld>
+  <p:clrMapOvr>
+    <a:masterClrMapping/>
+  </p:clrMapOvr>
+</p:notes>
+</file>
+
+<file path=ppt/notesSlides/notesSlide2.xml><?xml version="1.0" encoding="utf-8"?>
+<p:notes xmlns:a="http://schemas.openxmlformats.org/drawingml/2006/main" xmlns:r="http://schemas.openxmlformats.org/officeDocument/2006/relationships" xmlns:p="http://schemas.openxmlformats.org/presentationml/2006/main">
+  <p:cSld>
+    <p:spTree>
+      <p:nvGrpSpPr>
+        <p:cNvPr id="1" name=""/>
+        <p:cNvGrpSpPr/>
+        <p:nvPr/>
+      </p:nvGrpSpPr>
+      <p:grpSpPr>
+        <a:xfrm>
+          <a:off x="0" y="0"/>
+          <a:ext cx="0" cy="0"/>
+          <a:chOff x="0" y="0"/>
+          <a:chExt cx="0" cy="0"/>
+        </a:xfrm>
+      </p:grpSpPr>
+      <p:sp>
+        <p:nvSpPr>
+          <p:cNvPr id="2" name="Slide Image Placeholder 1"/>
+          <p:cNvSpPr>
+            <a:spLocks noGrp="1" noRot="1" noChangeAspect="1"/>
+          </p:cNvSpPr>
+          <p:nvPr>
+            <p:ph type="sldImg"/>
+          </p:nvPr>
+        </p:nvSpPr>
+        <p:spPr/>
+      </p:sp>
+      <p:sp>
+        <p:nvSpPr>
+          <p:cNvPr id="3" name="Notes Placeholder 2"/>
+          <p:cNvSpPr>
+            <a:spLocks noGrp="1"/>
+          </p:cNvSpPr>
+          <p:nvPr>
+            <p:ph type="body" idx="1"/>
+          </p:nvPr>
+        </p:nvSpPr>
+        <p:spPr/>
+        <p:txBody>
+          <a:bodyPr/>
+          <a:lstStyle/>
+          <a:p>
+            <a:endParaRPr lang="en-US"/>
+          </a:p>
+        </p:txBody>
+      </p:sp>
+      <p:sp>
+        <p:nvSpPr>
+          <p:cNvPr id="4" name="Slide Number Placeholder 3"/>
+          <p:cNvSpPr>
+            <a:spLocks noGrp="1"/>
+          </p:cNvSpPr>
+          <p:nvPr>
+            <p:ph type="sldNum" sz="quarter" idx="10"/>
+          </p:nvPr>
+        </p:nvSpPr>
+        <p:spPr/>
+        <p:txBody>
+          <a:bodyPr/>
+          <a:lstStyle/>
+          <a:p>
+            <a:pPr>
+              <a:defRPr/>
+            </a:pPr>
+            <a:fld id="{5B63FAF1-8EB2-452D-A8B5-0CBDEBA66ECD}" type="slidenum">
+              <a:rPr lang="en-US" smtClean="0"/>
+              <a:pPr>
+                <a:defRPr/>
+              </a:pPr>
+              <a:t>251</a:t>
+            </a:fld>
+            <a:endParaRPr lang="en-US"/>
+          </a:p>
+        </p:txBody>
+      </p:sp>
+    </p:spTree>
+    <p:extLst>
+      <p:ext uri="{BB962C8B-B14F-4D97-AF65-F5344CB8AC3E}">
+        <p14:creationId xmlns:p14="http://schemas.microsoft.com/office/powerpoint/2010/main" val="546239345"/>
       </p:ext>
     </p:extLst>
   </p:cSld>
@@ -5026,7 +5118,7 @@
         <p:spPr bwMode="auto">
           <a:xfrm>
             <a:off x="914400" y="2743200"/>
-            <a:ext cx="5029200" cy="1160463"/>
+            <a:ext cx="5029200" cy="523862"/>
           </a:xfrm>
           <a:prstGeom prst="rect">
             <a:avLst/>
@@ -5077,20 +5169,10 @@
               </a:spcBef>
             </a:pPr>
             <a:r>
-              <a:rPr lang="en-US" sz="2800" b="1"/>
-              <a:t>The Bootstrap</a:t>
-            </a:r>
-          </a:p>
-          <a:p>
-            <a:pPr algn="ctr">
-              <a:spcBef>
-                <a:spcPct val="50000"/>
-              </a:spcBef>
-            </a:pPr>
-            <a:r>
-              <a:rPr lang="en-US" sz="2800" b="1"/>
-              <a:t>and Jackknife</a:t>
-            </a:r>
+              <a:rPr lang="en-US" sz="2800" b="1" dirty="0" smtClean="0"/>
+              <a:t>Quick review</a:t>
+            </a:r>
+            <a:endParaRPr lang="en-US" sz="2800" b="1" dirty="0"/>
           </a:p>
         </p:txBody>
       </p:sp>
@@ -5332,6 +5414,2106 @@
       </p:grpSpPr>
       <p:sp>
         <p:nvSpPr>
+          <p:cNvPr id="7170" name="Date Placeholder 1"/>
+          <p:cNvSpPr>
+            <a:spLocks noGrp="1"/>
+          </p:cNvSpPr>
+          <p:nvPr>
+            <p:ph type="dt" sz="quarter" idx="10"/>
+          </p:nvPr>
+        </p:nvSpPr>
+        <p:spPr>
+          <a:noFill/>
+        </p:spPr>
+        <p:txBody>
+          <a:bodyPr/>
+          <a:lstStyle>
+            <a:lvl1pPr>
+              <a:defRPr sz="2400">
+                <a:solidFill>
+                  <a:schemeClr val="tx1"/>
+                </a:solidFill>
+                <a:latin typeface="Times New Roman" charset="0"/>
+              </a:defRPr>
+            </a:lvl1pPr>
+            <a:lvl2pPr marL="742950" indent="-285750">
+              <a:defRPr sz="2400">
+                <a:solidFill>
+                  <a:schemeClr val="tx1"/>
+                </a:solidFill>
+                <a:latin typeface="Times New Roman" charset="0"/>
+              </a:defRPr>
+            </a:lvl2pPr>
+            <a:lvl3pPr marL="1143000" indent="-228600">
+              <a:defRPr sz="2400">
+                <a:solidFill>
+                  <a:schemeClr val="tx1"/>
+                </a:solidFill>
+                <a:latin typeface="Times New Roman" charset="0"/>
+              </a:defRPr>
+            </a:lvl3pPr>
+            <a:lvl4pPr marL="1600200" indent="-228600">
+              <a:defRPr sz="2400">
+                <a:solidFill>
+                  <a:schemeClr val="tx1"/>
+                </a:solidFill>
+                <a:latin typeface="Times New Roman" charset="0"/>
+              </a:defRPr>
+            </a:lvl4pPr>
+            <a:lvl5pPr marL="2057400" indent="-228600">
+              <a:defRPr sz="2400">
+                <a:solidFill>
+                  <a:schemeClr val="tx1"/>
+                </a:solidFill>
+                <a:latin typeface="Times New Roman" charset="0"/>
+              </a:defRPr>
+            </a:lvl5pPr>
+            <a:lvl6pPr marL="2514600" indent="-228600" eaLnBrk="0" fontAlgn="base" hangingPunct="0">
+              <a:spcBef>
+                <a:spcPct val="0"/>
+              </a:spcBef>
+              <a:spcAft>
+                <a:spcPct val="0"/>
+              </a:spcAft>
+              <a:defRPr sz="2400">
+                <a:solidFill>
+                  <a:schemeClr val="tx1"/>
+                </a:solidFill>
+                <a:latin typeface="Times New Roman" charset="0"/>
+              </a:defRPr>
+            </a:lvl6pPr>
+            <a:lvl7pPr marL="2971800" indent="-228600" eaLnBrk="0" fontAlgn="base" hangingPunct="0">
+              <a:spcBef>
+                <a:spcPct val="0"/>
+              </a:spcBef>
+              <a:spcAft>
+                <a:spcPct val="0"/>
+              </a:spcAft>
+              <a:defRPr sz="2400">
+                <a:solidFill>
+                  <a:schemeClr val="tx1"/>
+                </a:solidFill>
+                <a:latin typeface="Times New Roman" charset="0"/>
+              </a:defRPr>
+            </a:lvl7pPr>
+            <a:lvl8pPr marL="3429000" indent="-228600" eaLnBrk="0" fontAlgn="base" hangingPunct="0">
+              <a:spcBef>
+                <a:spcPct val="0"/>
+              </a:spcBef>
+              <a:spcAft>
+                <a:spcPct val="0"/>
+              </a:spcAft>
+              <a:defRPr sz="2400">
+                <a:solidFill>
+                  <a:schemeClr val="tx1"/>
+                </a:solidFill>
+                <a:latin typeface="Times New Roman" charset="0"/>
+              </a:defRPr>
+            </a:lvl8pPr>
+            <a:lvl9pPr marL="3886200" indent="-228600" eaLnBrk="0" fontAlgn="base" hangingPunct="0">
+              <a:spcBef>
+                <a:spcPct val="0"/>
+              </a:spcBef>
+              <a:spcAft>
+                <a:spcPct val="0"/>
+              </a:spcAft>
+              <a:defRPr sz="2400">
+                <a:solidFill>
+                  <a:schemeClr val="tx1"/>
+                </a:solidFill>
+                <a:latin typeface="Times New Roman" charset="0"/>
+              </a:defRPr>
+            </a:lvl9pPr>
+          </a:lstStyle>
+          <a:p>
+            <a:r>
+              <a:rPr lang="en-US" sz="1400" smtClean="0"/>
+              <a:t>Summer 2017</a:t>
+            </a:r>
+            <a:endParaRPr lang="en-US" sz="1400"/>
+          </a:p>
+        </p:txBody>
+      </p:sp>
+      <p:sp>
+        <p:nvSpPr>
+          <p:cNvPr id="7171" name="Footer Placeholder 2"/>
+          <p:cNvSpPr>
+            <a:spLocks noGrp="1"/>
+          </p:cNvSpPr>
+          <p:nvPr>
+            <p:ph type="ftr" sz="quarter" idx="11"/>
+          </p:nvPr>
+        </p:nvSpPr>
+        <p:spPr>
+          <a:noFill/>
+        </p:spPr>
+        <p:txBody>
+          <a:bodyPr/>
+          <a:lstStyle>
+            <a:lvl1pPr>
+              <a:defRPr sz="2400">
+                <a:solidFill>
+                  <a:schemeClr val="tx1"/>
+                </a:solidFill>
+                <a:latin typeface="Times New Roman" charset="0"/>
+              </a:defRPr>
+            </a:lvl1pPr>
+            <a:lvl2pPr marL="742950" indent="-285750">
+              <a:defRPr sz="2400">
+                <a:solidFill>
+                  <a:schemeClr val="tx1"/>
+                </a:solidFill>
+                <a:latin typeface="Times New Roman" charset="0"/>
+              </a:defRPr>
+            </a:lvl2pPr>
+            <a:lvl3pPr marL="1143000" indent="-228600">
+              <a:defRPr sz="2400">
+                <a:solidFill>
+                  <a:schemeClr val="tx1"/>
+                </a:solidFill>
+                <a:latin typeface="Times New Roman" charset="0"/>
+              </a:defRPr>
+            </a:lvl3pPr>
+            <a:lvl4pPr marL="1600200" indent="-228600">
+              <a:defRPr sz="2400">
+                <a:solidFill>
+                  <a:schemeClr val="tx1"/>
+                </a:solidFill>
+                <a:latin typeface="Times New Roman" charset="0"/>
+              </a:defRPr>
+            </a:lvl4pPr>
+            <a:lvl5pPr marL="2057400" indent="-228600">
+              <a:defRPr sz="2400">
+                <a:solidFill>
+                  <a:schemeClr val="tx1"/>
+                </a:solidFill>
+                <a:latin typeface="Times New Roman" charset="0"/>
+              </a:defRPr>
+            </a:lvl5pPr>
+            <a:lvl6pPr marL="2514600" indent="-228600" eaLnBrk="0" fontAlgn="base" hangingPunct="0">
+              <a:spcBef>
+                <a:spcPct val="0"/>
+              </a:spcBef>
+              <a:spcAft>
+                <a:spcPct val="0"/>
+              </a:spcAft>
+              <a:defRPr sz="2400">
+                <a:solidFill>
+                  <a:schemeClr val="tx1"/>
+                </a:solidFill>
+                <a:latin typeface="Times New Roman" charset="0"/>
+              </a:defRPr>
+            </a:lvl6pPr>
+            <a:lvl7pPr marL="2971800" indent="-228600" eaLnBrk="0" fontAlgn="base" hangingPunct="0">
+              <a:spcBef>
+                <a:spcPct val="0"/>
+              </a:spcBef>
+              <a:spcAft>
+                <a:spcPct val="0"/>
+              </a:spcAft>
+              <a:defRPr sz="2400">
+                <a:solidFill>
+                  <a:schemeClr val="tx1"/>
+                </a:solidFill>
+                <a:latin typeface="Times New Roman" charset="0"/>
+              </a:defRPr>
+            </a:lvl7pPr>
+            <a:lvl8pPr marL="3429000" indent="-228600" eaLnBrk="0" fontAlgn="base" hangingPunct="0">
+              <a:spcBef>
+                <a:spcPct val="0"/>
+              </a:spcBef>
+              <a:spcAft>
+                <a:spcPct val="0"/>
+              </a:spcAft>
+              <a:defRPr sz="2400">
+                <a:solidFill>
+                  <a:schemeClr val="tx1"/>
+                </a:solidFill>
+                <a:latin typeface="Times New Roman" charset="0"/>
+              </a:defRPr>
+            </a:lvl8pPr>
+            <a:lvl9pPr marL="3886200" indent="-228600" eaLnBrk="0" fontAlgn="base" hangingPunct="0">
+              <a:spcBef>
+                <a:spcPct val="0"/>
+              </a:spcBef>
+              <a:spcAft>
+                <a:spcPct val="0"/>
+              </a:spcAft>
+              <a:defRPr sz="2400">
+                <a:solidFill>
+                  <a:schemeClr val="tx1"/>
+                </a:solidFill>
+                <a:latin typeface="Times New Roman" charset="0"/>
+              </a:defRPr>
+            </a:lvl9pPr>
+          </a:lstStyle>
+          <a:p>
+            <a:r>
+              <a:rPr lang="en-US" sz="1400" smtClean="0"/>
+              <a:t>Summer Institutes</a:t>
+            </a:r>
+          </a:p>
+        </p:txBody>
+      </p:sp>
+      <p:sp>
+        <p:nvSpPr>
+          <p:cNvPr id="7172" name="Slide Number Placeholder 3"/>
+          <p:cNvSpPr>
+            <a:spLocks noGrp="1"/>
+          </p:cNvSpPr>
+          <p:nvPr>
+            <p:ph type="sldNum" sz="quarter" idx="12"/>
+          </p:nvPr>
+        </p:nvSpPr>
+        <p:spPr>
+          <a:noFill/>
+        </p:spPr>
+        <p:txBody>
+          <a:bodyPr/>
+          <a:lstStyle>
+            <a:lvl1pPr>
+              <a:defRPr sz="2400">
+                <a:solidFill>
+                  <a:schemeClr val="tx1"/>
+                </a:solidFill>
+                <a:latin typeface="Times New Roman" charset="0"/>
+              </a:defRPr>
+            </a:lvl1pPr>
+            <a:lvl2pPr marL="742950" indent="-285750">
+              <a:defRPr sz="2400">
+                <a:solidFill>
+                  <a:schemeClr val="tx1"/>
+                </a:solidFill>
+                <a:latin typeface="Times New Roman" charset="0"/>
+              </a:defRPr>
+            </a:lvl2pPr>
+            <a:lvl3pPr marL="1143000" indent="-228600">
+              <a:defRPr sz="2400">
+                <a:solidFill>
+                  <a:schemeClr val="tx1"/>
+                </a:solidFill>
+                <a:latin typeface="Times New Roman" charset="0"/>
+              </a:defRPr>
+            </a:lvl3pPr>
+            <a:lvl4pPr marL="1600200" indent="-228600">
+              <a:defRPr sz="2400">
+                <a:solidFill>
+                  <a:schemeClr val="tx1"/>
+                </a:solidFill>
+                <a:latin typeface="Times New Roman" charset="0"/>
+              </a:defRPr>
+            </a:lvl4pPr>
+            <a:lvl5pPr marL="2057400" indent="-228600">
+              <a:defRPr sz="2400">
+                <a:solidFill>
+                  <a:schemeClr val="tx1"/>
+                </a:solidFill>
+                <a:latin typeface="Times New Roman" charset="0"/>
+              </a:defRPr>
+            </a:lvl5pPr>
+            <a:lvl6pPr marL="2514600" indent="-228600" eaLnBrk="0" fontAlgn="base" hangingPunct="0">
+              <a:spcBef>
+                <a:spcPct val="0"/>
+              </a:spcBef>
+              <a:spcAft>
+                <a:spcPct val="0"/>
+              </a:spcAft>
+              <a:defRPr sz="2400">
+                <a:solidFill>
+                  <a:schemeClr val="tx1"/>
+                </a:solidFill>
+                <a:latin typeface="Times New Roman" charset="0"/>
+              </a:defRPr>
+            </a:lvl6pPr>
+            <a:lvl7pPr marL="2971800" indent="-228600" eaLnBrk="0" fontAlgn="base" hangingPunct="0">
+              <a:spcBef>
+                <a:spcPct val="0"/>
+              </a:spcBef>
+              <a:spcAft>
+                <a:spcPct val="0"/>
+              </a:spcAft>
+              <a:defRPr sz="2400">
+                <a:solidFill>
+                  <a:schemeClr val="tx1"/>
+                </a:solidFill>
+                <a:latin typeface="Times New Roman" charset="0"/>
+              </a:defRPr>
+            </a:lvl7pPr>
+            <a:lvl8pPr marL="3429000" indent="-228600" eaLnBrk="0" fontAlgn="base" hangingPunct="0">
+              <a:spcBef>
+                <a:spcPct val="0"/>
+              </a:spcBef>
+              <a:spcAft>
+                <a:spcPct val="0"/>
+              </a:spcAft>
+              <a:defRPr sz="2400">
+                <a:solidFill>
+                  <a:schemeClr val="tx1"/>
+                </a:solidFill>
+                <a:latin typeface="Times New Roman" charset="0"/>
+              </a:defRPr>
+            </a:lvl8pPr>
+            <a:lvl9pPr marL="3886200" indent="-228600" eaLnBrk="0" fontAlgn="base" hangingPunct="0">
+              <a:spcBef>
+                <a:spcPct val="0"/>
+              </a:spcBef>
+              <a:spcAft>
+                <a:spcPct val="0"/>
+              </a:spcAft>
+              <a:defRPr sz="2400">
+                <a:solidFill>
+                  <a:schemeClr val="tx1"/>
+                </a:solidFill>
+                <a:latin typeface="Times New Roman" charset="0"/>
+              </a:defRPr>
+            </a:lvl9pPr>
+          </a:lstStyle>
+          <a:p>
+            <a:fld id="{60529DA9-B989-4215-9467-4EA9EE2743CD}" type="slidenum">
+              <a:rPr lang="en-US" sz="1400" smtClean="0"/>
+              <a:pPr/>
+              <a:t>258</a:t>
+            </a:fld>
+            <a:endParaRPr lang="en-US" sz="1400" smtClean="0"/>
+          </a:p>
+        </p:txBody>
+      </p:sp>
+      <p:sp>
+        <p:nvSpPr>
+          <p:cNvPr id="7173" name="Text Box 2"/>
+          <p:cNvSpPr txBox="1">
+            <a:spLocks noChangeArrowheads="1"/>
+          </p:cNvSpPr>
+          <p:nvPr/>
+        </p:nvSpPr>
+        <p:spPr bwMode="auto">
+          <a:xfrm>
+            <a:off x="1371600" y="746125"/>
+            <a:ext cx="3810000" cy="396875"/>
+          </a:xfrm>
+          <a:prstGeom prst="rect">
+            <a:avLst/>
+          </a:prstGeom>
+          <a:noFill/>
+          <a:ln>
+            <a:noFill/>
+          </a:ln>
+          <a:effectLst/>
+          <a:extLst>
+            <a:ext uri="{909E8E84-426E-40dd-AFC4-6F175D3DCCD1}">
+              <a14:hiddenFill xmlns:a14="http://schemas.microsoft.com/office/drawing/2010/main" xmlns="">
+                <a:solidFill>
+                  <a:schemeClr val="accent1"/>
+                </a:solidFill>
+              </a14:hiddenFill>
+            </a:ext>
+            <a:ext uri="{91240B29-F687-4f45-9708-019B960494DF}">
+              <a14:hiddenLine xmlns:a14="http://schemas.microsoft.com/office/drawing/2010/main" xmlns="" w="9525">
+                <a:solidFill>
+                  <a:schemeClr val="tx1"/>
+                </a:solidFill>
+                <a:miter lim="800000"/>
+                <a:headEnd/>
+                <a:tailEnd/>
+              </a14:hiddenLine>
+            </a:ext>
+            <a:ext uri="{AF507438-7753-43e0-B8FC-AC1667EBCBE1}">
+              <a14:hiddenEffects xmlns:a14="http://schemas.microsoft.com/office/drawing/2010/main" xmlns="">
+                <a:effectLst>
+                  <a:outerShdw dist="35921" dir="2700000" algn="ctr" rotWithShape="0">
+                    <a:schemeClr val="bg2"/>
+                  </a:outerShdw>
+                </a:effectLst>
+              </a14:hiddenEffects>
+            </a:ext>
+          </a:extLst>
+        </p:spPr>
+        <p:txBody>
+          <a:bodyPr>
+            <a:spAutoFit/>
+          </a:bodyPr>
+          <a:lstStyle>
+            <a:lvl1pPr>
+              <a:defRPr sz="2400">
+                <a:solidFill>
+                  <a:schemeClr val="tx1"/>
+                </a:solidFill>
+                <a:latin typeface="Times New Roman" charset="0"/>
+              </a:defRPr>
+            </a:lvl1pPr>
+            <a:lvl2pPr marL="742950" indent="-285750">
+              <a:defRPr sz="2400">
+                <a:solidFill>
+                  <a:schemeClr val="tx1"/>
+                </a:solidFill>
+                <a:latin typeface="Times New Roman" charset="0"/>
+              </a:defRPr>
+            </a:lvl2pPr>
+            <a:lvl3pPr marL="1143000" indent="-228600">
+              <a:defRPr sz="2400">
+                <a:solidFill>
+                  <a:schemeClr val="tx1"/>
+                </a:solidFill>
+                <a:latin typeface="Times New Roman" charset="0"/>
+              </a:defRPr>
+            </a:lvl3pPr>
+            <a:lvl4pPr marL="1600200" indent="-228600">
+              <a:defRPr sz="2400">
+                <a:solidFill>
+                  <a:schemeClr val="tx1"/>
+                </a:solidFill>
+                <a:latin typeface="Times New Roman" charset="0"/>
+              </a:defRPr>
+            </a:lvl4pPr>
+            <a:lvl5pPr marL="2057400" indent="-228600">
+              <a:defRPr sz="2400">
+                <a:solidFill>
+                  <a:schemeClr val="tx1"/>
+                </a:solidFill>
+                <a:latin typeface="Times New Roman" charset="0"/>
+              </a:defRPr>
+            </a:lvl5pPr>
+            <a:lvl6pPr marL="2514600" indent="-228600" eaLnBrk="0" fontAlgn="base" hangingPunct="0">
+              <a:spcBef>
+                <a:spcPct val="0"/>
+              </a:spcBef>
+              <a:spcAft>
+                <a:spcPct val="0"/>
+              </a:spcAft>
+              <a:defRPr sz="2400">
+                <a:solidFill>
+                  <a:schemeClr val="tx1"/>
+                </a:solidFill>
+                <a:latin typeface="Times New Roman" charset="0"/>
+              </a:defRPr>
+            </a:lvl6pPr>
+            <a:lvl7pPr marL="2971800" indent="-228600" eaLnBrk="0" fontAlgn="base" hangingPunct="0">
+              <a:spcBef>
+                <a:spcPct val="0"/>
+              </a:spcBef>
+              <a:spcAft>
+                <a:spcPct val="0"/>
+              </a:spcAft>
+              <a:defRPr sz="2400">
+                <a:solidFill>
+                  <a:schemeClr val="tx1"/>
+                </a:solidFill>
+                <a:latin typeface="Times New Roman" charset="0"/>
+              </a:defRPr>
+            </a:lvl7pPr>
+            <a:lvl8pPr marL="3429000" indent="-228600" eaLnBrk="0" fontAlgn="base" hangingPunct="0">
+              <a:spcBef>
+                <a:spcPct val="0"/>
+              </a:spcBef>
+              <a:spcAft>
+                <a:spcPct val="0"/>
+              </a:spcAft>
+              <a:defRPr sz="2400">
+                <a:solidFill>
+                  <a:schemeClr val="tx1"/>
+                </a:solidFill>
+                <a:latin typeface="Times New Roman" charset="0"/>
+              </a:defRPr>
+            </a:lvl8pPr>
+            <a:lvl9pPr marL="3886200" indent="-228600" eaLnBrk="0" fontAlgn="base" hangingPunct="0">
+              <a:spcBef>
+                <a:spcPct val="0"/>
+              </a:spcBef>
+              <a:spcAft>
+                <a:spcPct val="0"/>
+              </a:spcAft>
+              <a:defRPr sz="2400">
+                <a:solidFill>
+                  <a:schemeClr val="tx1"/>
+                </a:solidFill>
+                <a:latin typeface="Times New Roman" charset="0"/>
+              </a:defRPr>
+            </a:lvl9pPr>
+          </a:lstStyle>
+          <a:p>
+            <a:pPr algn="ctr">
+              <a:spcBef>
+                <a:spcPct val="50000"/>
+              </a:spcBef>
+            </a:pPr>
+            <a:r>
+              <a:rPr lang="en-US" sz="2000" b="1"/>
+              <a:t>Bootstrap Algorithm</a:t>
+            </a:r>
+          </a:p>
+        </p:txBody>
+      </p:sp>
+      <p:sp>
+        <p:nvSpPr>
+          <p:cNvPr id="7174" name="Line 3"/>
+          <p:cNvSpPr>
+            <a:spLocks noChangeShapeType="1"/>
+          </p:cNvSpPr>
+          <p:nvPr/>
+        </p:nvSpPr>
+        <p:spPr bwMode="auto">
+          <a:xfrm>
+            <a:off x="1219200" y="1295400"/>
+            <a:ext cx="4114800" cy="0"/>
+          </a:xfrm>
+          <a:prstGeom prst="line">
+            <a:avLst/>
+          </a:prstGeom>
+          <a:noFill/>
+          <a:ln w="38100">
+            <a:solidFill>
+              <a:schemeClr val="tx1"/>
+            </a:solidFill>
+            <a:round/>
+            <a:headEnd/>
+            <a:tailEnd/>
+          </a:ln>
+          <a:effectLst/>
+          <a:extLst>
+            <a:ext uri="{909E8E84-426E-40dd-AFC4-6F175D3DCCD1}">
+              <a14:hiddenFill xmlns:a14="http://schemas.microsoft.com/office/drawing/2010/main" xmlns="">
+                <a:noFill/>
+              </a14:hiddenFill>
+            </a:ext>
+            <a:ext uri="{AF507438-7753-43e0-B8FC-AC1667EBCBE1}">
+              <a14:hiddenEffects xmlns:a14="http://schemas.microsoft.com/office/drawing/2010/main" xmlns="">
+                <a:effectLst>
+                  <a:outerShdw dist="35921" dir="2700000" algn="ctr" rotWithShape="0">
+                    <a:schemeClr val="bg2"/>
+                  </a:outerShdw>
+                </a:effectLst>
+              </a14:hiddenEffects>
+            </a:ext>
+          </a:extLst>
+        </p:spPr>
+        <p:txBody>
+          <a:bodyPr wrap="none" anchor="ctr"/>
+          <a:lstStyle/>
+          <a:p>
+            <a:endParaRPr lang="en-US"/>
+          </a:p>
+        </p:txBody>
+      </p:sp>
+      <mc:AlternateContent xmlns:mc="http://schemas.openxmlformats.org/markup-compatibility/2006" xmlns:a14="http://schemas.microsoft.com/office/drawing/2010/main">
+        <mc:Choice Requires="a14">
+          <p:sp>
+            <p:nvSpPr>
+              <p:cNvPr id="7175" name="Text Box 4"/>
+              <p:cNvSpPr txBox="1">
+                <a:spLocks noChangeArrowheads="1"/>
+              </p:cNvSpPr>
+              <p:nvPr/>
+            </p:nvSpPr>
+            <p:spPr bwMode="auto">
+              <a:xfrm>
+                <a:off x="533400" y="1828800"/>
+                <a:ext cx="5715000" cy="3805272"/>
+              </a:xfrm>
+              <a:prstGeom prst="rect">
+                <a:avLst/>
+              </a:prstGeom>
+              <a:noFill/>
+              <a:ln>
+                <a:noFill/>
+              </a:ln>
+              <a:effectLst/>
+              <a:extLst>
+                <a:ext uri="{909E8E84-426E-40dd-AFC4-6F175D3DCCD1}">
+                  <a14:hiddenFill xmlns="">
+                    <a:solidFill>
+                      <a:schemeClr val="accent1"/>
+                    </a:solidFill>
+                  </a14:hiddenFill>
+                </a:ext>
+                <a:ext uri="{91240B29-F687-4f45-9708-019B960494DF}">
+                  <a14:hiddenLine xmlns="" w="9525">
+                    <a:solidFill>
+                      <a:schemeClr val="tx1"/>
+                    </a:solidFill>
+                    <a:miter lim="800000"/>
+                    <a:headEnd/>
+                    <a:tailEnd/>
+                  </a14:hiddenLine>
+                </a:ext>
+                <a:ext uri="{AF507438-7753-43e0-B8FC-AC1667EBCBE1}">
+                  <a14:hiddenEffects xmlns="">
+                    <a:effectLst>
+                      <a:outerShdw dist="35921" dir="2700000" algn="ctr" rotWithShape="0">
+                        <a:schemeClr val="bg2"/>
+                      </a:outerShdw>
+                    </a:effectLst>
+                  </a14:hiddenEffects>
+                </a:ext>
+              </a:extLst>
+            </p:spPr>
+            <p:txBody>
+              <a:bodyPr>
+                <a:spAutoFit/>
+              </a:bodyPr>
+              <a:lstStyle>
+                <a:lvl1pPr>
+                  <a:tabLst>
+                    <a:tab pos="228600" algn="l"/>
+                  </a:tabLst>
+                  <a:defRPr sz="2400">
+                    <a:solidFill>
+                      <a:schemeClr val="tx1"/>
+                    </a:solidFill>
+                    <a:latin typeface="Times New Roman" charset="0"/>
+                  </a:defRPr>
+                </a:lvl1pPr>
+                <a:lvl2pPr marL="742950" indent="-285750">
+                  <a:tabLst>
+                    <a:tab pos="228600" algn="l"/>
+                  </a:tabLst>
+                  <a:defRPr sz="2400">
+                    <a:solidFill>
+                      <a:schemeClr val="tx1"/>
+                    </a:solidFill>
+                    <a:latin typeface="Times New Roman" charset="0"/>
+                  </a:defRPr>
+                </a:lvl2pPr>
+                <a:lvl3pPr marL="1143000" indent="-228600">
+                  <a:tabLst>
+                    <a:tab pos="228600" algn="l"/>
+                  </a:tabLst>
+                  <a:defRPr sz="2400">
+                    <a:solidFill>
+                      <a:schemeClr val="tx1"/>
+                    </a:solidFill>
+                    <a:latin typeface="Times New Roman" charset="0"/>
+                  </a:defRPr>
+                </a:lvl3pPr>
+                <a:lvl4pPr marL="1600200" indent="-228600">
+                  <a:tabLst>
+                    <a:tab pos="228600" algn="l"/>
+                  </a:tabLst>
+                  <a:defRPr sz="2400">
+                    <a:solidFill>
+                      <a:schemeClr val="tx1"/>
+                    </a:solidFill>
+                    <a:latin typeface="Times New Roman" charset="0"/>
+                  </a:defRPr>
+                </a:lvl4pPr>
+                <a:lvl5pPr marL="2057400" indent="-228600">
+                  <a:tabLst>
+                    <a:tab pos="228600" algn="l"/>
+                  </a:tabLst>
+                  <a:defRPr sz="2400">
+                    <a:solidFill>
+                      <a:schemeClr val="tx1"/>
+                    </a:solidFill>
+                    <a:latin typeface="Times New Roman" charset="0"/>
+                  </a:defRPr>
+                </a:lvl5pPr>
+                <a:lvl6pPr marL="2514600" indent="-228600" eaLnBrk="0" fontAlgn="base" hangingPunct="0">
+                  <a:spcBef>
+                    <a:spcPct val="0"/>
+                  </a:spcBef>
+                  <a:spcAft>
+                    <a:spcPct val="0"/>
+                  </a:spcAft>
+                  <a:tabLst>
+                    <a:tab pos="228600" algn="l"/>
+                  </a:tabLst>
+                  <a:defRPr sz="2400">
+                    <a:solidFill>
+                      <a:schemeClr val="tx1"/>
+                    </a:solidFill>
+                    <a:latin typeface="Times New Roman" charset="0"/>
+                  </a:defRPr>
+                </a:lvl6pPr>
+                <a:lvl7pPr marL="2971800" indent="-228600" eaLnBrk="0" fontAlgn="base" hangingPunct="0">
+                  <a:spcBef>
+                    <a:spcPct val="0"/>
+                  </a:spcBef>
+                  <a:spcAft>
+                    <a:spcPct val="0"/>
+                  </a:spcAft>
+                  <a:tabLst>
+                    <a:tab pos="228600" algn="l"/>
+                  </a:tabLst>
+                  <a:defRPr sz="2400">
+                    <a:solidFill>
+                      <a:schemeClr val="tx1"/>
+                    </a:solidFill>
+                    <a:latin typeface="Times New Roman" charset="0"/>
+                  </a:defRPr>
+                </a:lvl7pPr>
+                <a:lvl8pPr marL="3429000" indent="-228600" eaLnBrk="0" fontAlgn="base" hangingPunct="0">
+                  <a:spcBef>
+                    <a:spcPct val="0"/>
+                  </a:spcBef>
+                  <a:spcAft>
+                    <a:spcPct val="0"/>
+                  </a:spcAft>
+                  <a:tabLst>
+                    <a:tab pos="228600" algn="l"/>
+                  </a:tabLst>
+                  <a:defRPr sz="2400">
+                    <a:solidFill>
+                      <a:schemeClr val="tx1"/>
+                    </a:solidFill>
+                    <a:latin typeface="Times New Roman" charset="0"/>
+                  </a:defRPr>
+                </a:lvl8pPr>
+                <a:lvl9pPr marL="3886200" indent="-228600" eaLnBrk="0" fontAlgn="base" hangingPunct="0">
+                  <a:spcBef>
+                    <a:spcPct val="0"/>
+                  </a:spcBef>
+                  <a:spcAft>
+                    <a:spcPct val="0"/>
+                  </a:spcAft>
+                  <a:tabLst>
+                    <a:tab pos="228600" algn="l"/>
+                  </a:tabLst>
+                  <a:defRPr sz="2400">
+                    <a:solidFill>
+                      <a:schemeClr val="tx1"/>
+                    </a:solidFill>
+                    <a:latin typeface="Times New Roman" charset="0"/>
+                  </a:defRPr>
+                </a:lvl9pPr>
+              </a:lstStyle>
+              <a:p>
+                <a:pPr>
+                  <a:spcBef>
+                    <a:spcPct val="50000"/>
+                  </a:spcBef>
+                  <a:buFontTx/>
+                  <a:buChar char="•"/>
+                </a:pPr>
+                <a:r>
+                  <a:rPr kumimoji="1" lang="en-US" sz="2000" dirty="0" smtClean="0"/>
+                  <a:t> (Assume </a:t>
+                </a:r>
+                <a:r>
+                  <a:rPr kumimoji="1" lang="en-US" sz="2000" dirty="0"/>
+                  <a:t>the sample accurately reflects the population from which it is </a:t>
+                </a:r>
+                <a:r>
+                  <a:rPr kumimoji="1" lang="en-US" sz="2000" dirty="0" smtClean="0"/>
+                  <a:t>drawn)</a:t>
+                </a:r>
+                <a:endParaRPr kumimoji="1" lang="en-US" sz="2000" dirty="0"/>
+              </a:p>
+              <a:p>
+                <a:pPr>
+                  <a:spcBef>
+                    <a:spcPct val="50000"/>
+                  </a:spcBef>
+                  <a:buFontTx/>
+                  <a:buChar char="•"/>
+                </a:pPr>
+                <a:r>
+                  <a:rPr kumimoji="1" lang="en-US" sz="2000" dirty="0"/>
+                  <a:t> Generate a large number of “bootstrap” samples by resampling (with replacement) from </a:t>
+                </a:r>
+                <a:r>
+                  <a:rPr kumimoji="1" lang="en-US" sz="2000" dirty="0" smtClean="0"/>
+                  <a:t>your dataset</a:t>
+                </a:r>
+                <a:endParaRPr kumimoji="1" lang="en-US" sz="2000" dirty="0"/>
+              </a:p>
+              <a:p>
+                <a:pPr>
+                  <a:spcBef>
+                    <a:spcPct val="50000"/>
+                  </a:spcBef>
+                  <a:buFontTx/>
+                  <a:buChar char="•"/>
+                </a:pPr>
+                <a:r>
+                  <a:rPr kumimoji="1" lang="en-US" sz="2000" dirty="0"/>
+                  <a:t> Resample with the same structure </a:t>
+                </a:r>
+                <a:r>
+                  <a:rPr kumimoji="1" lang="en-US" sz="2000" dirty="0" smtClean="0"/>
+                  <a:t>as </a:t>
+                </a:r>
+                <a:r>
+                  <a:rPr kumimoji="1" lang="en-US" sz="2000" dirty="0"/>
+                  <a:t>used in the original sample</a:t>
+                </a:r>
+              </a:p>
+              <a:p>
+                <a:pPr>
+                  <a:spcBef>
+                    <a:spcPct val="50000"/>
+                  </a:spcBef>
+                  <a:buFontTx/>
+                  <a:buChar char="•"/>
+                </a:pPr>
+                <a:r>
+                  <a:rPr kumimoji="1" lang="en-US" sz="2000" dirty="0"/>
+                  <a:t> Compute your </a:t>
+                </a:r>
+                <a:r>
+                  <a:rPr kumimoji="1" lang="en-US" sz="2000" dirty="0" smtClean="0"/>
+                  <a:t>estimator</a:t>
+                </a:r>
+                <a:r>
+                  <a:rPr lang="is-IS" sz="2000" dirty="0" smtClean="0">
+                    <a:sym typeface="Symbol" pitchFamily="18" charset="2"/>
+                  </a:rPr>
+                  <a:t> </a:t>
+                </a:r>
+                <a14:m>
+                  <m:oMath xmlns:m="http://schemas.openxmlformats.org/officeDocument/2006/math">
+                    <m:acc>
+                      <m:accPr>
+                        <m:chr m:val="̂"/>
+                        <m:ctrlPr>
+                          <a:rPr lang="is-IS" sz="2000" i="1">
+                            <a:latin typeface="Cambria Math" charset="0"/>
+                            <a:sym typeface="Symbol" pitchFamily="18" charset="2"/>
+                          </a:rPr>
+                        </m:ctrlPr>
+                      </m:accPr>
+                      <m:e>
+                        <m:r>
+                          <a:rPr lang="is-IS" sz="2000" i="1">
+                            <a:latin typeface="Cambria Math" charset="0"/>
+                            <a:ea typeface="Cambria Math" charset="0"/>
+                            <a:cs typeface="Cambria Math" charset="0"/>
+                            <a:sym typeface="Symbol" pitchFamily="18" charset="2"/>
+                          </a:rPr>
+                          <m:t>𝜃</m:t>
+                        </m:r>
+                      </m:e>
+                    </m:acc>
+                    <m:r>
+                      <a:rPr lang="en-US" sz="2000" b="0" i="0" smtClean="0">
+                        <a:latin typeface="Cambria Math" charset="0"/>
+                        <a:ea typeface="Cambria Math" charset="0"/>
+                        <a:cs typeface="Cambria Math" charset="0"/>
+                        <a:sym typeface="Symbol" pitchFamily="18" charset="2"/>
+                      </a:rPr>
+                      <m:t> </m:t>
+                    </m:r>
+                  </m:oMath>
+                </a14:m>
+                <a:r>
+                  <a:rPr kumimoji="1" lang="en-US" sz="2000" dirty="0" smtClean="0"/>
+                  <a:t>for </a:t>
+                </a:r>
+                <a:r>
+                  <a:rPr kumimoji="1" lang="en-US" sz="2000" dirty="0"/>
+                  <a:t>each of the bootstrap samples</a:t>
+                </a:r>
+              </a:p>
+              <a:p>
+                <a:pPr>
+                  <a:spcBef>
+                    <a:spcPct val="50000"/>
+                  </a:spcBef>
+                  <a:buFontTx/>
+                  <a:buChar char="•"/>
+                </a:pPr>
+                <a:r>
+                  <a:rPr kumimoji="1" lang="en-US" sz="2000" dirty="0"/>
+                  <a:t> Compute the </a:t>
+                </a:r>
+                <a:r>
+                  <a:rPr kumimoji="1" lang="en-US" sz="2000" dirty="0" smtClean="0"/>
+                  <a:t>standard deviation of the bootstrapped estimates</a:t>
+                </a:r>
+                <a:endParaRPr lang="en-US" sz="2000" dirty="0"/>
+              </a:p>
+            </p:txBody>
+          </p:sp>
+        </mc:Choice>
+        <mc:Fallback xmlns="">
+          <p:sp>
+            <p:nvSpPr>
+              <p:cNvPr id="7175" name="Text Box 4"/>
+              <p:cNvSpPr txBox="1">
+                <a:spLocks noRot="1" noChangeAspect="1" noMove="1" noResize="1" noEditPoints="1" noAdjustHandles="1" noChangeArrowheads="1" noChangeShapeType="1" noTextEdit="1"/>
+              </p:cNvSpPr>
+              <p:nvPr/>
+            </p:nvSpPr>
+            <p:spPr bwMode="auto">
+              <a:xfrm>
+                <a:off x="533400" y="1828800"/>
+                <a:ext cx="5715000" cy="3805272"/>
+              </a:xfrm>
+              <a:prstGeom prst="rect">
+                <a:avLst/>
+              </a:prstGeom>
+              <a:blipFill rotWithShape="0">
+                <a:blip r:embed="rId2"/>
+                <a:stretch>
+                  <a:fillRect l="-1174" t="-801" r="-107" b="-1923"/>
+                </a:stretch>
+              </a:blipFill>
+              <a:ln>
+                <a:noFill/>
+              </a:ln>
+              <a:effectLst/>
+              <a:extLst>
+                <a:ext uri="{909E8E84-426E-40dd-AFC4-6F175D3DCCD1}">
+                  <a14:hiddenFill xmlns:a14="http://schemas.microsoft.com/office/drawing/2010/main" xmlns="">
+                    <a:solidFill>
+                      <a:schemeClr val="accent1"/>
+                    </a:solidFill>
+                  </a14:hiddenFill>
+                </a:ext>
+                <a:ext uri="{91240B29-F687-4f45-9708-019B960494DF}">
+                  <a14:hiddenLine xmlns:a14="http://schemas.microsoft.com/office/drawing/2010/main" xmlns="" w="9525">
+                    <a:solidFill>
+                      <a:schemeClr val="tx1"/>
+                    </a:solidFill>
+                    <a:miter lim="800000"/>
+                    <a:headEnd/>
+                    <a:tailEnd/>
+                  </a14:hiddenLine>
+                </a:ext>
+                <a:ext uri="{AF507438-7753-43e0-B8FC-AC1667EBCBE1}">
+                  <a14:hiddenEffects xmlns:a14="http://schemas.microsoft.com/office/drawing/2010/main" xmlns="">
+                    <a:effectLst>
+                      <a:outerShdw dist="35921" dir="2700000" algn="ctr" rotWithShape="0">
+                        <a:schemeClr val="bg2"/>
+                      </a:outerShdw>
+                    </a:effectLst>
+                  </a14:hiddenEffects>
+                </a:ext>
+              </a:extLst>
+            </p:spPr>
+            <p:txBody>
+              <a:bodyPr/>
+              <a:lstStyle/>
+              <a:p>
+                <a:r>
+                  <a:rPr lang="en-US">
+                    <a:noFill/>
+                  </a:rPr>
+                  <a:t> </a:t>
+                </a:r>
+              </a:p>
+            </p:txBody>
+          </p:sp>
+        </mc:Fallback>
+      </mc:AlternateContent>
+      <p:sp>
+        <p:nvSpPr>
+          <p:cNvPr id="7176" name="Rectangle 5"/>
+          <p:cNvSpPr>
+            <a:spLocks noChangeArrowheads="1"/>
+          </p:cNvSpPr>
+          <p:nvPr/>
+        </p:nvSpPr>
+        <p:spPr bwMode="auto">
+          <a:xfrm>
+            <a:off x="0" y="0"/>
+            <a:ext cx="6858000" cy="0"/>
+          </a:xfrm>
+          <a:prstGeom prst="rect">
+            <a:avLst/>
+          </a:prstGeom>
+          <a:noFill/>
+          <a:ln>
+            <a:noFill/>
+          </a:ln>
+          <a:effectLst/>
+          <a:extLst>
+            <a:ext uri="{909E8E84-426E-40dd-AFC4-6F175D3DCCD1}">
+              <a14:hiddenFill xmlns:a14="http://schemas.microsoft.com/office/drawing/2010/main" xmlns="">
+                <a:solidFill>
+                  <a:schemeClr val="accent1"/>
+                </a:solidFill>
+              </a14:hiddenFill>
+            </a:ext>
+            <a:ext uri="{91240B29-F687-4f45-9708-019B960494DF}">
+              <a14:hiddenLine xmlns:a14="http://schemas.microsoft.com/office/drawing/2010/main" xmlns="" w="9525">
+                <a:solidFill>
+                  <a:schemeClr val="tx1"/>
+                </a:solidFill>
+                <a:miter lim="800000"/>
+                <a:headEnd/>
+                <a:tailEnd/>
+              </a14:hiddenLine>
+            </a:ext>
+            <a:ext uri="{AF507438-7753-43e0-B8FC-AC1667EBCBE1}">
+              <a14:hiddenEffects xmlns:a14="http://schemas.microsoft.com/office/drawing/2010/main" xmlns="">
+                <a:effectLst>
+                  <a:outerShdw dist="35921" dir="2700000" algn="ctr" rotWithShape="0">
+                    <a:schemeClr val="bg2"/>
+                  </a:outerShdw>
+                </a:effectLst>
+              </a14:hiddenEffects>
+            </a:ext>
+          </a:extLst>
+        </p:spPr>
+        <p:txBody>
+          <a:bodyPr wrap="none" anchor="ctr">
+            <a:spAutoFit/>
+          </a:bodyPr>
+          <a:lstStyle/>
+          <a:p>
+            <a:endParaRPr lang="en-US"/>
+          </a:p>
+        </p:txBody>
+      </p:sp>
+      <p:sp>
+        <p:nvSpPr>
+          <p:cNvPr id="7177" name="Rectangle 6"/>
+          <p:cNvSpPr>
+            <a:spLocks noChangeArrowheads="1"/>
+          </p:cNvSpPr>
+          <p:nvPr/>
+        </p:nvSpPr>
+        <p:spPr bwMode="auto">
+          <a:xfrm>
+            <a:off x="0" y="0"/>
+            <a:ext cx="6858000" cy="0"/>
+          </a:xfrm>
+          <a:prstGeom prst="rect">
+            <a:avLst/>
+          </a:prstGeom>
+          <a:noFill/>
+          <a:ln>
+            <a:noFill/>
+          </a:ln>
+          <a:effectLst/>
+          <a:extLst>
+            <a:ext uri="{909E8E84-426E-40dd-AFC4-6F175D3DCCD1}">
+              <a14:hiddenFill xmlns:a14="http://schemas.microsoft.com/office/drawing/2010/main" xmlns="">
+                <a:solidFill>
+                  <a:schemeClr val="accent1"/>
+                </a:solidFill>
+              </a14:hiddenFill>
+            </a:ext>
+            <a:ext uri="{91240B29-F687-4f45-9708-019B960494DF}">
+              <a14:hiddenLine xmlns:a14="http://schemas.microsoft.com/office/drawing/2010/main" xmlns="" w="9525">
+                <a:solidFill>
+                  <a:schemeClr val="tx1"/>
+                </a:solidFill>
+                <a:miter lim="800000"/>
+                <a:headEnd/>
+                <a:tailEnd/>
+              </a14:hiddenLine>
+            </a:ext>
+            <a:ext uri="{AF507438-7753-43e0-B8FC-AC1667EBCBE1}">
+              <a14:hiddenEffects xmlns:a14="http://schemas.microsoft.com/office/drawing/2010/main" xmlns="">
+                <a:effectLst>
+                  <a:outerShdw dist="35921" dir="2700000" algn="ctr" rotWithShape="0">
+                    <a:schemeClr val="bg2"/>
+                  </a:outerShdw>
+                </a:effectLst>
+              </a14:hiddenEffects>
+            </a:ext>
+          </a:extLst>
+        </p:spPr>
+        <p:txBody>
+          <a:bodyPr wrap="none" anchor="ctr">
+            <a:spAutoFit/>
+          </a:bodyPr>
+          <a:lstStyle/>
+          <a:p>
+            <a:endParaRPr lang="en-US"/>
+          </a:p>
+        </p:txBody>
+      </p:sp>
+    </p:spTree>
+  </p:cSld>
+  <p:clrMapOvr>
+    <a:masterClrMapping/>
+  </p:clrMapOvr>
+  <p:timing>
+    <p:tnLst>
+      <p:par>
+        <p:cTn id="1" dur="indefinite" restart="never" nodeType="tmRoot"/>
+      </p:par>
+    </p:tnLst>
+  </p:timing>
+</p:sld>
+</file>
+
+<file path=ppt/slides/slide11.xml><?xml version="1.0" encoding="utf-8"?>
+<p:sld xmlns:a="http://schemas.openxmlformats.org/drawingml/2006/main" xmlns:r="http://schemas.openxmlformats.org/officeDocument/2006/relationships" xmlns:p="http://schemas.openxmlformats.org/presentationml/2006/main">
+  <p:cSld>
+    <p:spTree>
+      <p:nvGrpSpPr>
+        <p:cNvPr id="1" name=""/>
+        <p:cNvGrpSpPr/>
+        <p:nvPr/>
+      </p:nvGrpSpPr>
+      <p:grpSpPr>
+        <a:xfrm>
+          <a:off x="0" y="0"/>
+          <a:ext cx="0" cy="0"/>
+          <a:chOff x="0" y="0"/>
+          <a:chExt cx="0" cy="0"/>
+        </a:xfrm>
+      </p:grpSpPr>
+      <p:sp>
+        <p:nvSpPr>
+          <p:cNvPr id="11266" name="Date Placeholder 3"/>
+          <p:cNvSpPr>
+            <a:spLocks noGrp="1"/>
+          </p:cNvSpPr>
+          <p:nvPr>
+            <p:ph type="dt" sz="quarter" idx="10"/>
+          </p:nvPr>
+        </p:nvSpPr>
+        <p:spPr>
+          <a:noFill/>
+        </p:spPr>
+        <p:txBody>
+          <a:bodyPr/>
+          <a:lstStyle>
+            <a:lvl1pPr>
+              <a:defRPr sz="2400">
+                <a:solidFill>
+                  <a:schemeClr val="tx1"/>
+                </a:solidFill>
+                <a:latin typeface="Times New Roman" charset="0"/>
+              </a:defRPr>
+            </a:lvl1pPr>
+            <a:lvl2pPr marL="742950" indent="-285750">
+              <a:defRPr sz="2400">
+                <a:solidFill>
+                  <a:schemeClr val="tx1"/>
+                </a:solidFill>
+                <a:latin typeface="Times New Roman" charset="0"/>
+              </a:defRPr>
+            </a:lvl2pPr>
+            <a:lvl3pPr marL="1143000" indent="-228600">
+              <a:defRPr sz="2400">
+                <a:solidFill>
+                  <a:schemeClr val="tx1"/>
+                </a:solidFill>
+                <a:latin typeface="Times New Roman" charset="0"/>
+              </a:defRPr>
+            </a:lvl3pPr>
+            <a:lvl4pPr marL="1600200" indent="-228600">
+              <a:defRPr sz="2400">
+                <a:solidFill>
+                  <a:schemeClr val="tx1"/>
+                </a:solidFill>
+                <a:latin typeface="Times New Roman" charset="0"/>
+              </a:defRPr>
+            </a:lvl4pPr>
+            <a:lvl5pPr marL="2057400" indent="-228600">
+              <a:defRPr sz="2400">
+                <a:solidFill>
+                  <a:schemeClr val="tx1"/>
+                </a:solidFill>
+                <a:latin typeface="Times New Roman" charset="0"/>
+              </a:defRPr>
+            </a:lvl5pPr>
+            <a:lvl6pPr marL="2514600" indent="-228600" eaLnBrk="0" fontAlgn="base" hangingPunct="0">
+              <a:spcBef>
+                <a:spcPct val="0"/>
+              </a:spcBef>
+              <a:spcAft>
+                <a:spcPct val="0"/>
+              </a:spcAft>
+              <a:defRPr sz="2400">
+                <a:solidFill>
+                  <a:schemeClr val="tx1"/>
+                </a:solidFill>
+                <a:latin typeface="Times New Roman" charset="0"/>
+              </a:defRPr>
+            </a:lvl6pPr>
+            <a:lvl7pPr marL="2971800" indent="-228600" eaLnBrk="0" fontAlgn="base" hangingPunct="0">
+              <a:spcBef>
+                <a:spcPct val="0"/>
+              </a:spcBef>
+              <a:spcAft>
+                <a:spcPct val="0"/>
+              </a:spcAft>
+              <a:defRPr sz="2400">
+                <a:solidFill>
+                  <a:schemeClr val="tx1"/>
+                </a:solidFill>
+                <a:latin typeface="Times New Roman" charset="0"/>
+              </a:defRPr>
+            </a:lvl7pPr>
+            <a:lvl8pPr marL="3429000" indent="-228600" eaLnBrk="0" fontAlgn="base" hangingPunct="0">
+              <a:spcBef>
+                <a:spcPct val="0"/>
+              </a:spcBef>
+              <a:spcAft>
+                <a:spcPct val="0"/>
+              </a:spcAft>
+              <a:defRPr sz="2400">
+                <a:solidFill>
+                  <a:schemeClr val="tx1"/>
+                </a:solidFill>
+                <a:latin typeface="Times New Roman" charset="0"/>
+              </a:defRPr>
+            </a:lvl8pPr>
+            <a:lvl9pPr marL="3886200" indent="-228600" eaLnBrk="0" fontAlgn="base" hangingPunct="0">
+              <a:spcBef>
+                <a:spcPct val="0"/>
+              </a:spcBef>
+              <a:spcAft>
+                <a:spcPct val="0"/>
+              </a:spcAft>
+              <a:defRPr sz="2400">
+                <a:solidFill>
+                  <a:schemeClr val="tx1"/>
+                </a:solidFill>
+                <a:latin typeface="Times New Roman" charset="0"/>
+              </a:defRPr>
+            </a:lvl9pPr>
+          </a:lstStyle>
+          <a:p>
+            <a:r>
+              <a:rPr lang="en-US" sz="1400" smtClean="0"/>
+              <a:t>Summer 2017</a:t>
+            </a:r>
+            <a:endParaRPr lang="en-US" sz="1400"/>
+          </a:p>
+        </p:txBody>
+      </p:sp>
+      <p:sp>
+        <p:nvSpPr>
+          <p:cNvPr id="11267" name="Footer Placeholder 4"/>
+          <p:cNvSpPr>
+            <a:spLocks noGrp="1"/>
+          </p:cNvSpPr>
+          <p:nvPr>
+            <p:ph type="ftr" sz="quarter" idx="11"/>
+          </p:nvPr>
+        </p:nvSpPr>
+        <p:spPr>
+          <a:noFill/>
+        </p:spPr>
+        <p:txBody>
+          <a:bodyPr/>
+          <a:lstStyle>
+            <a:lvl1pPr>
+              <a:defRPr sz="2400">
+                <a:solidFill>
+                  <a:schemeClr val="tx1"/>
+                </a:solidFill>
+                <a:latin typeface="Times New Roman" charset="0"/>
+              </a:defRPr>
+            </a:lvl1pPr>
+            <a:lvl2pPr marL="742950" indent="-285750">
+              <a:defRPr sz="2400">
+                <a:solidFill>
+                  <a:schemeClr val="tx1"/>
+                </a:solidFill>
+                <a:latin typeface="Times New Roman" charset="0"/>
+              </a:defRPr>
+            </a:lvl2pPr>
+            <a:lvl3pPr marL="1143000" indent="-228600">
+              <a:defRPr sz="2400">
+                <a:solidFill>
+                  <a:schemeClr val="tx1"/>
+                </a:solidFill>
+                <a:latin typeface="Times New Roman" charset="0"/>
+              </a:defRPr>
+            </a:lvl3pPr>
+            <a:lvl4pPr marL="1600200" indent="-228600">
+              <a:defRPr sz="2400">
+                <a:solidFill>
+                  <a:schemeClr val="tx1"/>
+                </a:solidFill>
+                <a:latin typeface="Times New Roman" charset="0"/>
+              </a:defRPr>
+            </a:lvl4pPr>
+            <a:lvl5pPr marL="2057400" indent="-228600">
+              <a:defRPr sz="2400">
+                <a:solidFill>
+                  <a:schemeClr val="tx1"/>
+                </a:solidFill>
+                <a:latin typeface="Times New Roman" charset="0"/>
+              </a:defRPr>
+            </a:lvl5pPr>
+            <a:lvl6pPr marL="2514600" indent="-228600" eaLnBrk="0" fontAlgn="base" hangingPunct="0">
+              <a:spcBef>
+                <a:spcPct val="0"/>
+              </a:spcBef>
+              <a:spcAft>
+                <a:spcPct val="0"/>
+              </a:spcAft>
+              <a:defRPr sz="2400">
+                <a:solidFill>
+                  <a:schemeClr val="tx1"/>
+                </a:solidFill>
+                <a:latin typeface="Times New Roman" charset="0"/>
+              </a:defRPr>
+            </a:lvl6pPr>
+            <a:lvl7pPr marL="2971800" indent="-228600" eaLnBrk="0" fontAlgn="base" hangingPunct="0">
+              <a:spcBef>
+                <a:spcPct val="0"/>
+              </a:spcBef>
+              <a:spcAft>
+                <a:spcPct val="0"/>
+              </a:spcAft>
+              <a:defRPr sz="2400">
+                <a:solidFill>
+                  <a:schemeClr val="tx1"/>
+                </a:solidFill>
+                <a:latin typeface="Times New Roman" charset="0"/>
+              </a:defRPr>
+            </a:lvl7pPr>
+            <a:lvl8pPr marL="3429000" indent="-228600" eaLnBrk="0" fontAlgn="base" hangingPunct="0">
+              <a:spcBef>
+                <a:spcPct val="0"/>
+              </a:spcBef>
+              <a:spcAft>
+                <a:spcPct val="0"/>
+              </a:spcAft>
+              <a:defRPr sz="2400">
+                <a:solidFill>
+                  <a:schemeClr val="tx1"/>
+                </a:solidFill>
+                <a:latin typeface="Times New Roman" charset="0"/>
+              </a:defRPr>
+            </a:lvl8pPr>
+            <a:lvl9pPr marL="3886200" indent="-228600" eaLnBrk="0" fontAlgn="base" hangingPunct="0">
+              <a:spcBef>
+                <a:spcPct val="0"/>
+              </a:spcBef>
+              <a:spcAft>
+                <a:spcPct val="0"/>
+              </a:spcAft>
+              <a:defRPr sz="2400">
+                <a:solidFill>
+                  <a:schemeClr val="tx1"/>
+                </a:solidFill>
+                <a:latin typeface="Times New Roman" charset="0"/>
+              </a:defRPr>
+            </a:lvl9pPr>
+          </a:lstStyle>
+          <a:p>
+            <a:r>
+              <a:rPr lang="en-US" sz="1400" smtClean="0"/>
+              <a:t>Summer Institutes</a:t>
+            </a:r>
+          </a:p>
+        </p:txBody>
+      </p:sp>
+      <p:sp>
+        <p:nvSpPr>
+          <p:cNvPr id="11268" name="Slide Number Placeholder 5"/>
+          <p:cNvSpPr>
+            <a:spLocks noGrp="1"/>
+          </p:cNvSpPr>
+          <p:nvPr>
+            <p:ph type="sldNum" sz="quarter" idx="12"/>
+          </p:nvPr>
+        </p:nvSpPr>
+        <p:spPr>
+          <a:noFill/>
+        </p:spPr>
+        <p:txBody>
+          <a:bodyPr/>
+          <a:lstStyle>
+            <a:lvl1pPr>
+              <a:defRPr sz="2400">
+                <a:solidFill>
+                  <a:schemeClr val="tx1"/>
+                </a:solidFill>
+                <a:latin typeface="Times New Roman" charset="0"/>
+              </a:defRPr>
+            </a:lvl1pPr>
+            <a:lvl2pPr marL="742950" indent="-285750">
+              <a:defRPr sz="2400">
+                <a:solidFill>
+                  <a:schemeClr val="tx1"/>
+                </a:solidFill>
+                <a:latin typeface="Times New Roman" charset="0"/>
+              </a:defRPr>
+            </a:lvl2pPr>
+            <a:lvl3pPr marL="1143000" indent="-228600">
+              <a:defRPr sz="2400">
+                <a:solidFill>
+                  <a:schemeClr val="tx1"/>
+                </a:solidFill>
+                <a:latin typeface="Times New Roman" charset="0"/>
+              </a:defRPr>
+            </a:lvl3pPr>
+            <a:lvl4pPr marL="1600200" indent="-228600">
+              <a:defRPr sz="2400">
+                <a:solidFill>
+                  <a:schemeClr val="tx1"/>
+                </a:solidFill>
+                <a:latin typeface="Times New Roman" charset="0"/>
+              </a:defRPr>
+            </a:lvl4pPr>
+            <a:lvl5pPr marL="2057400" indent="-228600">
+              <a:defRPr sz="2400">
+                <a:solidFill>
+                  <a:schemeClr val="tx1"/>
+                </a:solidFill>
+                <a:latin typeface="Times New Roman" charset="0"/>
+              </a:defRPr>
+            </a:lvl5pPr>
+            <a:lvl6pPr marL="2514600" indent="-228600" eaLnBrk="0" fontAlgn="base" hangingPunct="0">
+              <a:spcBef>
+                <a:spcPct val="0"/>
+              </a:spcBef>
+              <a:spcAft>
+                <a:spcPct val="0"/>
+              </a:spcAft>
+              <a:defRPr sz="2400">
+                <a:solidFill>
+                  <a:schemeClr val="tx1"/>
+                </a:solidFill>
+                <a:latin typeface="Times New Roman" charset="0"/>
+              </a:defRPr>
+            </a:lvl6pPr>
+            <a:lvl7pPr marL="2971800" indent="-228600" eaLnBrk="0" fontAlgn="base" hangingPunct="0">
+              <a:spcBef>
+                <a:spcPct val="0"/>
+              </a:spcBef>
+              <a:spcAft>
+                <a:spcPct val="0"/>
+              </a:spcAft>
+              <a:defRPr sz="2400">
+                <a:solidFill>
+                  <a:schemeClr val="tx1"/>
+                </a:solidFill>
+                <a:latin typeface="Times New Roman" charset="0"/>
+              </a:defRPr>
+            </a:lvl7pPr>
+            <a:lvl8pPr marL="3429000" indent="-228600" eaLnBrk="0" fontAlgn="base" hangingPunct="0">
+              <a:spcBef>
+                <a:spcPct val="0"/>
+              </a:spcBef>
+              <a:spcAft>
+                <a:spcPct val="0"/>
+              </a:spcAft>
+              <a:defRPr sz="2400">
+                <a:solidFill>
+                  <a:schemeClr val="tx1"/>
+                </a:solidFill>
+                <a:latin typeface="Times New Roman" charset="0"/>
+              </a:defRPr>
+            </a:lvl8pPr>
+            <a:lvl9pPr marL="3886200" indent="-228600" eaLnBrk="0" fontAlgn="base" hangingPunct="0">
+              <a:spcBef>
+                <a:spcPct val="0"/>
+              </a:spcBef>
+              <a:spcAft>
+                <a:spcPct val="0"/>
+              </a:spcAft>
+              <a:defRPr sz="2400">
+                <a:solidFill>
+                  <a:schemeClr val="tx1"/>
+                </a:solidFill>
+                <a:latin typeface="Times New Roman" charset="0"/>
+              </a:defRPr>
+            </a:lvl9pPr>
+          </a:lstStyle>
+          <a:p>
+            <a:fld id="{DD05954E-84E0-44EF-923F-9BAD61D7048E}" type="slidenum">
+              <a:rPr lang="en-US" sz="1400" smtClean="0"/>
+              <a:pPr/>
+              <a:t>259</a:t>
+            </a:fld>
+            <a:endParaRPr lang="en-US" sz="1400" smtClean="0"/>
+          </a:p>
+        </p:txBody>
+      </p:sp>
+      <p:sp>
+        <p:nvSpPr>
+          <p:cNvPr id="11269" name="Text Box 5"/>
+          <p:cNvSpPr txBox="1">
+            <a:spLocks noChangeArrowheads="1"/>
+          </p:cNvSpPr>
+          <p:nvPr/>
+        </p:nvSpPr>
+        <p:spPr bwMode="auto">
+          <a:xfrm>
+            <a:off x="1404938" y="590550"/>
+            <a:ext cx="3810000" cy="701675"/>
+          </a:xfrm>
+          <a:prstGeom prst="rect">
+            <a:avLst/>
+          </a:prstGeom>
+          <a:noFill/>
+          <a:ln>
+            <a:noFill/>
+          </a:ln>
+          <a:effectLst/>
+          <a:extLst>
+            <a:ext uri="{909E8E84-426E-40dd-AFC4-6F175D3DCCD1}">
+              <a14:hiddenFill xmlns:a14="http://schemas.microsoft.com/office/drawing/2010/main" xmlns="">
+                <a:solidFill>
+                  <a:schemeClr val="accent1"/>
+                </a:solidFill>
+              </a14:hiddenFill>
+            </a:ext>
+            <a:ext uri="{91240B29-F687-4f45-9708-019B960494DF}">
+              <a14:hiddenLine xmlns:a14="http://schemas.microsoft.com/office/drawing/2010/main" xmlns="" w="9525">
+                <a:solidFill>
+                  <a:schemeClr val="tx1"/>
+                </a:solidFill>
+                <a:miter lim="800000"/>
+                <a:headEnd/>
+                <a:tailEnd/>
+              </a14:hiddenLine>
+            </a:ext>
+            <a:ext uri="{AF507438-7753-43e0-B8FC-AC1667EBCBE1}">
+              <a14:hiddenEffects xmlns:a14="http://schemas.microsoft.com/office/drawing/2010/main" xmlns="">
+                <a:effectLst>
+                  <a:outerShdw dist="35921" dir="2700000" algn="ctr" rotWithShape="0">
+                    <a:schemeClr val="bg2"/>
+                  </a:outerShdw>
+                </a:effectLst>
+              </a14:hiddenEffects>
+            </a:ext>
+          </a:extLst>
+        </p:spPr>
+        <p:txBody>
+          <a:bodyPr>
+            <a:spAutoFit/>
+          </a:bodyPr>
+          <a:lstStyle>
+            <a:lvl1pPr>
+              <a:defRPr sz="2400">
+                <a:solidFill>
+                  <a:schemeClr val="tx1"/>
+                </a:solidFill>
+                <a:latin typeface="Times New Roman" charset="0"/>
+              </a:defRPr>
+            </a:lvl1pPr>
+            <a:lvl2pPr marL="742950" indent="-285750">
+              <a:defRPr sz="2400">
+                <a:solidFill>
+                  <a:schemeClr val="tx1"/>
+                </a:solidFill>
+                <a:latin typeface="Times New Roman" charset="0"/>
+              </a:defRPr>
+            </a:lvl2pPr>
+            <a:lvl3pPr marL="1143000" indent="-228600">
+              <a:defRPr sz="2400">
+                <a:solidFill>
+                  <a:schemeClr val="tx1"/>
+                </a:solidFill>
+                <a:latin typeface="Times New Roman" charset="0"/>
+              </a:defRPr>
+            </a:lvl3pPr>
+            <a:lvl4pPr marL="1600200" indent="-228600">
+              <a:defRPr sz="2400">
+                <a:solidFill>
+                  <a:schemeClr val="tx1"/>
+                </a:solidFill>
+                <a:latin typeface="Times New Roman" charset="0"/>
+              </a:defRPr>
+            </a:lvl4pPr>
+            <a:lvl5pPr marL="2057400" indent="-228600">
+              <a:defRPr sz="2400">
+                <a:solidFill>
+                  <a:schemeClr val="tx1"/>
+                </a:solidFill>
+                <a:latin typeface="Times New Roman" charset="0"/>
+              </a:defRPr>
+            </a:lvl5pPr>
+            <a:lvl6pPr marL="2514600" indent="-228600" eaLnBrk="0" fontAlgn="base" hangingPunct="0">
+              <a:spcBef>
+                <a:spcPct val="0"/>
+              </a:spcBef>
+              <a:spcAft>
+                <a:spcPct val="0"/>
+              </a:spcAft>
+              <a:defRPr sz="2400">
+                <a:solidFill>
+                  <a:schemeClr val="tx1"/>
+                </a:solidFill>
+                <a:latin typeface="Times New Roman" charset="0"/>
+              </a:defRPr>
+            </a:lvl6pPr>
+            <a:lvl7pPr marL="2971800" indent="-228600" eaLnBrk="0" fontAlgn="base" hangingPunct="0">
+              <a:spcBef>
+                <a:spcPct val="0"/>
+              </a:spcBef>
+              <a:spcAft>
+                <a:spcPct val="0"/>
+              </a:spcAft>
+              <a:defRPr sz="2400">
+                <a:solidFill>
+                  <a:schemeClr val="tx1"/>
+                </a:solidFill>
+                <a:latin typeface="Times New Roman" charset="0"/>
+              </a:defRPr>
+            </a:lvl7pPr>
+            <a:lvl8pPr marL="3429000" indent="-228600" eaLnBrk="0" fontAlgn="base" hangingPunct="0">
+              <a:spcBef>
+                <a:spcPct val="0"/>
+              </a:spcBef>
+              <a:spcAft>
+                <a:spcPct val="0"/>
+              </a:spcAft>
+              <a:defRPr sz="2400">
+                <a:solidFill>
+                  <a:schemeClr val="tx1"/>
+                </a:solidFill>
+                <a:latin typeface="Times New Roman" charset="0"/>
+              </a:defRPr>
+            </a:lvl8pPr>
+            <a:lvl9pPr marL="3886200" indent="-228600" eaLnBrk="0" fontAlgn="base" hangingPunct="0">
+              <a:spcBef>
+                <a:spcPct val="0"/>
+              </a:spcBef>
+              <a:spcAft>
+                <a:spcPct val="0"/>
+              </a:spcAft>
+              <a:defRPr sz="2400">
+                <a:solidFill>
+                  <a:schemeClr val="tx1"/>
+                </a:solidFill>
+                <a:latin typeface="Times New Roman" charset="0"/>
+              </a:defRPr>
+            </a:lvl9pPr>
+          </a:lstStyle>
+          <a:p>
+            <a:pPr algn="ctr">
+              <a:spcBef>
+                <a:spcPct val="50000"/>
+              </a:spcBef>
+            </a:pPr>
+            <a:r>
+              <a:rPr lang="en-US" sz="2000" b="1"/>
+              <a:t>Bootstrap Estimation</a:t>
+            </a:r>
+            <a:br>
+              <a:rPr lang="en-US" sz="2000" b="1"/>
+            </a:br>
+            <a:r>
+              <a:rPr lang="en-US" sz="2000" b="1"/>
+              <a:t>Examples</a:t>
+            </a:r>
+          </a:p>
+        </p:txBody>
+      </p:sp>
+      <p:sp>
+        <p:nvSpPr>
+          <p:cNvPr id="11270" name="Line 6"/>
+          <p:cNvSpPr>
+            <a:spLocks noChangeShapeType="1"/>
+          </p:cNvSpPr>
+          <p:nvPr/>
+        </p:nvSpPr>
+        <p:spPr bwMode="auto">
+          <a:xfrm>
+            <a:off x="1252538" y="1395413"/>
+            <a:ext cx="4114800" cy="0"/>
+          </a:xfrm>
+          <a:prstGeom prst="line">
+            <a:avLst/>
+          </a:prstGeom>
+          <a:noFill/>
+          <a:ln w="38100">
+            <a:solidFill>
+              <a:schemeClr val="tx1"/>
+            </a:solidFill>
+            <a:round/>
+            <a:headEnd/>
+            <a:tailEnd/>
+          </a:ln>
+          <a:effectLst/>
+          <a:extLst>
+            <a:ext uri="{909E8E84-426E-40dd-AFC4-6F175D3DCCD1}">
+              <a14:hiddenFill xmlns:a14="http://schemas.microsoft.com/office/drawing/2010/main" xmlns="">
+                <a:noFill/>
+              </a14:hiddenFill>
+            </a:ext>
+            <a:ext uri="{AF507438-7753-43e0-B8FC-AC1667EBCBE1}">
+              <a14:hiddenEffects xmlns:a14="http://schemas.microsoft.com/office/drawing/2010/main" xmlns="">
+                <a:effectLst>
+                  <a:outerShdw dist="35921" dir="2700000" algn="ctr" rotWithShape="0">
+                    <a:schemeClr val="bg2"/>
+                  </a:outerShdw>
+                </a:effectLst>
+              </a14:hiddenEffects>
+            </a:ext>
+          </a:extLst>
+        </p:spPr>
+        <p:txBody>
+          <a:bodyPr wrap="none" anchor="ctr"/>
+          <a:lstStyle/>
+          <a:p>
+            <a:endParaRPr lang="en-US"/>
+          </a:p>
+        </p:txBody>
+      </p:sp>
+      <p:sp>
+        <p:nvSpPr>
+          <p:cNvPr id="11271" name="Text Box 7"/>
+          <p:cNvSpPr txBox="1">
+            <a:spLocks noChangeArrowheads="1"/>
+          </p:cNvSpPr>
+          <p:nvPr/>
+        </p:nvSpPr>
+        <p:spPr bwMode="auto">
+          <a:xfrm>
+            <a:off x="566738" y="2084388"/>
+            <a:ext cx="5634037" cy="5201424"/>
+          </a:xfrm>
+          <a:prstGeom prst="rect">
+            <a:avLst/>
+          </a:prstGeom>
+          <a:noFill/>
+          <a:ln>
+            <a:noFill/>
+          </a:ln>
+          <a:effectLst/>
+          <a:extLst>
+            <a:ext uri="{909E8E84-426E-40dd-AFC4-6F175D3DCCD1}">
+              <a14:hiddenFill xmlns:a14="http://schemas.microsoft.com/office/drawing/2010/main" xmlns="">
+                <a:solidFill>
+                  <a:schemeClr val="accent1"/>
+                </a:solidFill>
+              </a14:hiddenFill>
+            </a:ext>
+            <a:ext uri="{91240B29-F687-4f45-9708-019B960494DF}">
+              <a14:hiddenLine xmlns:a14="http://schemas.microsoft.com/office/drawing/2010/main" xmlns="" w="9525">
+                <a:solidFill>
+                  <a:schemeClr val="tx1"/>
+                </a:solidFill>
+                <a:miter lim="800000"/>
+                <a:headEnd/>
+                <a:tailEnd/>
+              </a14:hiddenLine>
+            </a:ext>
+            <a:ext uri="{AF507438-7753-43e0-B8FC-AC1667EBCBE1}">
+              <a14:hiddenEffects xmlns:a14="http://schemas.microsoft.com/office/drawing/2010/main" xmlns="">
+                <a:effectLst>
+                  <a:outerShdw dist="35921" dir="2700000" algn="ctr" rotWithShape="0">
+                    <a:schemeClr val="bg2"/>
+                  </a:outerShdw>
+                </a:effectLst>
+              </a14:hiddenEffects>
+            </a:ext>
+          </a:extLst>
+        </p:spPr>
+        <p:txBody>
+          <a:bodyPr>
+            <a:spAutoFit/>
+          </a:bodyPr>
+          <a:lstStyle>
+            <a:lvl1pPr>
+              <a:tabLst>
+                <a:tab pos="228600" algn="l"/>
+              </a:tabLst>
+              <a:defRPr sz="2400">
+                <a:solidFill>
+                  <a:schemeClr val="tx1"/>
+                </a:solidFill>
+                <a:latin typeface="Times New Roman" charset="0"/>
+              </a:defRPr>
+            </a:lvl1pPr>
+            <a:lvl2pPr marL="742950" indent="-285750">
+              <a:tabLst>
+                <a:tab pos="228600" algn="l"/>
+              </a:tabLst>
+              <a:defRPr sz="2400">
+                <a:solidFill>
+                  <a:schemeClr val="tx1"/>
+                </a:solidFill>
+                <a:latin typeface="Times New Roman" charset="0"/>
+              </a:defRPr>
+            </a:lvl2pPr>
+            <a:lvl3pPr marL="1143000" indent="-228600">
+              <a:tabLst>
+                <a:tab pos="228600" algn="l"/>
+              </a:tabLst>
+              <a:defRPr sz="2400">
+                <a:solidFill>
+                  <a:schemeClr val="tx1"/>
+                </a:solidFill>
+                <a:latin typeface="Times New Roman" charset="0"/>
+              </a:defRPr>
+            </a:lvl3pPr>
+            <a:lvl4pPr marL="1600200" indent="-228600">
+              <a:tabLst>
+                <a:tab pos="228600" algn="l"/>
+              </a:tabLst>
+              <a:defRPr sz="2400">
+                <a:solidFill>
+                  <a:schemeClr val="tx1"/>
+                </a:solidFill>
+                <a:latin typeface="Times New Roman" charset="0"/>
+              </a:defRPr>
+            </a:lvl4pPr>
+            <a:lvl5pPr marL="2057400" indent="-228600">
+              <a:tabLst>
+                <a:tab pos="228600" algn="l"/>
+              </a:tabLst>
+              <a:defRPr sz="2400">
+                <a:solidFill>
+                  <a:schemeClr val="tx1"/>
+                </a:solidFill>
+                <a:latin typeface="Times New Roman" charset="0"/>
+              </a:defRPr>
+            </a:lvl5pPr>
+            <a:lvl6pPr marL="2514600" indent="-228600" eaLnBrk="0" fontAlgn="base" hangingPunct="0">
+              <a:spcBef>
+                <a:spcPct val="0"/>
+              </a:spcBef>
+              <a:spcAft>
+                <a:spcPct val="0"/>
+              </a:spcAft>
+              <a:tabLst>
+                <a:tab pos="228600" algn="l"/>
+              </a:tabLst>
+              <a:defRPr sz="2400">
+                <a:solidFill>
+                  <a:schemeClr val="tx1"/>
+                </a:solidFill>
+                <a:latin typeface="Times New Roman" charset="0"/>
+              </a:defRPr>
+            </a:lvl6pPr>
+            <a:lvl7pPr marL="2971800" indent="-228600" eaLnBrk="0" fontAlgn="base" hangingPunct="0">
+              <a:spcBef>
+                <a:spcPct val="0"/>
+              </a:spcBef>
+              <a:spcAft>
+                <a:spcPct val="0"/>
+              </a:spcAft>
+              <a:tabLst>
+                <a:tab pos="228600" algn="l"/>
+              </a:tabLst>
+              <a:defRPr sz="2400">
+                <a:solidFill>
+                  <a:schemeClr val="tx1"/>
+                </a:solidFill>
+                <a:latin typeface="Times New Roman" charset="0"/>
+              </a:defRPr>
+            </a:lvl7pPr>
+            <a:lvl8pPr marL="3429000" indent="-228600" eaLnBrk="0" fontAlgn="base" hangingPunct="0">
+              <a:spcBef>
+                <a:spcPct val="0"/>
+              </a:spcBef>
+              <a:spcAft>
+                <a:spcPct val="0"/>
+              </a:spcAft>
+              <a:tabLst>
+                <a:tab pos="228600" algn="l"/>
+              </a:tabLst>
+              <a:defRPr sz="2400">
+                <a:solidFill>
+                  <a:schemeClr val="tx1"/>
+                </a:solidFill>
+                <a:latin typeface="Times New Roman" charset="0"/>
+              </a:defRPr>
+            </a:lvl8pPr>
+            <a:lvl9pPr marL="3886200" indent="-228600" eaLnBrk="0" fontAlgn="base" hangingPunct="0">
+              <a:spcBef>
+                <a:spcPct val="0"/>
+              </a:spcBef>
+              <a:spcAft>
+                <a:spcPct val="0"/>
+              </a:spcAft>
+              <a:tabLst>
+                <a:tab pos="228600" algn="l"/>
+              </a:tabLst>
+              <a:defRPr sz="2400">
+                <a:solidFill>
+                  <a:schemeClr val="tx1"/>
+                </a:solidFill>
+                <a:latin typeface="Times New Roman" charset="0"/>
+              </a:defRPr>
+            </a:lvl9pPr>
+          </a:lstStyle>
+          <a:p>
+            <a:pPr>
+              <a:spcBef>
+                <a:spcPct val="20000"/>
+              </a:spcBef>
+              <a:buClr>
+                <a:schemeClr val="hlink"/>
+              </a:buClr>
+              <a:buSzPct val="70000"/>
+              <a:buFont typeface="Wingdings" pitchFamily="2" charset="2"/>
+              <a:buNone/>
+            </a:pPr>
+            <a:r>
+              <a:rPr kumimoji="1" lang="en-US" sz="2000" dirty="0"/>
+              <a:t>What is the variance of the sample </a:t>
+            </a:r>
+            <a:r>
+              <a:rPr kumimoji="1" lang="en-US" sz="2000" dirty="0" smtClean="0"/>
+              <a:t>median? No idea!</a:t>
+            </a:r>
+          </a:p>
+          <a:p>
+            <a:pPr>
+              <a:spcBef>
+                <a:spcPct val="20000"/>
+              </a:spcBef>
+              <a:buClr>
+                <a:schemeClr val="hlink"/>
+              </a:buClr>
+              <a:buSzPct val="70000"/>
+              <a:buFont typeface="Wingdings" pitchFamily="2" charset="2"/>
+              <a:buNone/>
+            </a:pPr>
+            <a:r>
+              <a:rPr kumimoji="1" lang="en-US" sz="2000" dirty="0"/>
+              <a:t>	=&gt; Use the </a:t>
+            </a:r>
+            <a:r>
+              <a:rPr kumimoji="1" lang="en-US" sz="2000" dirty="0" smtClean="0"/>
+              <a:t>bootstrap!</a:t>
+            </a:r>
+          </a:p>
+          <a:p>
+            <a:pPr>
+              <a:spcBef>
+                <a:spcPct val="20000"/>
+              </a:spcBef>
+              <a:buClr>
+                <a:schemeClr val="hlink"/>
+              </a:buClr>
+              <a:buSzPct val="70000"/>
+              <a:buFont typeface="Wingdings" pitchFamily="2" charset="2"/>
+              <a:buNone/>
+            </a:pPr>
+            <a:endParaRPr kumimoji="1" lang="en-US" sz="2000" b="1" dirty="0"/>
+          </a:p>
+          <a:p>
+            <a:pPr>
+              <a:spcBef>
+                <a:spcPct val="20000"/>
+              </a:spcBef>
+              <a:buClr>
+                <a:schemeClr val="hlink"/>
+              </a:buClr>
+              <a:buSzPct val="70000"/>
+              <a:buFont typeface="Wingdings" pitchFamily="2" charset="2"/>
+              <a:buNone/>
+            </a:pPr>
+            <a:r>
+              <a:rPr kumimoji="1" lang="en-US" sz="2000" b="1" dirty="0" smtClean="0"/>
+              <a:t>Bootstrapped </a:t>
+            </a:r>
+            <a:r>
+              <a:rPr kumimoji="1" lang="en-US" sz="2000" b="1" dirty="0"/>
+              <a:t>estimates of the standard error for sample median</a:t>
+            </a:r>
+          </a:p>
+          <a:p>
+            <a:pPr algn="just"/>
+            <a:endParaRPr lang="en-US" sz="2000" dirty="0"/>
+          </a:p>
+          <a:p>
+            <a:r>
+              <a:rPr kumimoji="1" lang="en-US" sz="2000" dirty="0"/>
+              <a:t>		</a:t>
+            </a:r>
+            <a:r>
+              <a:rPr kumimoji="1" lang="en-US" sz="2000" u="sng" dirty="0"/>
+              <a:t>   </a:t>
+            </a:r>
+            <a:r>
+              <a:rPr kumimoji="1" lang="en-US" sz="2000" u="sng" dirty="0" smtClean="0"/>
+              <a:t>	   </a:t>
+            </a:r>
+            <a:r>
+              <a:rPr kumimoji="1" lang="en-US" sz="2000" u="sng" dirty="0"/>
+              <a:t>Data         Median</a:t>
+            </a:r>
+          </a:p>
+          <a:p>
+            <a:r>
+              <a:rPr kumimoji="1" lang="en-US" sz="2000" dirty="0"/>
+              <a:t>Original sample:	{1, 5, 8, 3, 7}	5</a:t>
+            </a:r>
+          </a:p>
+          <a:p>
+            <a:endParaRPr kumimoji="1" lang="en-US" sz="2000" dirty="0"/>
+          </a:p>
+          <a:p>
+            <a:r>
+              <a:rPr kumimoji="1" lang="en-US" sz="2000" dirty="0"/>
+              <a:t>Bootstrap 1:	{1, 7, 1, 3, 7}	3</a:t>
+            </a:r>
+          </a:p>
+          <a:p>
+            <a:r>
+              <a:rPr kumimoji="1" lang="en-US" sz="2000" dirty="0"/>
+              <a:t>Bootstrap 2:	{7, 3, 8, 8, 3}	7</a:t>
+            </a:r>
+          </a:p>
+          <a:p>
+            <a:r>
+              <a:rPr kumimoji="1" lang="en-US" sz="2000" dirty="0"/>
+              <a:t>Bootstrap 3:	{7, 3, 8, 8, 3}	7</a:t>
+            </a:r>
+          </a:p>
+          <a:p>
+            <a:r>
+              <a:rPr kumimoji="1" lang="en-US" sz="2000" dirty="0"/>
+              <a:t>Bootstrap 4:	{3, 5, 5, 1, 5}	5</a:t>
+            </a:r>
+          </a:p>
+          <a:p>
+            <a:r>
+              <a:rPr kumimoji="1" lang="en-US" sz="2000" dirty="0"/>
+              <a:t>Bootstrap 5:	{1, 1, 5, 1, 8}	1</a:t>
+            </a:r>
+          </a:p>
+          <a:p>
+            <a:r>
+              <a:rPr kumimoji="1" lang="en-US" sz="2000" dirty="0"/>
+              <a:t>     etc.</a:t>
+            </a:r>
+          </a:p>
+          <a:p>
+            <a:r>
+              <a:rPr kumimoji="1" lang="en-US" sz="2000" dirty="0"/>
+              <a:t>Bootstrap </a:t>
+            </a:r>
+            <a:r>
+              <a:rPr kumimoji="1" lang="en-US" sz="2000" i="1" dirty="0"/>
+              <a:t>B</a:t>
+            </a:r>
+            <a:r>
+              <a:rPr kumimoji="1" lang="en-US" sz="2000" dirty="0"/>
+              <a:t> (=1000)</a:t>
+            </a:r>
+            <a:endParaRPr kumimoji="1" lang="en-US" sz="2000" i="1" dirty="0"/>
+          </a:p>
+        </p:txBody>
+      </p:sp>
+    </p:spTree>
+    <p:extLst>
+      <p:ext uri="{BB962C8B-B14F-4D97-AF65-F5344CB8AC3E}">
+        <p14:creationId xmlns:p14="http://schemas.microsoft.com/office/powerpoint/2010/main" val="2815219907"/>
+      </p:ext>
+    </p:extLst>
+  </p:cSld>
+  <p:clrMapOvr>
+    <a:masterClrMapping/>
+  </p:clrMapOvr>
+  <p:timing>
+    <p:tnLst>
+      <p:par>
+        <p:cTn id="1" dur="indefinite" restart="never" nodeType="tmRoot"/>
+      </p:par>
+    </p:tnLst>
+  </p:timing>
+</p:sld>
+</file>
+
+<file path=ppt/slides/slide12.xml><?xml version="1.0" encoding="utf-8"?>
+<p:sld xmlns:a="http://schemas.openxmlformats.org/drawingml/2006/main" xmlns:r="http://schemas.openxmlformats.org/officeDocument/2006/relationships" xmlns:p="http://schemas.openxmlformats.org/presentationml/2006/main">
+  <p:cSld>
+    <p:spTree>
+      <p:nvGrpSpPr>
+        <p:cNvPr id="1" name=""/>
+        <p:cNvGrpSpPr/>
+        <p:nvPr/>
+      </p:nvGrpSpPr>
+      <p:grpSpPr>
+        <a:xfrm>
+          <a:off x="0" y="0"/>
+          <a:ext cx="0" cy="0"/>
+          <a:chOff x="0" y="0"/>
+          <a:chExt cx="0" cy="0"/>
+        </a:xfrm>
+      </p:grpSpPr>
+      <p:sp>
+        <p:nvSpPr>
           <p:cNvPr id="12290" name="Date Placeholder 3"/>
           <p:cNvSpPr>
             <a:spLocks noGrp="1"/>
@@ -5690,7 +7872,7 @@
             <a:fld id="{70214D0C-6F62-4E2B-80DB-DEEA9E5A83F7}" type="slidenum">
               <a:rPr lang="en-US" sz="1400" smtClean="0"/>
               <a:pPr/>
-              <a:t>258</a:t>
+              <a:t>260</a:t>
             </a:fld>
             <a:endParaRPr lang="en-US" sz="1400" smtClean="0"/>
           </a:p>
@@ -6214,7 +8396,7 @@
 </p:sld>
 </file>
 
-<file path=ppt/slides/slide11.xml><?xml version="1.0" encoding="utf-8"?>
+<file path=ppt/slides/slide13.xml><?xml version="1.0" encoding="utf-8"?>
 <p:sld xmlns:a="http://schemas.openxmlformats.org/drawingml/2006/main" xmlns:r="http://schemas.openxmlformats.org/officeDocument/2006/relationships" xmlns:p="http://schemas.openxmlformats.org/presentationml/2006/main">
   <p:cSld>
     <p:spTree>
@@ -6591,7 +8773,7 @@
             <a:fld id="{67148439-3C4B-450E-8DBE-21028EFE0BA5}" type="slidenum">
               <a:rPr lang="en-US" sz="1400" smtClean="0"/>
               <a:pPr/>
-              <a:t>259</a:t>
+              <a:t>261</a:t>
             </a:fld>
             <a:endParaRPr lang="en-US" sz="1400" smtClean="0"/>
           </a:p>
@@ -7157,7 +9339,7 @@
 </p:sld>
 </file>
 
-<file path=ppt/slides/slide12.xml><?xml version="1.0" encoding="utf-8"?>
+<file path=ppt/slides/slide14.xml><?xml version="1.0" encoding="utf-8"?>
 <p:sld xmlns:a="http://schemas.openxmlformats.org/drawingml/2006/main" xmlns:r="http://schemas.openxmlformats.org/officeDocument/2006/relationships" xmlns:p="http://schemas.openxmlformats.org/presentationml/2006/main">
   <p:cSld>
     <p:spTree>
@@ -7534,7 +9716,7 @@
             <a:fld id="{9426C15A-B8AA-4818-A661-CDE25A79CCEC}" type="slidenum">
               <a:rPr lang="en-US" sz="1400" smtClean="0"/>
               <a:pPr/>
-              <a:t>260</a:t>
+              <a:t>262</a:t>
             </a:fld>
             <a:endParaRPr lang="en-US" sz="1400" smtClean="0"/>
           </a:p>
@@ -8060,7 +10242,7 @@
 </p:sld>
 </file>
 
-<file path=ppt/slides/slide13.xml><?xml version="1.0" encoding="utf-8"?>
+<file path=ppt/slides/slide15.xml><?xml version="1.0" encoding="utf-8"?>
 <p:sld xmlns:a="http://schemas.openxmlformats.org/drawingml/2006/main" xmlns:r="http://schemas.openxmlformats.org/officeDocument/2006/relationships" xmlns:p="http://schemas.openxmlformats.org/presentationml/2006/main">
   <p:cSld>
     <p:spTree>
@@ -8437,7 +10619,7 @@
             <a:fld id="{57C783E6-1B0F-4517-93CC-39747632B782}" type="slidenum">
               <a:rPr lang="en-US" sz="1400" smtClean="0"/>
               <a:pPr/>
-              <a:t>261</a:t>
+              <a:t>263</a:t>
             </a:fld>
             <a:endParaRPr lang="en-US" sz="1400" smtClean="0"/>
           </a:p>
@@ -9007,7 +11189,7 @@
 </p:sld>
 </file>
 
-<file path=ppt/slides/slide14.xml><?xml version="1.0" encoding="utf-8"?>
+<file path=ppt/slides/slide16.xml><?xml version="1.0" encoding="utf-8"?>
 <p:sld xmlns:a="http://schemas.openxmlformats.org/drawingml/2006/main" xmlns:r="http://schemas.openxmlformats.org/officeDocument/2006/relationships" xmlns:p="http://schemas.openxmlformats.org/presentationml/2006/main">
   <p:cSld>
     <p:spTree>
@@ -9384,7 +11566,7 @@
             <a:fld id="{DD05954E-84E0-44EF-923F-9BAD61D7048E}" type="slidenum">
               <a:rPr lang="en-US" sz="1400" smtClean="0"/>
               <a:pPr/>
-              <a:t>262</a:t>
+              <a:t>264</a:t>
             </a:fld>
             <a:endParaRPr lang="en-US" sz="1400" smtClean="0"/>
           </a:p>
@@ -9994,7 +12176,7 @@
 </p:sld>
 </file>
 
-<file path=ppt/slides/slide15.xml><?xml version="1.0" encoding="utf-8"?>
+<file path=ppt/slides/slide17.xml><?xml version="1.0" encoding="utf-8"?>
 <p:sld xmlns:a="http://schemas.openxmlformats.org/drawingml/2006/main" xmlns:r="http://schemas.openxmlformats.org/officeDocument/2006/relationships" xmlns:p="http://schemas.openxmlformats.org/presentationml/2006/main">
   <p:cSld>
     <p:spTree>
@@ -10371,7 +12553,7 @@
             <a:fld id="{DD05954E-84E0-44EF-923F-9BAD61D7048E}" type="slidenum">
               <a:rPr lang="en-US" sz="1400" smtClean="0"/>
               <a:pPr/>
-              <a:t>263</a:t>
+              <a:t>265</a:t>
             </a:fld>
             <a:endParaRPr lang="en-US" sz="1400" smtClean="0"/>
           </a:p>
@@ -10981,7 +13163,7 @@
 </p:sld>
 </file>
 
-<file path=ppt/slides/slide16.xml><?xml version="1.0" encoding="utf-8"?>
+<file path=ppt/slides/slide18.xml><?xml version="1.0" encoding="utf-8"?>
 <p:sld xmlns:a="http://schemas.openxmlformats.org/drawingml/2006/main" xmlns:r="http://schemas.openxmlformats.org/officeDocument/2006/relationships" xmlns:p="http://schemas.openxmlformats.org/presentationml/2006/main">
   <p:cSld>
     <p:spTree>
@@ -11358,7 +13540,7 @@
             <a:fld id="{667CA881-6BD8-4251-8E98-9D4BC3CB134F}" type="slidenum">
               <a:rPr lang="en-US" sz="1400" smtClean="0"/>
               <a:pPr/>
-              <a:t>264</a:t>
+              <a:t>266</a:t>
             </a:fld>
             <a:endParaRPr lang="en-US" sz="1400" smtClean="0"/>
           </a:p>
@@ -12029,7 +14211,7 @@
             <a:graphicData uri="http://schemas.openxmlformats.org/presentationml/2006/ole">
               <mc:AlternateContent xmlns:mc="http://schemas.openxmlformats.org/markup-compatibility/2006">
                 <mc:Choice xmlns:v="urn:schemas-microsoft-com:vml" Requires="v">
-                  <p:oleObj spid="_x0000_s17461" name="Equation" r:id="rId3" imgW="228600" imgH="254000" progId="Equation.3">
+                  <p:oleObj spid="_x0000_s17462" name="Equation" r:id="rId3" imgW="228600" imgH="254000" progId="Equation.3">
                     <p:embed/>
                   </p:oleObj>
                 </mc:Choice>
@@ -12116,7 +14298,7 @@
 </p:sld>
 </file>
 
-<file path=ppt/slides/slide17.xml><?xml version="1.0" encoding="utf-8"?>
+<file path=ppt/slides/slide19.xml><?xml version="1.0" encoding="utf-8"?>
 <p:sld xmlns:a="http://schemas.openxmlformats.org/drawingml/2006/main" xmlns:r="http://schemas.openxmlformats.org/officeDocument/2006/relationships" xmlns:p="http://schemas.openxmlformats.org/presentationml/2006/main">
   <p:cSld>
     <p:spTree>
@@ -12493,7 +14675,7 @@
             <a:fld id="{1362A6EA-73B5-451C-A28F-FC625FD3061C}" type="slidenum">
               <a:rPr lang="en-US" sz="1400" smtClean="0"/>
               <a:pPr/>
-              <a:t>265</a:t>
+              <a:t>267</a:t>
             </a:fld>
             <a:endParaRPr lang="en-US" sz="1400" smtClean="0"/>
           </a:p>
@@ -13155,7 +15337,7 @@
           <a:graphicData uri="http://schemas.openxmlformats.org/presentationml/2006/ole">
             <mc:AlternateContent xmlns:mc="http://schemas.openxmlformats.org/markup-compatibility/2006">
               <mc:Choice xmlns:v="urn:schemas-microsoft-com:vml" Requires="v">
-                <p:oleObj spid="_x0000_s18559" name="Equation" r:id="rId3" imgW="952500" imgH="254000" progId="Equation.3">
+                <p:oleObj spid="_x0000_s18562" name="Equation" r:id="rId3" imgW="952500" imgH="254000" progId="Equation.3">
                   <p:embed/>
                 </p:oleObj>
               </mc:Choice>
@@ -13248,7 +15430,7 @@
           <a:graphicData uri="http://schemas.openxmlformats.org/presentationml/2006/ole">
             <mc:AlternateContent xmlns:mc="http://schemas.openxmlformats.org/markup-compatibility/2006">
               <mc:Choice xmlns:v="urn:schemas-microsoft-com:vml" Requires="v">
-                <p:oleObj spid="_x0000_s18560" name="Equation" r:id="rId5" imgW="127000" imgH="241300" progId="Equation.3">
+                <p:oleObj spid="_x0000_s18563" name="Equation" r:id="rId5" imgW="127000" imgH="241300" progId="Equation.3">
                   <p:embed/>
                 </p:oleObj>
               </mc:Choice>
@@ -13341,7 +15523,7 @@
           <a:graphicData uri="http://schemas.openxmlformats.org/presentationml/2006/ole">
             <mc:AlternateContent xmlns:mc="http://schemas.openxmlformats.org/markup-compatibility/2006">
               <mc:Choice xmlns:v="urn:schemas-microsoft-com:vml" Requires="v">
-                <p:oleObj spid="_x0000_s18561" name="Equation" r:id="rId7" imgW="1752600" imgH="508000" progId="Equation.3">
+                <p:oleObj spid="_x0000_s18564" name="Equation" r:id="rId7" imgW="1752600" imgH="508000" progId="Equation.3">
                   <p:embed/>
                 </p:oleObj>
               </mc:Choice>
@@ -13427,7 +15609,881 @@
 </p:sld>
 </file>
 
-<file path=ppt/slides/slide18.xml><?xml version="1.0" encoding="utf-8"?>
+<file path=ppt/slides/slide2.xml><?xml version="1.0" encoding="utf-8"?>
+<p:sld xmlns:a="http://schemas.openxmlformats.org/drawingml/2006/main" xmlns:r="http://schemas.openxmlformats.org/officeDocument/2006/relationships" xmlns:p="http://schemas.openxmlformats.org/presentationml/2006/main">
+  <p:cSld>
+    <p:spTree>
+      <p:nvGrpSpPr>
+        <p:cNvPr id="1" name=""/>
+        <p:cNvGrpSpPr/>
+        <p:nvPr/>
+      </p:nvGrpSpPr>
+      <p:grpSpPr>
+        <a:xfrm>
+          <a:off x="0" y="0"/>
+          <a:ext cx="0" cy="0"/>
+          <a:chOff x="0" y="0"/>
+          <a:chExt cx="0" cy="0"/>
+        </a:xfrm>
+      </p:grpSpPr>
+      <p:sp>
+        <p:nvSpPr>
+          <p:cNvPr id="3074" name="Date Placeholder 1"/>
+          <p:cNvSpPr>
+            <a:spLocks noGrp="1"/>
+          </p:cNvSpPr>
+          <p:nvPr>
+            <p:ph type="dt" sz="quarter" idx="10"/>
+          </p:nvPr>
+        </p:nvSpPr>
+        <p:spPr>
+          <a:noFill/>
+        </p:spPr>
+        <p:txBody>
+          <a:bodyPr/>
+          <a:lstStyle>
+            <a:lvl1pPr>
+              <a:defRPr sz="2400">
+                <a:solidFill>
+                  <a:schemeClr val="tx1"/>
+                </a:solidFill>
+                <a:latin typeface="Times New Roman" charset="0"/>
+              </a:defRPr>
+            </a:lvl1pPr>
+            <a:lvl2pPr marL="742950" indent="-285750">
+              <a:defRPr sz="2400">
+                <a:solidFill>
+                  <a:schemeClr val="tx1"/>
+                </a:solidFill>
+                <a:latin typeface="Times New Roman" charset="0"/>
+              </a:defRPr>
+            </a:lvl2pPr>
+            <a:lvl3pPr marL="1143000" indent="-228600">
+              <a:defRPr sz="2400">
+                <a:solidFill>
+                  <a:schemeClr val="tx1"/>
+                </a:solidFill>
+                <a:latin typeface="Times New Roman" charset="0"/>
+              </a:defRPr>
+            </a:lvl3pPr>
+            <a:lvl4pPr marL="1600200" indent="-228600">
+              <a:defRPr sz="2400">
+                <a:solidFill>
+                  <a:schemeClr val="tx1"/>
+                </a:solidFill>
+                <a:latin typeface="Times New Roman" charset="0"/>
+              </a:defRPr>
+            </a:lvl4pPr>
+            <a:lvl5pPr marL="2057400" indent="-228600">
+              <a:defRPr sz="2400">
+                <a:solidFill>
+                  <a:schemeClr val="tx1"/>
+                </a:solidFill>
+                <a:latin typeface="Times New Roman" charset="0"/>
+              </a:defRPr>
+            </a:lvl5pPr>
+            <a:lvl6pPr marL="2514600" indent="-228600" eaLnBrk="0" fontAlgn="base" hangingPunct="0">
+              <a:spcBef>
+                <a:spcPct val="0"/>
+              </a:spcBef>
+              <a:spcAft>
+                <a:spcPct val="0"/>
+              </a:spcAft>
+              <a:defRPr sz="2400">
+                <a:solidFill>
+                  <a:schemeClr val="tx1"/>
+                </a:solidFill>
+                <a:latin typeface="Times New Roman" charset="0"/>
+              </a:defRPr>
+            </a:lvl6pPr>
+            <a:lvl7pPr marL="2971800" indent="-228600" eaLnBrk="0" fontAlgn="base" hangingPunct="0">
+              <a:spcBef>
+                <a:spcPct val="0"/>
+              </a:spcBef>
+              <a:spcAft>
+                <a:spcPct val="0"/>
+              </a:spcAft>
+              <a:defRPr sz="2400">
+                <a:solidFill>
+                  <a:schemeClr val="tx1"/>
+                </a:solidFill>
+                <a:latin typeface="Times New Roman" charset="0"/>
+              </a:defRPr>
+            </a:lvl7pPr>
+            <a:lvl8pPr marL="3429000" indent="-228600" eaLnBrk="0" fontAlgn="base" hangingPunct="0">
+              <a:spcBef>
+                <a:spcPct val="0"/>
+              </a:spcBef>
+              <a:spcAft>
+                <a:spcPct val="0"/>
+              </a:spcAft>
+              <a:defRPr sz="2400">
+                <a:solidFill>
+                  <a:schemeClr val="tx1"/>
+                </a:solidFill>
+                <a:latin typeface="Times New Roman" charset="0"/>
+              </a:defRPr>
+            </a:lvl8pPr>
+            <a:lvl9pPr marL="3886200" indent="-228600" eaLnBrk="0" fontAlgn="base" hangingPunct="0">
+              <a:spcBef>
+                <a:spcPct val="0"/>
+              </a:spcBef>
+              <a:spcAft>
+                <a:spcPct val="0"/>
+              </a:spcAft>
+              <a:defRPr sz="2400">
+                <a:solidFill>
+                  <a:schemeClr val="tx1"/>
+                </a:solidFill>
+                <a:latin typeface="Times New Roman" charset="0"/>
+              </a:defRPr>
+            </a:lvl9pPr>
+          </a:lstStyle>
+          <a:p>
+            <a:r>
+              <a:rPr lang="en-US" sz="1400" smtClean="0"/>
+              <a:t>Summer 2017</a:t>
+            </a:r>
+            <a:endParaRPr lang="en-US" sz="1400"/>
+          </a:p>
+        </p:txBody>
+      </p:sp>
+      <p:sp>
+        <p:nvSpPr>
+          <p:cNvPr id="3075" name="Footer Placeholder 2"/>
+          <p:cNvSpPr>
+            <a:spLocks noGrp="1"/>
+          </p:cNvSpPr>
+          <p:nvPr>
+            <p:ph type="ftr" sz="quarter" idx="11"/>
+          </p:nvPr>
+        </p:nvSpPr>
+        <p:spPr>
+          <a:noFill/>
+        </p:spPr>
+        <p:txBody>
+          <a:bodyPr/>
+          <a:lstStyle>
+            <a:lvl1pPr>
+              <a:defRPr sz="2400">
+                <a:solidFill>
+                  <a:schemeClr val="tx1"/>
+                </a:solidFill>
+                <a:latin typeface="Times New Roman" charset="0"/>
+              </a:defRPr>
+            </a:lvl1pPr>
+            <a:lvl2pPr marL="742950" indent="-285750">
+              <a:defRPr sz="2400">
+                <a:solidFill>
+                  <a:schemeClr val="tx1"/>
+                </a:solidFill>
+                <a:latin typeface="Times New Roman" charset="0"/>
+              </a:defRPr>
+            </a:lvl2pPr>
+            <a:lvl3pPr marL="1143000" indent="-228600">
+              <a:defRPr sz="2400">
+                <a:solidFill>
+                  <a:schemeClr val="tx1"/>
+                </a:solidFill>
+                <a:latin typeface="Times New Roman" charset="0"/>
+              </a:defRPr>
+            </a:lvl3pPr>
+            <a:lvl4pPr marL="1600200" indent="-228600">
+              <a:defRPr sz="2400">
+                <a:solidFill>
+                  <a:schemeClr val="tx1"/>
+                </a:solidFill>
+                <a:latin typeface="Times New Roman" charset="0"/>
+              </a:defRPr>
+            </a:lvl4pPr>
+            <a:lvl5pPr marL="2057400" indent="-228600">
+              <a:defRPr sz="2400">
+                <a:solidFill>
+                  <a:schemeClr val="tx1"/>
+                </a:solidFill>
+                <a:latin typeface="Times New Roman" charset="0"/>
+              </a:defRPr>
+            </a:lvl5pPr>
+            <a:lvl6pPr marL="2514600" indent="-228600" eaLnBrk="0" fontAlgn="base" hangingPunct="0">
+              <a:spcBef>
+                <a:spcPct val="0"/>
+              </a:spcBef>
+              <a:spcAft>
+                <a:spcPct val="0"/>
+              </a:spcAft>
+              <a:defRPr sz="2400">
+                <a:solidFill>
+                  <a:schemeClr val="tx1"/>
+                </a:solidFill>
+                <a:latin typeface="Times New Roman" charset="0"/>
+              </a:defRPr>
+            </a:lvl6pPr>
+            <a:lvl7pPr marL="2971800" indent="-228600" eaLnBrk="0" fontAlgn="base" hangingPunct="0">
+              <a:spcBef>
+                <a:spcPct val="0"/>
+              </a:spcBef>
+              <a:spcAft>
+                <a:spcPct val="0"/>
+              </a:spcAft>
+              <a:defRPr sz="2400">
+                <a:solidFill>
+                  <a:schemeClr val="tx1"/>
+                </a:solidFill>
+                <a:latin typeface="Times New Roman" charset="0"/>
+              </a:defRPr>
+            </a:lvl7pPr>
+            <a:lvl8pPr marL="3429000" indent="-228600" eaLnBrk="0" fontAlgn="base" hangingPunct="0">
+              <a:spcBef>
+                <a:spcPct val="0"/>
+              </a:spcBef>
+              <a:spcAft>
+                <a:spcPct val="0"/>
+              </a:spcAft>
+              <a:defRPr sz="2400">
+                <a:solidFill>
+                  <a:schemeClr val="tx1"/>
+                </a:solidFill>
+                <a:latin typeface="Times New Roman" charset="0"/>
+              </a:defRPr>
+            </a:lvl8pPr>
+            <a:lvl9pPr marL="3886200" indent="-228600" eaLnBrk="0" fontAlgn="base" hangingPunct="0">
+              <a:spcBef>
+                <a:spcPct val="0"/>
+              </a:spcBef>
+              <a:spcAft>
+                <a:spcPct val="0"/>
+              </a:spcAft>
+              <a:defRPr sz="2400">
+                <a:solidFill>
+                  <a:schemeClr val="tx1"/>
+                </a:solidFill>
+                <a:latin typeface="Times New Roman" charset="0"/>
+              </a:defRPr>
+            </a:lvl9pPr>
+          </a:lstStyle>
+          <a:p>
+            <a:r>
+              <a:rPr lang="en-US" sz="1400" smtClean="0"/>
+              <a:t>Summer Institutes</a:t>
+            </a:r>
+          </a:p>
+        </p:txBody>
+      </p:sp>
+      <p:sp>
+        <p:nvSpPr>
+          <p:cNvPr id="3076" name="Slide Number Placeholder 3"/>
+          <p:cNvSpPr>
+            <a:spLocks noGrp="1"/>
+          </p:cNvSpPr>
+          <p:nvPr>
+            <p:ph type="sldNum" sz="quarter" idx="12"/>
+          </p:nvPr>
+        </p:nvSpPr>
+        <p:spPr>
+          <a:noFill/>
+        </p:spPr>
+        <p:txBody>
+          <a:bodyPr/>
+          <a:lstStyle>
+            <a:lvl1pPr>
+              <a:defRPr sz="2400">
+                <a:solidFill>
+                  <a:schemeClr val="tx1"/>
+                </a:solidFill>
+                <a:latin typeface="Times New Roman" charset="0"/>
+              </a:defRPr>
+            </a:lvl1pPr>
+            <a:lvl2pPr marL="742950" indent="-285750">
+              <a:defRPr sz="2400">
+                <a:solidFill>
+                  <a:schemeClr val="tx1"/>
+                </a:solidFill>
+                <a:latin typeface="Times New Roman" charset="0"/>
+              </a:defRPr>
+            </a:lvl2pPr>
+            <a:lvl3pPr marL="1143000" indent="-228600">
+              <a:defRPr sz="2400">
+                <a:solidFill>
+                  <a:schemeClr val="tx1"/>
+                </a:solidFill>
+                <a:latin typeface="Times New Roman" charset="0"/>
+              </a:defRPr>
+            </a:lvl3pPr>
+            <a:lvl4pPr marL="1600200" indent="-228600">
+              <a:defRPr sz="2400">
+                <a:solidFill>
+                  <a:schemeClr val="tx1"/>
+                </a:solidFill>
+                <a:latin typeface="Times New Roman" charset="0"/>
+              </a:defRPr>
+            </a:lvl4pPr>
+            <a:lvl5pPr marL="2057400" indent="-228600">
+              <a:defRPr sz="2400">
+                <a:solidFill>
+                  <a:schemeClr val="tx1"/>
+                </a:solidFill>
+                <a:latin typeface="Times New Roman" charset="0"/>
+              </a:defRPr>
+            </a:lvl5pPr>
+            <a:lvl6pPr marL="2514600" indent="-228600" eaLnBrk="0" fontAlgn="base" hangingPunct="0">
+              <a:spcBef>
+                <a:spcPct val="0"/>
+              </a:spcBef>
+              <a:spcAft>
+                <a:spcPct val="0"/>
+              </a:spcAft>
+              <a:defRPr sz="2400">
+                <a:solidFill>
+                  <a:schemeClr val="tx1"/>
+                </a:solidFill>
+                <a:latin typeface="Times New Roman" charset="0"/>
+              </a:defRPr>
+            </a:lvl6pPr>
+            <a:lvl7pPr marL="2971800" indent="-228600" eaLnBrk="0" fontAlgn="base" hangingPunct="0">
+              <a:spcBef>
+                <a:spcPct val="0"/>
+              </a:spcBef>
+              <a:spcAft>
+                <a:spcPct val="0"/>
+              </a:spcAft>
+              <a:defRPr sz="2400">
+                <a:solidFill>
+                  <a:schemeClr val="tx1"/>
+                </a:solidFill>
+                <a:latin typeface="Times New Roman" charset="0"/>
+              </a:defRPr>
+            </a:lvl7pPr>
+            <a:lvl8pPr marL="3429000" indent="-228600" eaLnBrk="0" fontAlgn="base" hangingPunct="0">
+              <a:spcBef>
+                <a:spcPct val="0"/>
+              </a:spcBef>
+              <a:spcAft>
+                <a:spcPct val="0"/>
+              </a:spcAft>
+              <a:defRPr sz="2400">
+                <a:solidFill>
+                  <a:schemeClr val="tx1"/>
+                </a:solidFill>
+                <a:latin typeface="Times New Roman" charset="0"/>
+              </a:defRPr>
+            </a:lvl8pPr>
+            <a:lvl9pPr marL="3886200" indent="-228600" eaLnBrk="0" fontAlgn="base" hangingPunct="0">
+              <a:spcBef>
+                <a:spcPct val="0"/>
+              </a:spcBef>
+              <a:spcAft>
+                <a:spcPct val="0"/>
+              </a:spcAft>
+              <a:defRPr sz="2400">
+                <a:solidFill>
+                  <a:schemeClr val="tx1"/>
+                </a:solidFill>
+                <a:latin typeface="Times New Roman" charset="0"/>
+              </a:defRPr>
+            </a:lvl9pPr>
+          </a:lstStyle>
+          <a:p>
+            <a:fld id="{C2C33E99-571A-45E2-AF07-2E1CEC658784}" type="slidenum">
+              <a:rPr lang="en-US" sz="1400" smtClean="0"/>
+              <a:pPr/>
+              <a:t>250</a:t>
+            </a:fld>
+            <a:endParaRPr lang="en-US" sz="1400" smtClean="0"/>
+          </a:p>
+        </p:txBody>
+      </p:sp>
+      <p:sp>
+        <p:nvSpPr>
+          <p:cNvPr id="3077" name="Text Box 2"/>
+          <p:cNvSpPr txBox="1">
+            <a:spLocks noChangeArrowheads="1"/>
+          </p:cNvSpPr>
+          <p:nvPr/>
+        </p:nvSpPr>
+        <p:spPr bwMode="auto">
+          <a:xfrm>
+            <a:off x="1371600" y="533400"/>
+            <a:ext cx="3810000" cy="400110"/>
+          </a:xfrm>
+          <a:prstGeom prst="rect">
+            <a:avLst/>
+          </a:prstGeom>
+          <a:noFill/>
+          <a:ln>
+            <a:noFill/>
+          </a:ln>
+          <a:effectLst/>
+          <a:extLst>
+            <a:ext uri="{909E8E84-426E-40dd-AFC4-6F175D3DCCD1}">
+              <a14:hiddenFill xmlns:a14="http://schemas.microsoft.com/office/drawing/2010/main" xmlns="">
+                <a:solidFill>
+                  <a:schemeClr val="accent1"/>
+                </a:solidFill>
+              </a14:hiddenFill>
+            </a:ext>
+            <a:ext uri="{91240B29-F687-4f45-9708-019B960494DF}">
+              <a14:hiddenLine xmlns:a14="http://schemas.microsoft.com/office/drawing/2010/main" xmlns="" w="9525">
+                <a:solidFill>
+                  <a:schemeClr val="tx1"/>
+                </a:solidFill>
+                <a:miter lim="800000"/>
+                <a:headEnd/>
+                <a:tailEnd/>
+              </a14:hiddenLine>
+            </a:ext>
+            <a:ext uri="{AF507438-7753-43e0-B8FC-AC1667EBCBE1}">
+              <a14:hiddenEffects xmlns:a14="http://schemas.microsoft.com/office/drawing/2010/main" xmlns="">
+                <a:effectLst>
+                  <a:outerShdw dist="35921" dir="2700000" algn="ctr" rotWithShape="0">
+                    <a:schemeClr val="bg2"/>
+                  </a:outerShdw>
+                </a:effectLst>
+              </a14:hiddenEffects>
+            </a:ext>
+          </a:extLst>
+        </p:spPr>
+        <p:txBody>
+          <a:bodyPr>
+            <a:spAutoFit/>
+          </a:bodyPr>
+          <a:lstStyle>
+            <a:lvl1pPr>
+              <a:defRPr sz="2400">
+                <a:solidFill>
+                  <a:schemeClr val="tx1"/>
+                </a:solidFill>
+                <a:latin typeface="Times New Roman" charset="0"/>
+              </a:defRPr>
+            </a:lvl1pPr>
+            <a:lvl2pPr marL="742950" indent="-285750">
+              <a:defRPr sz="2400">
+                <a:solidFill>
+                  <a:schemeClr val="tx1"/>
+                </a:solidFill>
+                <a:latin typeface="Times New Roman" charset="0"/>
+              </a:defRPr>
+            </a:lvl2pPr>
+            <a:lvl3pPr marL="1143000" indent="-228600">
+              <a:defRPr sz="2400">
+                <a:solidFill>
+                  <a:schemeClr val="tx1"/>
+                </a:solidFill>
+                <a:latin typeface="Times New Roman" charset="0"/>
+              </a:defRPr>
+            </a:lvl3pPr>
+            <a:lvl4pPr marL="1600200" indent="-228600">
+              <a:defRPr sz="2400">
+                <a:solidFill>
+                  <a:schemeClr val="tx1"/>
+                </a:solidFill>
+                <a:latin typeface="Times New Roman" charset="0"/>
+              </a:defRPr>
+            </a:lvl4pPr>
+            <a:lvl5pPr marL="2057400" indent="-228600">
+              <a:defRPr sz="2400">
+                <a:solidFill>
+                  <a:schemeClr val="tx1"/>
+                </a:solidFill>
+                <a:latin typeface="Times New Roman" charset="0"/>
+              </a:defRPr>
+            </a:lvl5pPr>
+            <a:lvl6pPr marL="2514600" indent="-228600" eaLnBrk="0" fontAlgn="base" hangingPunct="0">
+              <a:spcBef>
+                <a:spcPct val="0"/>
+              </a:spcBef>
+              <a:spcAft>
+                <a:spcPct val="0"/>
+              </a:spcAft>
+              <a:defRPr sz="2400">
+                <a:solidFill>
+                  <a:schemeClr val="tx1"/>
+                </a:solidFill>
+                <a:latin typeface="Times New Roman" charset="0"/>
+              </a:defRPr>
+            </a:lvl6pPr>
+            <a:lvl7pPr marL="2971800" indent="-228600" eaLnBrk="0" fontAlgn="base" hangingPunct="0">
+              <a:spcBef>
+                <a:spcPct val="0"/>
+              </a:spcBef>
+              <a:spcAft>
+                <a:spcPct val="0"/>
+              </a:spcAft>
+              <a:defRPr sz="2400">
+                <a:solidFill>
+                  <a:schemeClr val="tx1"/>
+                </a:solidFill>
+                <a:latin typeface="Times New Roman" charset="0"/>
+              </a:defRPr>
+            </a:lvl7pPr>
+            <a:lvl8pPr marL="3429000" indent="-228600" eaLnBrk="0" fontAlgn="base" hangingPunct="0">
+              <a:spcBef>
+                <a:spcPct val="0"/>
+              </a:spcBef>
+              <a:spcAft>
+                <a:spcPct val="0"/>
+              </a:spcAft>
+              <a:defRPr sz="2400">
+                <a:solidFill>
+                  <a:schemeClr val="tx1"/>
+                </a:solidFill>
+                <a:latin typeface="Times New Roman" charset="0"/>
+              </a:defRPr>
+            </a:lvl8pPr>
+            <a:lvl9pPr marL="3886200" indent="-228600" eaLnBrk="0" fontAlgn="base" hangingPunct="0">
+              <a:spcBef>
+                <a:spcPct val="0"/>
+              </a:spcBef>
+              <a:spcAft>
+                <a:spcPct val="0"/>
+              </a:spcAft>
+              <a:defRPr sz="2400">
+                <a:solidFill>
+                  <a:schemeClr val="tx1"/>
+                </a:solidFill>
+                <a:latin typeface="Times New Roman" charset="0"/>
+              </a:defRPr>
+            </a:lvl9pPr>
+          </a:lstStyle>
+          <a:p>
+            <a:pPr algn="ctr">
+              <a:spcBef>
+                <a:spcPct val="50000"/>
+              </a:spcBef>
+            </a:pPr>
+            <a:r>
+              <a:rPr lang="en-US" sz="2000" b="1" dirty="0" smtClean="0">
+                <a:solidFill>
+                  <a:schemeClr val="accent2"/>
+                </a:solidFill>
+              </a:rPr>
+              <a:t>Review/Quiz</a:t>
+            </a:r>
+            <a:endParaRPr lang="en-US" sz="2000" b="1" dirty="0">
+              <a:solidFill>
+                <a:schemeClr val="accent2"/>
+              </a:solidFill>
+            </a:endParaRPr>
+          </a:p>
+        </p:txBody>
+      </p:sp>
+      <p:sp>
+        <p:nvSpPr>
+          <p:cNvPr id="3078" name="Line 3"/>
+          <p:cNvSpPr>
+            <a:spLocks noChangeShapeType="1"/>
+          </p:cNvSpPr>
+          <p:nvPr/>
+        </p:nvSpPr>
+        <p:spPr bwMode="auto">
+          <a:xfrm>
+            <a:off x="1219200" y="1295400"/>
+            <a:ext cx="4114800" cy="0"/>
+          </a:xfrm>
+          <a:prstGeom prst="line">
+            <a:avLst/>
+          </a:prstGeom>
+          <a:noFill/>
+          <a:ln w="38100">
+            <a:solidFill>
+              <a:schemeClr val="tx1"/>
+            </a:solidFill>
+            <a:round/>
+            <a:headEnd/>
+            <a:tailEnd/>
+          </a:ln>
+          <a:effectLst/>
+          <a:extLst>
+            <a:ext uri="{909E8E84-426E-40dd-AFC4-6F175D3DCCD1}">
+              <a14:hiddenFill xmlns:a14="http://schemas.microsoft.com/office/drawing/2010/main" xmlns="">
+                <a:noFill/>
+              </a14:hiddenFill>
+            </a:ext>
+            <a:ext uri="{AF507438-7753-43e0-B8FC-AC1667EBCBE1}">
+              <a14:hiddenEffects xmlns:a14="http://schemas.microsoft.com/office/drawing/2010/main" xmlns="">
+                <a:effectLst>
+                  <a:outerShdw dist="35921" dir="2700000" algn="ctr" rotWithShape="0">
+                    <a:schemeClr val="bg2"/>
+                  </a:outerShdw>
+                </a:effectLst>
+              </a14:hiddenEffects>
+            </a:ext>
+          </a:extLst>
+        </p:spPr>
+        <p:txBody>
+          <a:bodyPr wrap="none" anchor="ctr"/>
+          <a:lstStyle/>
+          <a:p>
+            <a:endParaRPr lang="en-US"/>
+          </a:p>
+        </p:txBody>
+      </p:sp>
+      <p:sp>
+        <p:nvSpPr>
+          <p:cNvPr id="3079" name="Text Box 4"/>
+          <p:cNvSpPr txBox="1">
+            <a:spLocks noChangeArrowheads="1"/>
+          </p:cNvSpPr>
+          <p:nvPr/>
+        </p:nvSpPr>
+        <p:spPr bwMode="auto">
+          <a:xfrm>
+            <a:off x="533400" y="1600200"/>
+            <a:ext cx="5715000" cy="2554545"/>
+          </a:xfrm>
+          <a:prstGeom prst="rect">
+            <a:avLst/>
+          </a:prstGeom>
+          <a:noFill/>
+          <a:ln>
+            <a:noFill/>
+          </a:ln>
+          <a:effectLst/>
+          <a:extLst>
+            <a:ext uri="{909E8E84-426E-40dd-AFC4-6F175D3DCCD1}">
+              <a14:hiddenFill xmlns:a14="http://schemas.microsoft.com/office/drawing/2010/main" xmlns="">
+                <a:solidFill>
+                  <a:schemeClr val="accent1"/>
+                </a:solidFill>
+              </a14:hiddenFill>
+            </a:ext>
+            <a:ext uri="{91240B29-F687-4f45-9708-019B960494DF}">
+              <a14:hiddenLine xmlns:a14="http://schemas.microsoft.com/office/drawing/2010/main" xmlns="" w="9525">
+                <a:solidFill>
+                  <a:schemeClr val="tx1"/>
+                </a:solidFill>
+                <a:miter lim="800000"/>
+                <a:headEnd/>
+                <a:tailEnd/>
+              </a14:hiddenLine>
+            </a:ext>
+            <a:ext uri="{AF507438-7753-43e0-B8FC-AC1667EBCBE1}">
+              <a14:hiddenEffects xmlns:a14="http://schemas.microsoft.com/office/drawing/2010/main" xmlns="">
+                <a:effectLst>
+                  <a:outerShdw dist="35921" dir="2700000" algn="ctr" rotWithShape="0">
+                    <a:schemeClr val="bg2"/>
+                  </a:outerShdw>
+                </a:effectLst>
+              </a14:hiddenEffects>
+            </a:ext>
+          </a:extLst>
+        </p:spPr>
+        <p:txBody>
+          <a:bodyPr>
+            <a:spAutoFit/>
+          </a:bodyPr>
+          <a:lstStyle>
+            <a:lvl1pPr>
+              <a:tabLst>
+                <a:tab pos="228600" algn="l"/>
+              </a:tabLst>
+              <a:defRPr sz="2400">
+                <a:solidFill>
+                  <a:schemeClr val="tx1"/>
+                </a:solidFill>
+                <a:latin typeface="Times New Roman" charset="0"/>
+              </a:defRPr>
+            </a:lvl1pPr>
+            <a:lvl2pPr marL="742950" indent="-285750">
+              <a:tabLst>
+                <a:tab pos="228600" algn="l"/>
+              </a:tabLst>
+              <a:defRPr sz="2400">
+                <a:solidFill>
+                  <a:schemeClr val="tx1"/>
+                </a:solidFill>
+                <a:latin typeface="Times New Roman" charset="0"/>
+              </a:defRPr>
+            </a:lvl2pPr>
+            <a:lvl3pPr marL="1143000" indent="-228600">
+              <a:tabLst>
+                <a:tab pos="228600" algn="l"/>
+              </a:tabLst>
+              <a:defRPr sz="2400">
+                <a:solidFill>
+                  <a:schemeClr val="tx1"/>
+                </a:solidFill>
+                <a:latin typeface="Times New Roman" charset="0"/>
+              </a:defRPr>
+            </a:lvl3pPr>
+            <a:lvl4pPr marL="1600200" indent="-228600">
+              <a:tabLst>
+                <a:tab pos="228600" algn="l"/>
+              </a:tabLst>
+              <a:defRPr sz="2400">
+                <a:solidFill>
+                  <a:schemeClr val="tx1"/>
+                </a:solidFill>
+                <a:latin typeface="Times New Roman" charset="0"/>
+              </a:defRPr>
+            </a:lvl4pPr>
+            <a:lvl5pPr marL="2057400" indent="-228600">
+              <a:tabLst>
+                <a:tab pos="228600" algn="l"/>
+              </a:tabLst>
+              <a:defRPr sz="2400">
+                <a:solidFill>
+                  <a:schemeClr val="tx1"/>
+                </a:solidFill>
+                <a:latin typeface="Times New Roman" charset="0"/>
+              </a:defRPr>
+            </a:lvl5pPr>
+            <a:lvl6pPr marL="2514600" indent="-228600" eaLnBrk="0" fontAlgn="base" hangingPunct="0">
+              <a:spcBef>
+                <a:spcPct val="0"/>
+              </a:spcBef>
+              <a:spcAft>
+                <a:spcPct val="0"/>
+              </a:spcAft>
+              <a:tabLst>
+                <a:tab pos="228600" algn="l"/>
+              </a:tabLst>
+              <a:defRPr sz="2400">
+                <a:solidFill>
+                  <a:schemeClr val="tx1"/>
+                </a:solidFill>
+                <a:latin typeface="Times New Roman" charset="0"/>
+              </a:defRPr>
+            </a:lvl6pPr>
+            <a:lvl7pPr marL="2971800" indent="-228600" eaLnBrk="0" fontAlgn="base" hangingPunct="0">
+              <a:spcBef>
+                <a:spcPct val="0"/>
+              </a:spcBef>
+              <a:spcAft>
+                <a:spcPct val="0"/>
+              </a:spcAft>
+              <a:tabLst>
+                <a:tab pos="228600" algn="l"/>
+              </a:tabLst>
+              <a:defRPr sz="2400">
+                <a:solidFill>
+                  <a:schemeClr val="tx1"/>
+                </a:solidFill>
+                <a:latin typeface="Times New Roman" charset="0"/>
+              </a:defRPr>
+            </a:lvl7pPr>
+            <a:lvl8pPr marL="3429000" indent="-228600" eaLnBrk="0" fontAlgn="base" hangingPunct="0">
+              <a:spcBef>
+                <a:spcPct val="0"/>
+              </a:spcBef>
+              <a:spcAft>
+                <a:spcPct val="0"/>
+              </a:spcAft>
+              <a:tabLst>
+                <a:tab pos="228600" algn="l"/>
+              </a:tabLst>
+              <a:defRPr sz="2400">
+                <a:solidFill>
+                  <a:schemeClr val="tx1"/>
+                </a:solidFill>
+                <a:latin typeface="Times New Roman" charset="0"/>
+              </a:defRPr>
+            </a:lvl8pPr>
+            <a:lvl9pPr marL="3886200" indent="-228600" eaLnBrk="0" fontAlgn="base" hangingPunct="0">
+              <a:spcBef>
+                <a:spcPct val="0"/>
+              </a:spcBef>
+              <a:spcAft>
+                <a:spcPct val="0"/>
+              </a:spcAft>
+              <a:tabLst>
+                <a:tab pos="228600" algn="l"/>
+              </a:tabLst>
+              <a:defRPr sz="2400">
+                <a:solidFill>
+                  <a:schemeClr val="tx1"/>
+                </a:solidFill>
+                <a:latin typeface="Times New Roman" charset="0"/>
+              </a:defRPr>
+            </a:lvl9pPr>
+          </a:lstStyle>
+          <a:p>
+            <a:pPr algn="just"/>
+            <a:r>
+              <a:rPr lang="en-US" sz="2000" b="1" dirty="0" smtClean="0">
+                <a:solidFill>
+                  <a:schemeClr val="accent2"/>
+                </a:solidFill>
+              </a:rPr>
+              <a:t>Your friend, who has taken STAT101, claims that they learnt that the central limit theorem says that all data are normally distributed</a:t>
+            </a:r>
+          </a:p>
+          <a:p>
+            <a:pPr algn="just"/>
+            <a:endParaRPr lang="en-US" sz="2000" b="1" dirty="0">
+              <a:solidFill>
+                <a:schemeClr val="accent2"/>
+              </a:solidFill>
+              <a:sym typeface="Symbol" pitchFamily="18" charset="2"/>
+            </a:endParaRPr>
+          </a:p>
+          <a:p>
+            <a:pPr marL="457200" indent="-457200" algn="just">
+              <a:buAutoNum type="arabicPeriod"/>
+            </a:pPr>
+            <a:r>
+              <a:rPr lang="en-US" sz="2000" b="1" dirty="0" smtClean="0">
+                <a:solidFill>
+                  <a:schemeClr val="accent2"/>
+                </a:solidFill>
+                <a:sym typeface="Symbol" pitchFamily="18" charset="2"/>
+              </a:rPr>
+              <a:t>Is that true?</a:t>
+            </a:r>
+          </a:p>
+          <a:p>
+            <a:pPr marL="457200" indent="-457200" algn="just">
+              <a:buAutoNum type="arabicPeriod"/>
+            </a:pPr>
+            <a:endParaRPr lang="en-US" sz="2000" b="1" dirty="0">
+              <a:solidFill>
+                <a:schemeClr val="accent2"/>
+              </a:solidFill>
+              <a:sym typeface="Symbol" pitchFamily="18" charset="2"/>
+            </a:endParaRPr>
+          </a:p>
+          <a:p>
+            <a:pPr marL="457200" indent="-457200" algn="just">
+              <a:buAutoNum type="arabicPeriod"/>
+            </a:pPr>
+            <a:r>
+              <a:rPr lang="en-US" sz="2000" b="1" dirty="0" smtClean="0">
+                <a:solidFill>
+                  <a:schemeClr val="accent2"/>
+                </a:solidFill>
+                <a:sym typeface="Symbol" pitchFamily="18" charset="2"/>
+              </a:rPr>
+              <a:t>If not, what is true? What does the central limit theorem tell us?</a:t>
+            </a:r>
+            <a:endParaRPr lang="en-US" sz="2000" b="1" dirty="0">
+              <a:solidFill>
+                <a:schemeClr val="accent2"/>
+              </a:solidFill>
+              <a:sym typeface="Symbol" pitchFamily="18" charset="2"/>
+            </a:endParaRPr>
+          </a:p>
+        </p:txBody>
+      </p:sp>
+    </p:spTree>
+    <p:extLst>
+      <p:ext uri="{BB962C8B-B14F-4D97-AF65-F5344CB8AC3E}">
+        <p14:creationId xmlns:p14="http://schemas.microsoft.com/office/powerpoint/2010/main" val="1210473733"/>
+      </p:ext>
+    </p:extLst>
+  </p:cSld>
+  <p:clrMapOvr>
+    <a:masterClrMapping/>
+  </p:clrMapOvr>
+  <p:timing>
+    <p:tnLst>
+      <p:par>
+        <p:cTn id="1" dur="indefinite" restart="never" nodeType="tmRoot"/>
+      </p:par>
+    </p:tnLst>
+  </p:timing>
+</p:sld>
+</file>
+
+<file path=ppt/slides/slide20.xml><?xml version="1.0" encoding="utf-8"?>
 <p:sld xmlns:a="http://schemas.openxmlformats.org/drawingml/2006/main" xmlns:r="http://schemas.openxmlformats.org/officeDocument/2006/relationships" xmlns:p="http://schemas.openxmlformats.org/presentationml/2006/main">
   <p:cSld>
     <p:spTree>
@@ -13804,7 +16860,7 @@
             <a:fld id="{126598D5-218A-403A-9ACA-384F22B94E92}" type="slidenum">
               <a:rPr lang="en-US" sz="1400" smtClean="0"/>
               <a:pPr/>
-              <a:t>266</a:t>
+              <a:t>268</a:t>
             </a:fld>
             <a:endParaRPr lang="en-US" sz="1400" smtClean="0"/>
           </a:p>
@@ -14314,7 +17370,693 @@
 </p:sld>
 </file>
 
-<file path=ppt/slides/slide2.xml><?xml version="1.0" encoding="utf-8"?>
+<file path=ppt/slides/slide3.xml><?xml version="1.0" encoding="utf-8"?>
+<p:sld xmlns:a="http://schemas.openxmlformats.org/drawingml/2006/main" xmlns:r="http://schemas.openxmlformats.org/officeDocument/2006/relationships" xmlns:p="http://schemas.openxmlformats.org/presentationml/2006/main">
+  <p:cSld>
+    <p:spTree>
+      <p:nvGrpSpPr>
+        <p:cNvPr id="1" name=""/>
+        <p:cNvGrpSpPr/>
+        <p:nvPr/>
+      </p:nvGrpSpPr>
+      <p:grpSpPr>
+        <a:xfrm>
+          <a:off x="0" y="0"/>
+          <a:ext cx="0" cy="0"/>
+          <a:chOff x="0" y="0"/>
+          <a:chExt cx="0" cy="0"/>
+        </a:xfrm>
+      </p:grpSpPr>
+      <p:sp>
+        <p:nvSpPr>
+          <p:cNvPr id="2050" name="Date Placeholder 1"/>
+          <p:cNvSpPr>
+            <a:spLocks noGrp="1"/>
+          </p:cNvSpPr>
+          <p:nvPr>
+            <p:ph type="dt" sz="quarter" idx="10"/>
+          </p:nvPr>
+        </p:nvSpPr>
+        <p:spPr>
+          <a:noFill/>
+        </p:spPr>
+        <p:txBody>
+          <a:bodyPr/>
+          <a:lstStyle>
+            <a:lvl1pPr>
+              <a:defRPr sz="2400">
+                <a:solidFill>
+                  <a:schemeClr val="tx1"/>
+                </a:solidFill>
+                <a:latin typeface="Times New Roman" charset="0"/>
+              </a:defRPr>
+            </a:lvl1pPr>
+            <a:lvl2pPr marL="742950" indent="-285750">
+              <a:defRPr sz="2400">
+                <a:solidFill>
+                  <a:schemeClr val="tx1"/>
+                </a:solidFill>
+                <a:latin typeface="Times New Roman" charset="0"/>
+              </a:defRPr>
+            </a:lvl2pPr>
+            <a:lvl3pPr marL="1143000" indent="-228600">
+              <a:defRPr sz="2400">
+                <a:solidFill>
+                  <a:schemeClr val="tx1"/>
+                </a:solidFill>
+                <a:latin typeface="Times New Roman" charset="0"/>
+              </a:defRPr>
+            </a:lvl3pPr>
+            <a:lvl4pPr marL="1600200" indent="-228600">
+              <a:defRPr sz="2400">
+                <a:solidFill>
+                  <a:schemeClr val="tx1"/>
+                </a:solidFill>
+                <a:latin typeface="Times New Roman" charset="0"/>
+              </a:defRPr>
+            </a:lvl4pPr>
+            <a:lvl5pPr marL="2057400" indent="-228600">
+              <a:defRPr sz="2400">
+                <a:solidFill>
+                  <a:schemeClr val="tx1"/>
+                </a:solidFill>
+                <a:latin typeface="Times New Roman" charset="0"/>
+              </a:defRPr>
+            </a:lvl5pPr>
+            <a:lvl6pPr marL="2514600" indent="-228600" eaLnBrk="0" fontAlgn="base" hangingPunct="0">
+              <a:spcBef>
+                <a:spcPct val="0"/>
+              </a:spcBef>
+              <a:spcAft>
+                <a:spcPct val="0"/>
+              </a:spcAft>
+              <a:defRPr sz="2400">
+                <a:solidFill>
+                  <a:schemeClr val="tx1"/>
+                </a:solidFill>
+                <a:latin typeface="Times New Roman" charset="0"/>
+              </a:defRPr>
+            </a:lvl6pPr>
+            <a:lvl7pPr marL="2971800" indent="-228600" eaLnBrk="0" fontAlgn="base" hangingPunct="0">
+              <a:spcBef>
+                <a:spcPct val="0"/>
+              </a:spcBef>
+              <a:spcAft>
+                <a:spcPct val="0"/>
+              </a:spcAft>
+              <a:defRPr sz="2400">
+                <a:solidFill>
+                  <a:schemeClr val="tx1"/>
+                </a:solidFill>
+                <a:latin typeface="Times New Roman" charset="0"/>
+              </a:defRPr>
+            </a:lvl7pPr>
+            <a:lvl8pPr marL="3429000" indent="-228600" eaLnBrk="0" fontAlgn="base" hangingPunct="0">
+              <a:spcBef>
+                <a:spcPct val="0"/>
+              </a:spcBef>
+              <a:spcAft>
+                <a:spcPct val="0"/>
+              </a:spcAft>
+              <a:defRPr sz="2400">
+                <a:solidFill>
+                  <a:schemeClr val="tx1"/>
+                </a:solidFill>
+                <a:latin typeface="Times New Roman" charset="0"/>
+              </a:defRPr>
+            </a:lvl8pPr>
+            <a:lvl9pPr marL="3886200" indent="-228600" eaLnBrk="0" fontAlgn="base" hangingPunct="0">
+              <a:spcBef>
+                <a:spcPct val="0"/>
+              </a:spcBef>
+              <a:spcAft>
+                <a:spcPct val="0"/>
+              </a:spcAft>
+              <a:defRPr sz="2400">
+                <a:solidFill>
+                  <a:schemeClr val="tx1"/>
+                </a:solidFill>
+                <a:latin typeface="Times New Roman" charset="0"/>
+              </a:defRPr>
+            </a:lvl9pPr>
+          </a:lstStyle>
+          <a:p>
+            <a:r>
+              <a:rPr lang="en-US" sz="1400" smtClean="0"/>
+              <a:t>Summer 2017</a:t>
+            </a:r>
+            <a:endParaRPr lang="en-US" sz="1400"/>
+          </a:p>
+        </p:txBody>
+      </p:sp>
+      <p:sp>
+        <p:nvSpPr>
+          <p:cNvPr id="2051" name="Footer Placeholder 2"/>
+          <p:cNvSpPr>
+            <a:spLocks noGrp="1"/>
+          </p:cNvSpPr>
+          <p:nvPr>
+            <p:ph type="ftr" sz="quarter" idx="11"/>
+          </p:nvPr>
+        </p:nvSpPr>
+        <p:spPr>
+          <a:noFill/>
+        </p:spPr>
+        <p:txBody>
+          <a:bodyPr/>
+          <a:lstStyle>
+            <a:lvl1pPr>
+              <a:defRPr sz="2400">
+                <a:solidFill>
+                  <a:schemeClr val="tx1"/>
+                </a:solidFill>
+                <a:latin typeface="Times New Roman" charset="0"/>
+              </a:defRPr>
+            </a:lvl1pPr>
+            <a:lvl2pPr marL="742950" indent="-285750">
+              <a:defRPr sz="2400">
+                <a:solidFill>
+                  <a:schemeClr val="tx1"/>
+                </a:solidFill>
+                <a:latin typeface="Times New Roman" charset="0"/>
+              </a:defRPr>
+            </a:lvl2pPr>
+            <a:lvl3pPr marL="1143000" indent="-228600">
+              <a:defRPr sz="2400">
+                <a:solidFill>
+                  <a:schemeClr val="tx1"/>
+                </a:solidFill>
+                <a:latin typeface="Times New Roman" charset="0"/>
+              </a:defRPr>
+            </a:lvl3pPr>
+            <a:lvl4pPr marL="1600200" indent="-228600">
+              <a:defRPr sz="2400">
+                <a:solidFill>
+                  <a:schemeClr val="tx1"/>
+                </a:solidFill>
+                <a:latin typeface="Times New Roman" charset="0"/>
+              </a:defRPr>
+            </a:lvl4pPr>
+            <a:lvl5pPr marL="2057400" indent="-228600">
+              <a:defRPr sz="2400">
+                <a:solidFill>
+                  <a:schemeClr val="tx1"/>
+                </a:solidFill>
+                <a:latin typeface="Times New Roman" charset="0"/>
+              </a:defRPr>
+            </a:lvl5pPr>
+            <a:lvl6pPr marL="2514600" indent="-228600" eaLnBrk="0" fontAlgn="base" hangingPunct="0">
+              <a:spcBef>
+                <a:spcPct val="0"/>
+              </a:spcBef>
+              <a:spcAft>
+                <a:spcPct val="0"/>
+              </a:spcAft>
+              <a:defRPr sz="2400">
+                <a:solidFill>
+                  <a:schemeClr val="tx1"/>
+                </a:solidFill>
+                <a:latin typeface="Times New Roman" charset="0"/>
+              </a:defRPr>
+            </a:lvl6pPr>
+            <a:lvl7pPr marL="2971800" indent="-228600" eaLnBrk="0" fontAlgn="base" hangingPunct="0">
+              <a:spcBef>
+                <a:spcPct val="0"/>
+              </a:spcBef>
+              <a:spcAft>
+                <a:spcPct val="0"/>
+              </a:spcAft>
+              <a:defRPr sz="2400">
+                <a:solidFill>
+                  <a:schemeClr val="tx1"/>
+                </a:solidFill>
+                <a:latin typeface="Times New Roman" charset="0"/>
+              </a:defRPr>
+            </a:lvl7pPr>
+            <a:lvl8pPr marL="3429000" indent="-228600" eaLnBrk="0" fontAlgn="base" hangingPunct="0">
+              <a:spcBef>
+                <a:spcPct val="0"/>
+              </a:spcBef>
+              <a:spcAft>
+                <a:spcPct val="0"/>
+              </a:spcAft>
+              <a:defRPr sz="2400">
+                <a:solidFill>
+                  <a:schemeClr val="tx1"/>
+                </a:solidFill>
+                <a:latin typeface="Times New Roman" charset="0"/>
+              </a:defRPr>
+            </a:lvl8pPr>
+            <a:lvl9pPr marL="3886200" indent="-228600" eaLnBrk="0" fontAlgn="base" hangingPunct="0">
+              <a:spcBef>
+                <a:spcPct val="0"/>
+              </a:spcBef>
+              <a:spcAft>
+                <a:spcPct val="0"/>
+              </a:spcAft>
+              <a:defRPr sz="2400">
+                <a:solidFill>
+                  <a:schemeClr val="tx1"/>
+                </a:solidFill>
+                <a:latin typeface="Times New Roman" charset="0"/>
+              </a:defRPr>
+            </a:lvl9pPr>
+          </a:lstStyle>
+          <a:p>
+            <a:r>
+              <a:rPr lang="en-US" sz="1400" smtClean="0"/>
+              <a:t>Summer Institutes</a:t>
+            </a:r>
+          </a:p>
+        </p:txBody>
+      </p:sp>
+      <p:sp>
+        <p:nvSpPr>
+          <p:cNvPr id="2052" name="Slide Number Placeholder 3"/>
+          <p:cNvSpPr>
+            <a:spLocks noGrp="1"/>
+          </p:cNvSpPr>
+          <p:nvPr>
+            <p:ph type="sldNum" sz="quarter" idx="12"/>
+          </p:nvPr>
+        </p:nvSpPr>
+        <p:spPr>
+          <a:noFill/>
+        </p:spPr>
+        <p:txBody>
+          <a:bodyPr/>
+          <a:lstStyle>
+            <a:lvl1pPr>
+              <a:defRPr sz="2400">
+                <a:solidFill>
+                  <a:schemeClr val="tx1"/>
+                </a:solidFill>
+                <a:latin typeface="Times New Roman" charset="0"/>
+              </a:defRPr>
+            </a:lvl1pPr>
+            <a:lvl2pPr marL="742950" indent="-285750">
+              <a:defRPr sz="2400">
+                <a:solidFill>
+                  <a:schemeClr val="tx1"/>
+                </a:solidFill>
+                <a:latin typeface="Times New Roman" charset="0"/>
+              </a:defRPr>
+            </a:lvl2pPr>
+            <a:lvl3pPr marL="1143000" indent="-228600">
+              <a:defRPr sz="2400">
+                <a:solidFill>
+                  <a:schemeClr val="tx1"/>
+                </a:solidFill>
+                <a:latin typeface="Times New Roman" charset="0"/>
+              </a:defRPr>
+            </a:lvl3pPr>
+            <a:lvl4pPr marL="1600200" indent="-228600">
+              <a:defRPr sz="2400">
+                <a:solidFill>
+                  <a:schemeClr val="tx1"/>
+                </a:solidFill>
+                <a:latin typeface="Times New Roman" charset="0"/>
+              </a:defRPr>
+            </a:lvl4pPr>
+            <a:lvl5pPr marL="2057400" indent="-228600">
+              <a:defRPr sz="2400">
+                <a:solidFill>
+                  <a:schemeClr val="tx1"/>
+                </a:solidFill>
+                <a:latin typeface="Times New Roman" charset="0"/>
+              </a:defRPr>
+            </a:lvl5pPr>
+            <a:lvl6pPr marL="2514600" indent="-228600" eaLnBrk="0" fontAlgn="base" hangingPunct="0">
+              <a:spcBef>
+                <a:spcPct val="0"/>
+              </a:spcBef>
+              <a:spcAft>
+                <a:spcPct val="0"/>
+              </a:spcAft>
+              <a:defRPr sz="2400">
+                <a:solidFill>
+                  <a:schemeClr val="tx1"/>
+                </a:solidFill>
+                <a:latin typeface="Times New Roman" charset="0"/>
+              </a:defRPr>
+            </a:lvl6pPr>
+            <a:lvl7pPr marL="2971800" indent="-228600" eaLnBrk="0" fontAlgn="base" hangingPunct="0">
+              <a:spcBef>
+                <a:spcPct val="0"/>
+              </a:spcBef>
+              <a:spcAft>
+                <a:spcPct val="0"/>
+              </a:spcAft>
+              <a:defRPr sz="2400">
+                <a:solidFill>
+                  <a:schemeClr val="tx1"/>
+                </a:solidFill>
+                <a:latin typeface="Times New Roman" charset="0"/>
+              </a:defRPr>
+            </a:lvl7pPr>
+            <a:lvl8pPr marL="3429000" indent="-228600" eaLnBrk="0" fontAlgn="base" hangingPunct="0">
+              <a:spcBef>
+                <a:spcPct val="0"/>
+              </a:spcBef>
+              <a:spcAft>
+                <a:spcPct val="0"/>
+              </a:spcAft>
+              <a:defRPr sz="2400">
+                <a:solidFill>
+                  <a:schemeClr val="tx1"/>
+                </a:solidFill>
+                <a:latin typeface="Times New Roman" charset="0"/>
+              </a:defRPr>
+            </a:lvl8pPr>
+            <a:lvl9pPr marL="3886200" indent="-228600" eaLnBrk="0" fontAlgn="base" hangingPunct="0">
+              <a:spcBef>
+                <a:spcPct val="0"/>
+              </a:spcBef>
+              <a:spcAft>
+                <a:spcPct val="0"/>
+              </a:spcAft>
+              <a:defRPr sz="2400">
+                <a:solidFill>
+                  <a:schemeClr val="tx1"/>
+                </a:solidFill>
+                <a:latin typeface="Times New Roman" charset="0"/>
+              </a:defRPr>
+            </a:lvl9pPr>
+          </a:lstStyle>
+          <a:p>
+            <a:fld id="{5E5B2DA8-6ABB-4FCF-BD5A-3B0F4FAECC44}" type="slidenum">
+              <a:rPr lang="en-US" sz="1400" smtClean="0"/>
+              <a:pPr/>
+              <a:t>251</a:t>
+            </a:fld>
+            <a:endParaRPr lang="en-US" sz="1400" smtClean="0"/>
+          </a:p>
+        </p:txBody>
+      </p:sp>
+      <p:sp>
+        <p:nvSpPr>
+          <p:cNvPr id="2053" name="Rectangle 2"/>
+          <p:cNvSpPr>
+            <a:spLocks noChangeArrowheads="1"/>
+          </p:cNvSpPr>
+          <p:nvPr/>
+        </p:nvSpPr>
+        <p:spPr bwMode="auto">
+          <a:xfrm>
+            <a:off x="914400" y="2743200"/>
+            <a:ext cx="5029200" cy="1160463"/>
+          </a:xfrm>
+          <a:prstGeom prst="rect">
+            <a:avLst/>
+          </a:prstGeom>
+          <a:noFill/>
+          <a:ln>
+            <a:noFill/>
+          </a:ln>
+          <a:effectLst/>
+          <a:extLst>
+            <a:ext uri="{909E8E84-426E-40dd-AFC4-6F175D3DCCD1}">
+              <a14:hiddenFill xmlns:a14="http://schemas.microsoft.com/office/drawing/2010/main" xmlns="">
+                <a:solidFill>
+                  <a:schemeClr val="accent1"/>
+                </a:solidFill>
+              </a14:hiddenFill>
+            </a:ext>
+            <a:ext uri="{91240B29-F687-4f45-9708-019B960494DF}">
+              <a14:hiddenLine xmlns:a14="http://schemas.microsoft.com/office/drawing/2010/main" xmlns="" w="9525">
+                <a:solidFill>
+                  <a:schemeClr val="tx1"/>
+                </a:solidFill>
+                <a:miter lim="800000"/>
+                <a:headEnd/>
+                <a:tailEnd/>
+              </a14:hiddenLine>
+            </a:ext>
+            <a:ext uri="{AF507438-7753-43e0-B8FC-AC1667EBCBE1}">
+              <a14:hiddenEffects xmlns:a14="http://schemas.microsoft.com/office/drawing/2010/main" xmlns="">
+                <a:effectLst>
+                  <a:outerShdw dist="35921" dir="2700000" algn="ctr" rotWithShape="0">
+                    <a:schemeClr val="bg2"/>
+                  </a:outerShdw>
+                </a:effectLst>
+              </a14:hiddenEffects>
+            </a:ext>
+          </a:extLst>
+        </p:spPr>
+        <p:txBody>
+          <a:bodyPr lIns="92075" tIns="46038" rIns="92075" bIns="46038">
+            <a:spAutoFit/>
+          </a:bodyPr>
+          <a:lstStyle/>
+          <a:p>
+            <a:pPr algn="ctr">
+              <a:spcBef>
+                <a:spcPct val="50000"/>
+              </a:spcBef>
+            </a:pPr>
+            <a:r>
+              <a:rPr lang="en-US" sz="2800" b="1"/>
+              <a:t>The Bootstrap</a:t>
+            </a:r>
+          </a:p>
+          <a:p>
+            <a:pPr algn="ctr">
+              <a:spcBef>
+                <a:spcPct val="50000"/>
+              </a:spcBef>
+            </a:pPr>
+            <a:r>
+              <a:rPr lang="en-US" sz="2800" b="1"/>
+              <a:t>and Jackknife</a:t>
+            </a:r>
+          </a:p>
+        </p:txBody>
+      </p:sp>
+      <p:sp>
+        <p:nvSpPr>
+          <p:cNvPr id="2054" name="Line 3"/>
+          <p:cNvSpPr>
+            <a:spLocks noChangeShapeType="1"/>
+          </p:cNvSpPr>
+          <p:nvPr/>
+        </p:nvSpPr>
+        <p:spPr bwMode="auto">
+          <a:xfrm>
+            <a:off x="915988" y="2286000"/>
+            <a:ext cx="5027612" cy="0"/>
+          </a:xfrm>
+          <a:prstGeom prst="line">
+            <a:avLst/>
+          </a:prstGeom>
+          <a:noFill/>
+          <a:ln w="50800">
+            <a:solidFill>
+              <a:schemeClr val="tx1"/>
+            </a:solidFill>
+            <a:round/>
+            <a:headEnd type="none" w="sm" len="sm"/>
+            <a:tailEnd type="none" w="sm" len="sm"/>
+          </a:ln>
+          <a:effectLst/>
+          <a:extLst>
+            <a:ext uri="{909E8E84-426E-40dd-AFC4-6F175D3DCCD1}">
+              <a14:hiddenFill xmlns:a14="http://schemas.microsoft.com/office/drawing/2010/main" xmlns="">
+                <a:noFill/>
+              </a14:hiddenFill>
+            </a:ext>
+            <a:ext uri="{AF507438-7753-43e0-B8FC-AC1667EBCBE1}">
+              <a14:hiddenEffects xmlns:a14="http://schemas.microsoft.com/office/drawing/2010/main" xmlns="">
+                <a:effectLst>
+                  <a:outerShdw dist="35921" dir="2700000" algn="ctr" rotWithShape="0">
+                    <a:schemeClr val="bg2"/>
+                  </a:outerShdw>
+                </a:effectLst>
+              </a14:hiddenEffects>
+            </a:ext>
+          </a:extLst>
+        </p:spPr>
+        <p:txBody>
+          <a:bodyPr wrap="none" anchor="ctr"/>
+          <a:lstStyle/>
+          <a:p>
+            <a:endParaRPr lang="en-US"/>
+          </a:p>
+        </p:txBody>
+      </p:sp>
+      <p:sp>
+        <p:nvSpPr>
+          <p:cNvPr id="2055" name="Line 4"/>
+          <p:cNvSpPr>
+            <a:spLocks noChangeShapeType="1"/>
+          </p:cNvSpPr>
+          <p:nvPr/>
+        </p:nvSpPr>
+        <p:spPr bwMode="auto">
+          <a:xfrm>
+            <a:off x="915988" y="2514600"/>
+            <a:ext cx="5027612" cy="0"/>
+          </a:xfrm>
+          <a:prstGeom prst="line">
+            <a:avLst/>
+          </a:prstGeom>
+          <a:noFill/>
+          <a:ln w="50800">
+            <a:solidFill>
+              <a:schemeClr val="tx1"/>
+            </a:solidFill>
+            <a:round/>
+            <a:headEnd type="none" w="sm" len="sm"/>
+            <a:tailEnd type="none" w="sm" len="sm"/>
+          </a:ln>
+          <a:effectLst/>
+          <a:extLst>
+            <a:ext uri="{909E8E84-426E-40dd-AFC4-6F175D3DCCD1}">
+              <a14:hiddenFill xmlns:a14="http://schemas.microsoft.com/office/drawing/2010/main" xmlns="">
+                <a:noFill/>
+              </a14:hiddenFill>
+            </a:ext>
+            <a:ext uri="{AF507438-7753-43e0-B8FC-AC1667EBCBE1}">
+              <a14:hiddenEffects xmlns:a14="http://schemas.microsoft.com/office/drawing/2010/main" xmlns="">
+                <a:effectLst>
+                  <a:outerShdw dist="35921" dir="2700000" algn="ctr" rotWithShape="0">
+                    <a:schemeClr val="bg2"/>
+                  </a:outerShdw>
+                </a:effectLst>
+              </a14:hiddenEffects>
+            </a:ext>
+          </a:extLst>
+        </p:spPr>
+        <p:txBody>
+          <a:bodyPr wrap="none" anchor="ctr"/>
+          <a:lstStyle/>
+          <a:p>
+            <a:endParaRPr lang="en-US"/>
+          </a:p>
+        </p:txBody>
+      </p:sp>
+      <p:sp>
+        <p:nvSpPr>
+          <p:cNvPr id="2056" name="Line 5"/>
+          <p:cNvSpPr>
+            <a:spLocks noChangeShapeType="1"/>
+          </p:cNvSpPr>
+          <p:nvPr/>
+        </p:nvSpPr>
+        <p:spPr bwMode="auto">
+          <a:xfrm>
+            <a:off x="992188" y="3962400"/>
+            <a:ext cx="5027612" cy="0"/>
+          </a:xfrm>
+          <a:prstGeom prst="line">
+            <a:avLst/>
+          </a:prstGeom>
+          <a:noFill/>
+          <a:ln w="50800">
+            <a:solidFill>
+              <a:schemeClr val="tx1"/>
+            </a:solidFill>
+            <a:round/>
+            <a:headEnd type="none" w="sm" len="sm"/>
+            <a:tailEnd type="none" w="sm" len="sm"/>
+          </a:ln>
+          <a:effectLst/>
+          <a:extLst>
+            <a:ext uri="{909E8E84-426E-40dd-AFC4-6F175D3DCCD1}">
+              <a14:hiddenFill xmlns:a14="http://schemas.microsoft.com/office/drawing/2010/main" xmlns="">
+                <a:noFill/>
+              </a14:hiddenFill>
+            </a:ext>
+            <a:ext uri="{AF507438-7753-43e0-B8FC-AC1667EBCBE1}">
+              <a14:hiddenEffects xmlns:a14="http://schemas.microsoft.com/office/drawing/2010/main" xmlns="">
+                <a:effectLst>
+                  <a:outerShdw dist="35921" dir="2700000" algn="ctr" rotWithShape="0">
+                    <a:schemeClr val="bg2"/>
+                  </a:outerShdw>
+                </a:effectLst>
+              </a14:hiddenEffects>
+            </a:ext>
+          </a:extLst>
+        </p:spPr>
+        <p:txBody>
+          <a:bodyPr wrap="none" anchor="ctr"/>
+          <a:lstStyle/>
+          <a:p>
+            <a:endParaRPr lang="en-US"/>
+          </a:p>
+        </p:txBody>
+      </p:sp>
+      <p:sp>
+        <p:nvSpPr>
+          <p:cNvPr id="2057" name="Line 6"/>
+          <p:cNvSpPr>
+            <a:spLocks noChangeShapeType="1"/>
+          </p:cNvSpPr>
+          <p:nvPr/>
+        </p:nvSpPr>
+        <p:spPr bwMode="auto">
+          <a:xfrm>
+            <a:off x="992188" y="4191000"/>
+            <a:ext cx="5027612" cy="0"/>
+          </a:xfrm>
+          <a:prstGeom prst="line">
+            <a:avLst/>
+          </a:prstGeom>
+          <a:noFill/>
+          <a:ln w="50800">
+            <a:solidFill>
+              <a:schemeClr val="tx1"/>
+            </a:solidFill>
+            <a:round/>
+            <a:headEnd type="none" w="sm" len="sm"/>
+            <a:tailEnd type="none" w="sm" len="sm"/>
+          </a:ln>
+          <a:effectLst/>
+          <a:extLst>
+            <a:ext uri="{909E8E84-426E-40dd-AFC4-6F175D3DCCD1}">
+              <a14:hiddenFill xmlns:a14="http://schemas.microsoft.com/office/drawing/2010/main" xmlns="">
+                <a:noFill/>
+              </a14:hiddenFill>
+            </a:ext>
+            <a:ext uri="{AF507438-7753-43e0-B8FC-AC1667EBCBE1}">
+              <a14:hiddenEffects xmlns:a14="http://schemas.microsoft.com/office/drawing/2010/main" xmlns="">
+                <a:effectLst>
+                  <a:outerShdw dist="35921" dir="2700000" algn="ctr" rotWithShape="0">
+                    <a:schemeClr val="bg2"/>
+                  </a:outerShdw>
+                </a:effectLst>
+              </a14:hiddenEffects>
+            </a:ext>
+          </a:extLst>
+        </p:spPr>
+        <p:txBody>
+          <a:bodyPr wrap="none" anchor="ctr"/>
+          <a:lstStyle/>
+          <a:p>
+            <a:endParaRPr lang="en-US"/>
+          </a:p>
+        </p:txBody>
+      </p:sp>
+    </p:spTree>
+    <p:extLst>
+      <p:ext uri="{BB962C8B-B14F-4D97-AF65-F5344CB8AC3E}">
+        <p14:creationId xmlns:p14="http://schemas.microsoft.com/office/powerpoint/2010/main" val="871062192"/>
+      </p:ext>
+    </p:extLst>
+  </p:cSld>
+  <p:clrMapOvr>
+    <a:masterClrMapping/>
+  </p:clrMapOvr>
+  <p:timing>
+    <p:tnLst>
+      <p:par>
+        <p:cTn id="1" dur="indefinite" restart="never" nodeType="tmRoot"/>
+      </p:par>
+    </p:tnLst>
+  </p:timing>
+</p:sld>
+</file>
+
+<file path=ppt/slides/slide4.xml><?xml version="1.0" encoding="utf-8"?>
 <p:sld xmlns:a="http://schemas.openxmlformats.org/drawingml/2006/main" xmlns:r="http://schemas.openxmlformats.org/officeDocument/2006/relationships" xmlns:p="http://schemas.openxmlformats.org/presentationml/2006/main">
   <p:cSld>
     <p:spTree>
@@ -14691,7 +18433,7 @@
             <a:fld id="{C2C33E99-571A-45E2-AF07-2E1CEC658784}" type="slidenum">
               <a:rPr lang="en-US" sz="1400" smtClean="0"/>
               <a:pPr/>
-              <a:t>250</a:t>
+              <a:t>252</a:t>
             </a:fld>
             <a:endParaRPr lang="en-US" sz="1400" smtClean="0"/>
           </a:p>
@@ -15263,7 +19005,7 @@
 </p:sld>
 </file>
 
-<file path=ppt/slides/slide3.xml><?xml version="1.0" encoding="utf-8"?>
+<file path=ppt/slides/slide5.xml><?xml version="1.0" encoding="utf-8"?>
 <p:sld xmlns:a="http://schemas.openxmlformats.org/drawingml/2006/main" xmlns:r="http://schemas.openxmlformats.org/officeDocument/2006/relationships" xmlns:p="http://schemas.openxmlformats.org/presentationml/2006/main">
   <p:cSld>
     <p:spTree>
@@ -15355,7 +19097,7 @@
               <a:pPr>
                 <a:defRPr/>
               </a:pPr>
-              <a:t>251</a:t>
+              <a:t>253</a:t>
             </a:fld>
             <a:endParaRPr lang="en-US"/>
           </a:p>
@@ -15820,7 +19562,7 @@
 </p:sld>
 </file>
 
-<file path=ppt/slides/slide4.xml><?xml version="1.0" encoding="utf-8"?>
+<file path=ppt/slides/slide6.xml><?xml version="1.0" encoding="utf-8"?>
 <p:sld xmlns:a="http://schemas.openxmlformats.org/drawingml/2006/main" xmlns:r="http://schemas.openxmlformats.org/officeDocument/2006/relationships" xmlns:p="http://schemas.openxmlformats.org/presentationml/2006/main">
   <p:cSld>
     <p:spTree>
@@ -16197,7 +19939,7 @@
             <a:fld id="{59F06FC5-75F9-444D-9DB2-AC156166A26A}" type="slidenum">
               <a:rPr lang="en-US" sz="1400" smtClean="0"/>
               <a:pPr/>
-              <a:t>252</a:t>
+              <a:t>254</a:t>
             </a:fld>
             <a:endParaRPr lang="en-US" sz="1400" smtClean="0"/>
           </a:p>
@@ -16762,7 +20504,7 @@
 </p:sld>
 </file>
 
-<file path=ppt/slides/slide5.xml><?xml version="1.0" encoding="utf-8"?>
+<file path=ppt/slides/slide7.xml><?xml version="1.0" encoding="utf-8"?>
 <p:sld xmlns:a="http://schemas.openxmlformats.org/drawingml/2006/main" xmlns:r="http://schemas.openxmlformats.org/officeDocument/2006/relationships" xmlns:p="http://schemas.openxmlformats.org/presentationml/2006/main">
   <p:cSld>
     <p:spTree>
@@ -17151,7 +20893,7 @@
             <a:fld id="{0B348083-7078-41DB-8C96-2B4719B0AEE2}" type="slidenum">
               <a:rPr lang="en-US" sz="1400" smtClean="0"/>
               <a:pPr/>
-              <a:t>253</a:t>
+              <a:t>255</a:t>
             </a:fld>
             <a:endParaRPr lang="en-US" sz="1400" smtClean="0"/>
           </a:p>
@@ -17929,7 +21671,7 @@
 </p:sld>
 </file>
 
-<file path=ppt/slides/slide6.xml><?xml version="1.0" encoding="utf-8"?>
+<file path=ppt/slides/slide8.xml><?xml version="1.0" encoding="utf-8"?>
 <p:sld xmlns:a="http://schemas.openxmlformats.org/drawingml/2006/main" xmlns:r="http://schemas.openxmlformats.org/officeDocument/2006/relationships" xmlns:p="http://schemas.openxmlformats.org/presentationml/2006/main">
   <p:cSld>
     <p:spTree>
@@ -18318,7 +22060,7 @@
             <a:fld id="{0B348083-7078-41DB-8C96-2B4719B0AEE2}" type="slidenum">
               <a:rPr lang="en-US" sz="1400" smtClean="0"/>
               <a:pPr/>
-              <a:t>254</a:t>
+              <a:t>256</a:t>
             </a:fld>
             <a:endParaRPr lang="en-US" sz="1400" smtClean="0"/>
           </a:p>
@@ -19125,7 +22867,7 @@
 </p:sld>
 </file>
 
-<file path=ppt/slides/slide7.xml><?xml version="1.0" encoding="utf-8"?>
+<file path=ppt/slides/slide9.xml><?xml version="1.0" encoding="utf-8"?>
 <p:sld xmlns:a="http://schemas.openxmlformats.org/drawingml/2006/main" xmlns:r="http://schemas.openxmlformats.org/officeDocument/2006/relationships" xmlns:p="http://schemas.openxmlformats.org/presentationml/2006/main">
   <p:cSld>
     <p:spTree>
@@ -19514,7 +23256,7 @@
             <a:fld id="{0B348083-7078-41DB-8C96-2B4719B0AEE2}" type="slidenum">
               <a:rPr lang="en-US" sz="1400" smtClean="0"/>
               <a:pPr/>
-              <a:t>255</a:t>
+              <a:t>257</a:t>
             </a:fld>
             <a:endParaRPr lang="en-US" sz="1400" smtClean="0"/>
           </a:p>
@@ -20329,2106 +24071,6 @@
     <p:extLst>
       <p:ext uri="{BB962C8B-B14F-4D97-AF65-F5344CB8AC3E}">
         <p14:creationId xmlns:p14="http://schemas.microsoft.com/office/powerpoint/2010/main" val="1091620021"/>
-      </p:ext>
-    </p:extLst>
-  </p:cSld>
-  <p:clrMapOvr>
-    <a:masterClrMapping/>
-  </p:clrMapOvr>
-  <p:timing>
-    <p:tnLst>
-      <p:par>
-        <p:cTn id="1" dur="indefinite" restart="never" nodeType="tmRoot"/>
-      </p:par>
-    </p:tnLst>
-  </p:timing>
-</p:sld>
-</file>
-
-<file path=ppt/slides/slide8.xml><?xml version="1.0" encoding="utf-8"?>
-<p:sld xmlns:a="http://schemas.openxmlformats.org/drawingml/2006/main" xmlns:r="http://schemas.openxmlformats.org/officeDocument/2006/relationships" xmlns:p="http://schemas.openxmlformats.org/presentationml/2006/main">
-  <p:cSld>
-    <p:spTree>
-      <p:nvGrpSpPr>
-        <p:cNvPr id="1" name=""/>
-        <p:cNvGrpSpPr/>
-        <p:nvPr/>
-      </p:nvGrpSpPr>
-      <p:grpSpPr>
-        <a:xfrm>
-          <a:off x="0" y="0"/>
-          <a:ext cx="0" cy="0"/>
-          <a:chOff x="0" y="0"/>
-          <a:chExt cx="0" cy="0"/>
-        </a:xfrm>
-      </p:grpSpPr>
-      <p:sp>
-        <p:nvSpPr>
-          <p:cNvPr id="7170" name="Date Placeholder 1"/>
-          <p:cNvSpPr>
-            <a:spLocks noGrp="1"/>
-          </p:cNvSpPr>
-          <p:nvPr>
-            <p:ph type="dt" sz="quarter" idx="10"/>
-          </p:nvPr>
-        </p:nvSpPr>
-        <p:spPr>
-          <a:noFill/>
-        </p:spPr>
-        <p:txBody>
-          <a:bodyPr/>
-          <a:lstStyle>
-            <a:lvl1pPr>
-              <a:defRPr sz="2400">
-                <a:solidFill>
-                  <a:schemeClr val="tx1"/>
-                </a:solidFill>
-                <a:latin typeface="Times New Roman" charset="0"/>
-              </a:defRPr>
-            </a:lvl1pPr>
-            <a:lvl2pPr marL="742950" indent="-285750">
-              <a:defRPr sz="2400">
-                <a:solidFill>
-                  <a:schemeClr val="tx1"/>
-                </a:solidFill>
-                <a:latin typeface="Times New Roman" charset="0"/>
-              </a:defRPr>
-            </a:lvl2pPr>
-            <a:lvl3pPr marL="1143000" indent="-228600">
-              <a:defRPr sz="2400">
-                <a:solidFill>
-                  <a:schemeClr val="tx1"/>
-                </a:solidFill>
-                <a:latin typeface="Times New Roman" charset="0"/>
-              </a:defRPr>
-            </a:lvl3pPr>
-            <a:lvl4pPr marL="1600200" indent="-228600">
-              <a:defRPr sz="2400">
-                <a:solidFill>
-                  <a:schemeClr val="tx1"/>
-                </a:solidFill>
-                <a:latin typeface="Times New Roman" charset="0"/>
-              </a:defRPr>
-            </a:lvl4pPr>
-            <a:lvl5pPr marL="2057400" indent="-228600">
-              <a:defRPr sz="2400">
-                <a:solidFill>
-                  <a:schemeClr val="tx1"/>
-                </a:solidFill>
-                <a:latin typeface="Times New Roman" charset="0"/>
-              </a:defRPr>
-            </a:lvl5pPr>
-            <a:lvl6pPr marL="2514600" indent="-228600" eaLnBrk="0" fontAlgn="base" hangingPunct="0">
-              <a:spcBef>
-                <a:spcPct val="0"/>
-              </a:spcBef>
-              <a:spcAft>
-                <a:spcPct val="0"/>
-              </a:spcAft>
-              <a:defRPr sz="2400">
-                <a:solidFill>
-                  <a:schemeClr val="tx1"/>
-                </a:solidFill>
-                <a:latin typeface="Times New Roman" charset="0"/>
-              </a:defRPr>
-            </a:lvl6pPr>
-            <a:lvl7pPr marL="2971800" indent="-228600" eaLnBrk="0" fontAlgn="base" hangingPunct="0">
-              <a:spcBef>
-                <a:spcPct val="0"/>
-              </a:spcBef>
-              <a:spcAft>
-                <a:spcPct val="0"/>
-              </a:spcAft>
-              <a:defRPr sz="2400">
-                <a:solidFill>
-                  <a:schemeClr val="tx1"/>
-                </a:solidFill>
-                <a:latin typeface="Times New Roman" charset="0"/>
-              </a:defRPr>
-            </a:lvl7pPr>
-            <a:lvl8pPr marL="3429000" indent="-228600" eaLnBrk="0" fontAlgn="base" hangingPunct="0">
-              <a:spcBef>
-                <a:spcPct val="0"/>
-              </a:spcBef>
-              <a:spcAft>
-                <a:spcPct val="0"/>
-              </a:spcAft>
-              <a:defRPr sz="2400">
-                <a:solidFill>
-                  <a:schemeClr val="tx1"/>
-                </a:solidFill>
-                <a:latin typeface="Times New Roman" charset="0"/>
-              </a:defRPr>
-            </a:lvl8pPr>
-            <a:lvl9pPr marL="3886200" indent="-228600" eaLnBrk="0" fontAlgn="base" hangingPunct="0">
-              <a:spcBef>
-                <a:spcPct val="0"/>
-              </a:spcBef>
-              <a:spcAft>
-                <a:spcPct val="0"/>
-              </a:spcAft>
-              <a:defRPr sz="2400">
-                <a:solidFill>
-                  <a:schemeClr val="tx1"/>
-                </a:solidFill>
-                <a:latin typeface="Times New Roman" charset="0"/>
-              </a:defRPr>
-            </a:lvl9pPr>
-          </a:lstStyle>
-          <a:p>
-            <a:r>
-              <a:rPr lang="en-US" sz="1400" smtClean="0"/>
-              <a:t>Summer 2017</a:t>
-            </a:r>
-            <a:endParaRPr lang="en-US" sz="1400"/>
-          </a:p>
-        </p:txBody>
-      </p:sp>
-      <p:sp>
-        <p:nvSpPr>
-          <p:cNvPr id="7171" name="Footer Placeholder 2"/>
-          <p:cNvSpPr>
-            <a:spLocks noGrp="1"/>
-          </p:cNvSpPr>
-          <p:nvPr>
-            <p:ph type="ftr" sz="quarter" idx="11"/>
-          </p:nvPr>
-        </p:nvSpPr>
-        <p:spPr>
-          <a:noFill/>
-        </p:spPr>
-        <p:txBody>
-          <a:bodyPr/>
-          <a:lstStyle>
-            <a:lvl1pPr>
-              <a:defRPr sz="2400">
-                <a:solidFill>
-                  <a:schemeClr val="tx1"/>
-                </a:solidFill>
-                <a:latin typeface="Times New Roman" charset="0"/>
-              </a:defRPr>
-            </a:lvl1pPr>
-            <a:lvl2pPr marL="742950" indent="-285750">
-              <a:defRPr sz="2400">
-                <a:solidFill>
-                  <a:schemeClr val="tx1"/>
-                </a:solidFill>
-                <a:latin typeface="Times New Roman" charset="0"/>
-              </a:defRPr>
-            </a:lvl2pPr>
-            <a:lvl3pPr marL="1143000" indent="-228600">
-              <a:defRPr sz="2400">
-                <a:solidFill>
-                  <a:schemeClr val="tx1"/>
-                </a:solidFill>
-                <a:latin typeface="Times New Roman" charset="0"/>
-              </a:defRPr>
-            </a:lvl3pPr>
-            <a:lvl4pPr marL="1600200" indent="-228600">
-              <a:defRPr sz="2400">
-                <a:solidFill>
-                  <a:schemeClr val="tx1"/>
-                </a:solidFill>
-                <a:latin typeface="Times New Roman" charset="0"/>
-              </a:defRPr>
-            </a:lvl4pPr>
-            <a:lvl5pPr marL="2057400" indent="-228600">
-              <a:defRPr sz="2400">
-                <a:solidFill>
-                  <a:schemeClr val="tx1"/>
-                </a:solidFill>
-                <a:latin typeface="Times New Roman" charset="0"/>
-              </a:defRPr>
-            </a:lvl5pPr>
-            <a:lvl6pPr marL="2514600" indent="-228600" eaLnBrk="0" fontAlgn="base" hangingPunct="0">
-              <a:spcBef>
-                <a:spcPct val="0"/>
-              </a:spcBef>
-              <a:spcAft>
-                <a:spcPct val="0"/>
-              </a:spcAft>
-              <a:defRPr sz="2400">
-                <a:solidFill>
-                  <a:schemeClr val="tx1"/>
-                </a:solidFill>
-                <a:latin typeface="Times New Roman" charset="0"/>
-              </a:defRPr>
-            </a:lvl6pPr>
-            <a:lvl7pPr marL="2971800" indent="-228600" eaLnBrk="0" fontAlgn="base" hangingPunct="0">
-              <a:spcBef>
-                <a:spcPct val="0"/>
-              </a:spcBef>
-              <a:spcAft>
-                <a:spcPct val="0"/>
-              </a:spcAft>
-              <a:defRPr sz="2400">
-                <a:solidFill>
-                  <a:schemeClr val="tx1"/>
-                </a:solidFill>
-                <a:latin typeface="Times New Roman" charset="0"/>
-              </a:defRPr>
-            </a:lvl7pPr>
-            <a:lvl8pPr marL="3429000" indent="-228600" eaLnBrk="0" fontAlgn="base" hangingPunct="0">
-              <a:spcBef>
-                <a:spcPct val="0"/>
-              </a:spcBef>
-              <a:spcAft>
-                <a:spcPct val="0"/>
-              </a:spcAft>
-              <a:defRPr sz="2400">
-                <a:solidFill>
-                  <a:schemeClr val="tx1"/>
-                </a:solidFill>
-                <a:latin typeface="Times New Roman" charset="0"/>
-              </a:defRPr>
-            </a:lvl8pPr>
-            <a:lvl9pPr marL="3886200" indent="-228600" eaLnBrk="0" fontAlgn="base" hangingPunct="0">
-              <a:spcBef>
-                <a:spcPct val="0"/>
-              </a:spcBef>
-              <a:spcAft>
-                <a:spcPct val="0"/>
-              </a:spcAft>
-              <a:defRPr sz="2400">
-                <a:solidFill>
-                  <a:schemeClr val="tx1"/>
-                </a:solidFill>
-                <a:latin typeface="Times New Roman" charset="0"/>
-              </a:defRPr>
-            </a:lvl9pPr>
-          </a:lstStyle>
-          <a:p>
-            <a:r>
-              <a:rPr lang="en-US" sz="1400" smtClean="0"/>
-              <a:t>Summer Institutes</a:t>
-            </a:r>
-          </a:p>
-        </p:txBody>
-      </p:sp>
-      <p:sp>
-        <p:nvSpPr>
-          <p:cNvPr id="7172" name="Slide Number Placeholder 3"/>
-          <p:cNvSpPr>
-            <a:spLocks noGrp="1"/>
-          </p:cNvSpPr>
-          <p:nvPr>
-            <p:ph type="sldNum" sz="quarter" idx="12"/>
-          </p:nvPr>
-        </p:nvSpPr>
-        <p:spPr>
-          <a:noFill/>
-        </p:spPr>
-        <p:txBody>
-          <a:bodyPr/>
-          <a:lstStyle>
-            <a:lvl1pPr>
-              <a:defRPr sz="2400">
-                <a:solidFill>
-                  <a:schemeClr val="tx1"/>
-                </a:solidFill>
-                <a:latin typeface="Times New Roman" charset="0"/>
-              </a:defRPr>
-            </a:lvl1pPr>
-            <a:lvl2pPr marL="742950" indent="-285750">
-              <a:defRPr sz="2400">
-                <a:solidFill>
-                  <a:schemeClr val="tx1"/>
-                </a:solidFill>
-                <a:latin typeface="Times New Roman" charset="0"/>
-              </a:defRPr>
-            </a:lvl2pPr>
-            <a:lvl3pPr marL="1143000" indent="-228600">
-              <a:defRPr sz="2400">
-                <a:solidFill>
-                  <a:schemeClr val="tx1"/>
-                </a:solidFill>
-                <a:latin typeface="Times New Roman" charset="0"/>
-              </a:defRPr>
-            </a:lvl3pPr>
-            <a:lvl4pPr marL="1600200" indent="-228600">
-              <a:defRPr sz="2400">
-                <a:solidFill>
-                  <a:schemeClr val="tx1"/>
-                </a:solidFill>
-                <a:latin typeface="Times New Roman" charset="0"/>
-              </a:defRPr>
-            </a:lvl4pPr>
-            <a:lvl5pPr marL="2057400" indent="-228600">
-              <a:defRPr sz="2400">
-                <a:solidFill>
-                  <a:schemeClr val="tx1"/>
-                </a:solidFill>
-                <a:latin typeface="Times New Roman" charset="0"/>
-              </a:defRPr>
-            </a:lvl5pPr>
-            <a:lvl6pPr marL="2514600" indent="-228600" eaLnBrk="0" fontAlgn="base" hangingPunct="0">
-              <a:spcBef>
-                <a:spcPct val="0"/>
-              </a:spcBef>
-              <a:spcAft>
-                <a:spcPct val="0"/>
-              </a:spcAft>
-              <a:defRPr sz="2400">
-                <a:solidFill>
-                  <a:schemeClr val="tx1"/>
-                </a:solidFill>
-                <a:latin typeface="Times New Roman" charset="0"/>
-              </a:defRPr>
-            </a:lvl6pPr>
-            <a:lvl7pPr marL="2971800" indent="-228600" eaLnBrk="0" fontAlgn="base" hangingPunct="0">
-              <a:spcBef>
-                <a:spcPct val="0"/>
-              </a:spcBef>
-              <a:spcAft>
-                <a:spcPct val="0"/>
-              </a:spcAft>
-              <a:defRPr sz="2400">
-                <a:solidFill>
-                  <a:schemeClr val="tx1"/>
-                </a:solidFill>
-                <a:latin typeface="Times New Roman" charset="0"/>
-              </a:defRPr>
-            </a:lvl7pPr>
-            <a:lvl8pPr marL="3429000" indent="-228600" eaLnBrk="0" fontAlgn="base" hangingPunct="0">
-              <a:spcBef>
-                <a:spcPct val="0"/>
-              </a:spcBef>
-              <a:spcAft>
-                <a:spcPct val="0"/>
-              </a:spcAft>
-              <a:defRPr sz="2400">
-                <a:solidFill>
-                  <a:schemeClr val="tx1"/>
-                </a:solidFill>
-                <a:latin typeface="Times New Roman" charset="0"/>
-              </a:defRPr>
-            </a:lvl8pPr>
-            <a:lvl9pPr marL="3886200" indent="-228600" eaLnBrk="0" fontAlgn="base" hangingPunct="0">
-              <a:spcBef>
-                <a:spcPct val="0"/>
-              </a:spcBef>
-              <a:spcAft>
-                <a:spcPct val="0"/>
-              </a:spcAft>
-              <a:defRPr sz="2400">
-                <a:solidFill>
-                  <a:schemeClr val="tx1"/>
-                </a:solidFill>
-                <a:latin typeface="Times New Roman" charset="0"/>
-              </a:defRPr>
-            </a:lvl9pPr>
-          </a:lstStyle>
-          <a:p>
-            <a:fld id="{60529DA9-B989-4215-9467-4EA9EE2743CD}" type="slidenum">
-              <a:rPr lang="en-US" sz="1400" smtClean="0"/>
-              <a:pPr/>
-              <a:t>256</a:t>
-            </a:fld>
-            <a:endParaRPr lang="en-US" sz="1400" smtClean="0"/>
-          </a:p>
-        </p:txBody>
-      </p:sp>
-      <p:sp>
-        <p:nvSpPr>
-          <p:cNvPr id="7173" name="Text Box 2"/>
-          <p:cNvSpPr txBox="1">
-            <a:spLocks noChangeArrowheads="1"/>
-          </p:cNvSpPr>
-          <p:nvPr/>
-        </p:nvSpPr>
-        <p:spPr bwMode="auto">
-          <a:xfrm>
-            <a:off x="1371600" y="746125"/>
-            <a:ext cx="3810000" cy="396875"/>
-          </a:xfrm>
-          <a:prstGeom prst="rect">
-            <a:avLst/>
-          </a:prstGeom>
-          <a:noFill/>
-          <a:ln>
-            <a:noFill/>
-          </a:ln>
-          <a:effectLst/>
-          <a:extLst>
-            <a:ext uri="{909E8E84-426E-40dd-AFC4-6F175D3DCCD1}">
-              <a14:hiddenFill xmlns:a14="http://schemas.microsoft.com/office/drawing/2010/main" xmlns="">
-                <a:solidFill>
-                  <a:schemeClr val="accent1"/>
-                </a:solidFill>
-              </a14:hiddenFill>
-            </a:ext>
-            <a:ext uri="{91240B29-F687-4f45-9708-019B960494DF}">
-              <a14:hiddenLine xmlns:a14="http://schemas.microsoft.com/office/drawing/2010/main" xmlns="" w="9525">
-                <a:solidFill>
-                  <a:schemeClr val="tx1"/>
-                </a:solidFill>
-                <a:miter lim="800000"/>
-                <a:headEnd/>
-                <a:tailEnd/>
-              </a14:hiddenLine>
-            </a:ext>
-            <a:ext uri="{AF507438-7753-43e0-B8FC-AC1667EBCBE1}">
-              <a14:hiddenEffects xmlns:a14="http://schemas.microsoft.com/office/drawing/2010/main" xmlns="">
-                <a:effectLst>
-                  <a:outerShdw dist="35921" dir="2700000" algn="ctr" rotWithShape="0">
-                    <a:schemeClr val="bg2"/>
-                  </a:outerShdw>
-                </a:effectLst>
-              </a14:hiddenEffects>
-            </a:ext>
-          </a:extLst>
-        </p:spPr>
-        <p:txBody>
-          <a:bodyPr>
-            <a:spAutoFit/>
-          </a:bodyPr>
-          <a:lstStyle>
-            <a:lvl1pPr>
-              <a:defRPr sz="2400">
-                <a:solidFill>
-                  <a:schemeClr val="tx1"/>
-                </a:solidFill>
-                <a:latin typeface="Times New Roman" charset="0"/>
-              </a:defRPr>
-            </a:lvl1pPr>
-            <a:lvl2pPr marL="742950" indent="-285750">
-              <a:defRPr sz="2400">
-                <a:solidFill>
-                  <a:schemeClr val="tx1"/>
-                </a:solidFill>
-                <a:latin typeface="Times New Roman" charset="0"/>
-              </a:defRPr>
-            </a:lvl2pPr>
-            <a:lvl3pPr marL="1143000" indent="-228600">
-              <a:defRPr sz="2400">
-                <a:solidFill>
-                  <a:schemeClr val="tx1"/>
-                </a:solidFill>
-                <a:latin typeface="Times New Roman" charset="0"/>
-              </a:defRPr>
-            </a:lvl3pPr>
-            <a:lvl4pPr marL="1600200" indent="-228600">
-              <a:defRPr sz="2400">
-                <a:solidFill>
-                  <a:schemeClr val="tx1"/>
-                </a:solidFill>
-                <a:latin typeface="Times New Roman" charset="0"/>
-              </a:defRPr>
-            </a:lvl4pPr>
-            <a:lvl5pPr marL="2057400" indent="-228600">
-              <a:defRPr sz="2400">
-                <a:solidFill>
-                  <a:schemeClr val="tx1"/>
-                </a:solidFill>
-                <a:latin typeface="Times New Roman" charset="0"/>
-              </a:defRPr>
-            </a:lvl5pPr>
-            <a:lvl6pPr marL="2514600" indent="-228600" eaLnBrk="0" fontAlgn="base" hangingPunct="0">
-              <a:spcBef>
-                <a:spcPct val="0"/>
-              </a:spcBef>
-              <a:spcAft>
-                <a:spcPct val="0"/>
-              </a:spcAft>
-              <a:defRPr sz="2400">
-                <a:solidFill>
-                  <a:schemeClr val="tx1"/>
-                </a:solidFill>
-                <a:latin typeface="Times New Roman" charset="0"/>
-              </a:defRPr>
-            </a:lvl6pPr>
-            <a:lvl7pPr marL="2971800" indent="-228600" eaLnBrk="0" fontAlgn="base" hangingPunct="0">
-              <a:spcBef>
-                <a:spcPct val="0"/>
-              </a:spcBef>
-              <a:spcAft>
-                <a:spcPct val="0"/>
-              </a:spcAft>
-              <a:defRPr sz="2400">
-                <a:solidFill>
-                  <a:schemeClr val="tx1"/>
-                </a:solidFill>
-                <a:latin typeface="Times New Roman" charset="0"/>
-              </a:defRPr>
-            </a:lvl7pPr>
-            <a:lvl8pPr marL="3429000" indent="-228600" eaLnBrk="0" fontAlgn="base" hangingPunct="0">
-              <a:spcBef>
-                <a:spcPct val="0"/>
-              </a:spcBef>
-              <a:spcAft>
-                <a:spcPct val="0"/>
-              </a:spcAft>
-              <a:defRPr sz="2400">
-                <a:solidFill>
-                  <a:schemeClr val="tx1"/>
-                </a:solidFill>
-                <a:latin typeface="Times New Roman" charset="0"/>
-              </a:defRPr>
-            </a:lvl8pPr>
-            <a:lvl9pPr marL="3886200" indent="-228600" eaLnBrk="0" fontAlgn="base" hangingPunct="0">
-              <a:spcBef>
-                <a:spcPct val="0"/>
-              </a:spcBef>
-              <a:spcAft>
-                <a:spcPct val="0"/>
-              </a:spcAft>
-              <a:defRPr sz="2400">
-                <a:solidFill>
-                  <a:schemeClr val="tx1"/>
-                </a:solidFill>
-                <a:latin typeface="Times New Roman" charset="0"/>
-              </a:defRPr>
-            </a:lvl9pPr>
-          </a:lstStyle>
-          <a:p>
-            <a:pPr algn="ctr">
-              <a:spcBef>
-                <a:spcPct val="50000"/>
-              </a:spcBef>
-            </a:pPr>
-            <a:r>
-              <a:rPr lang="en-US" sz="2000" b="1"/>
-              <a:t>Bootstrap Algorithm</a:t>
-            </a:r>
-          </a:p>
-        </p:txBody>
-      </p:sp>
-      <p:sp>
-        <p:nvSpPr>
-          <p:cNvPr id="7174" name="Line 3"/>
-          <p:cNvSpPr>
-            <a:spLocks noChangeShapeType="1"/>
-          </p:cNvSpPr>
-          <p:nvPr/>
-        </p:nvSpPr>
-        <p:spPr bwMode="auto">
-          <a:xfrm>
-            <a:off x="1219200" y="1295400"/>
-            <a:ext cx="4114800" cy="0"/>
-          </a:xfrm>
-          <a:prstGeom prst="line">
-            <a:avLst/>
-          </a:prstGeom>
-          <a:noFill/>
-          <a:ln w="38100">
-            <a:solidFill>
-              <a:schemeClr val="tx1"/>
-            </a:solidFill>
-            <a:round/>
-            <a:headEnd/>
-            <a:tailEnd/>
-          </a:ln>
-          <a:effectLst/>
-          <a:extLst>
-            <a:ext uri="{909E8E84-426E-40dd-AFC4-6F175D3DCCD1}">
-              <a14:hiddenFill xmlns:a14="http://schemas.microsoft.com/office/drawing/2010/main" xmlns="">
-                <a:noFill/>
-              </a14:hiddenFill>
-            </a:ext>
-            <a:ext uri="{AF507438-7753-43e0-B8FC-AC1667EBCBE1}">
-              <a14:hiddenEffects xmlns:a14="http://schemas.microsoft.com/office/drawing/2010/main" xmlns="">
-                <a:effectLst>
-                  <a:outerShdw dist="35921" dir="2700000" algn="ctr" rotWithShape="0">
-                    <a:schemeClr val="bg2"/>
-                  </a:outerShdw>
-                </a:effectLst>
-              </a14:hiddenEffects>
-            </a:ext>
-          </a:extLst>
-        </p:spPr>
-        <p:txBody>
-          <a:bodyPr wrap="none" anchor="ctr"/>
-          <a:lstStyle/>
-          <a:p>
-            <a:endParaRPr lang="en-US"/>
-          </a:p>
-        </p:txBody>
-      </p:sp>
-      <mc:AlternateContent xmlns:mc="http://schemas.openxmlformats.org/markup-compatibility/2006" xmlns:a14="http://schemas.microsoft.com/office/drawing/2010/main">
-        <mc:Choice Requires="a14">
-          <p:sp>
-            <p:nvSpPr>
-              <p:cNvPr id="7175" name="Text Box 4"/>
-              <p:cNvSpPr txBox="1">
-                <a:spLocks noChangeArrowheads="1"/>
-              </p:cNvSpPr>
-              <p:nvPr/>
-            </p:nvSpPr>
-            <p:spPr bwMode="auto">
-              <a:xfrm>
-                <a:off x="533400" y="1828800"/>
-                <a:ext cx="5715000" cy="3805272"/>
-              </a:xfrm>
-              <a:prstGeom prst="rect">
-                <a:avLst/>
-              </a:prstGeom>
-              <a:noFill/>
-              <a:ln>
-                <a:noFill/>
-              </a:ln>
-              <a:effectLst/>
-              <a:extLst>
-                <a:ext uri="{909E8E84-426E-40dd-AFC4-6F175D3DCCD1}">
-                  <a14:hiddenFill xmlns="">
-                    <a:solidFill>
-                      <a:schemeClr val="accent1"/>
-                    </a:solidFill>
-                  </a14:hiddenFill>
-                </a:ext>
-                <a:ext uri="{91240B29-F687-4f45-9708-019B960494DF}">
-                  <a14:hiddenLine xmlns="" w="9525">
-                    <a:solidFill>
-                      <a:schemeClr val="tx1"/>
-                    </a:solidFill>
-                    <a:miter lim="800000"/>
-                    <a:headEnd/>
-                    <a:tailEnd/>
-                  </a14:hiddenLine>
-                </a:ext>
-                <a:ext uri="{AF507438-7753-43e0-B8FC-AC1667EBCBE1}">
-                  <a14:hiddenEffects xmlns="">
-                    <a:effectLst>
-                      <a:outerShdw dist="35921" dir="2700000" algn="ctr" rotWithShape="0">
-                        <a:schemeClr val="bg2"/>
-                      </a:outerShdw>
-                    </a:effectLst>
-                  </a14:hiddenEffects>
-                </a:ext>
-              </a:extLst>
-            </p:spPr>
-            <p:txBody>
-              <a:bodyPr>
-                <a:spAutoFit/>
-              </a:bodyPr>
-              <a:lstStyle>
-                <a:lvl1pPr>
-                  <a:tabLst>
-                    <a:tab pos="228600" algn="l"/>
-                  </a:tabLst>
-                  <a:defRPr sz="2400">
-                    <a:solidFill>
-                      <a:schemeClr val="tx1"/>
-                    </a:solidFill>
-                    <a:latin typeface="Times New Roman" charset="0"/>
-                  </a:defRPr>
-                </a:lvl1pPr>
-                <a:lvl2pPr marL="742950" indent="-285750">
-                  <a:tabLst>
-                    <a:tab pos="228600" algn="l"/>
-                  </a:tabLst>
-                  <a:defRPr sz="2400">
-                    <a:solidFill>
-                      <a:schemeClr val="tx1"/>
-                    </a:solidFill>
-                    <a:latin typeface="Times New Roman" charset="0"/>
-                  </a:defRPr>
-                </a:lvl2pPr>
-                <a:lvl3pPr marL="1143000" indent="-228600">
-                  <a:tabLst>
-                    <a:tab pos="228600" algn="l"/>
-                  </a:tabLst>
-                  <a:defRPr sz="2400">
-                    <a:solidFill>
-                      <a:schemeClr val="tx1"/>
-                    </a:solidFill>
-                    <a:latin typeface="Times New Roman" charset="0"/>
-                  </a:defRPr>
-                </a:lvl3pPr>
-                <a:lvl4pPr marL="1600200" indent="-228600">
-                  <a:tabLst>
-                    <a:tab pos="228600" algn="l"/>
-                  </a:tabLst>
-                  <a:defRPr sz="2400">
-                    <a:solidFill>
-                      <a:schemeClr val="tx1"/>
-                    </a:solidFill>
-                    <a:latin typeface="Times New Roman" charset="0"/>
-                  </a:defRPr>
-                </a:lvl4pPr>
-                <a:lvl5pPr marL="2057400" indent="-228600">
-                  <a:tabLst>
-                    <a:tab pos="228600" algn="l"/>
-                  </a:tabLst>
-                  <a:defRPr sz="2400">
-                    <a:solidFill>
-                      <a:schemeClr val="tx1"/>
-                    </a:solidFill>
-                    <a:latin typeface="Times New Roman" charset="0"/>
-                  </a:defRPr>
-                </a:lvl5pPr>
-                <a:lvl6pPr marL="2514600" indent="-228600" eaLnBrk="0" fontAlgn="base" hangingPunct="0">
-                  <a:spcBef>
-                    <a:spcPct val="0"/>
-                  </a:spcBef>
-                  <a:spcAft>
-                    <a:spcPct val="0"/>
-                  </a:spcAft>
-                  <a:tabLst>
-                    <a:tab pos="228600" algn="l"/>
-                  </a:tabLst>
-                  <a:defRPr sz="2400">
-                    <a:solidFill>
-                      <a:schemeClr val="tx1"/>
-                    </a:solidFill>
-                    <a:latin typeface="Times New Roman" charset="0"/>
-                  </a:defRPr>
-                </a:lvl6pPr>
-                <a:lvl7pPr marL="2971800" indent="-228600" eaLnBrk="0" fontAlgn="base" hangingPunct="0">
-                  <a:spcBef>
-                    <a:spcPct val="0"/>
-                  </a:spcBef>
-                  <a:spcAft>
-                    <a:spcPct val="0"/>
-                  </a:spcAft>
-                  <a:tabLst>
-                    <a:tab pos="228600" algn="l"/>
-                  </a:tabLst>
-                  <a:defRPr sz="2400">
-                    <a:solidFill>
-                      <a:schemeClr val="tx1"/>
-                    </a:solidFill>
-                    <a:latin typeface="Times New Roman" charset="0"/>
-                  </a:defRPr>
-                </a:lvl7pPr>
-                <a:lvl8pPr marL="3429000" indent="-228600" eaLnBrk="0" fontAlgn="base" hangingPunct="0">
-                  <a:spcBef>
-                    <a:spcPct val="0"/>
-                  </a:spcBef>
-                  <a:spcAft>
-                    <a:spcPct val="0"/>
-                  </a:spcAft>
-                  <a:tabLst>
-                    <a:tab pos="228600" algn="l"/>
-                  </a:tabLst>
-                  <a:defRPr sz="2400">
-                    <a:solidFill>
-                      <a:schemeClr val="tx1"/>
-                    </a:solidFill>
-                    <a:latin typeface="Times New Roman" charset="0"/>
-                  </a:defRPr>
-                </a:lvl8pPr>
-                <a:lvl9pPr marL="3886200" indent="-228600" eaLnBrk="0" fontAlgn="base" hangingPunct="0">
-                  <a:spcBef>
-                    <a:spcPct val="0"/>
-                  </a:spcBef>
-                  <a:spcAft>
-                    <a:spcPct val="0"/>
-                  </a:spcAft>
-                  <a:tabLst>
-                    <a:tab pos="228600" algn="l"/>
-                  </a:tabLst>
-                  <a:defRPr sz="2400">
-                    <a:solidFill>
-                      <a:schemeClr val="tx1"/>
-                    </a:solidFill>
-                    <a:latin typeface="Times New Roman" charset="0"/>
-                  </a:defRPr>
-                </a:lvl9pPr>
-              </a:lstStyle>
-              <a:p>
-                <a:pPr>
-                  <a:spcBef>
-                    <a:spcPct val="50000"/>
-                  </a:spcBef>
-                  <a:buFontTx/>
-                  <a:buChar char="•"/>
-                </a:pPr>
-                <a:r>
-                  <a:rPr kumimoji="1" lang="en-US" sz="2000" dirty="0" smtClean="0"/>
-                  <a:t> (Assume </a:t>
-                </a:r>
-                <a:r>
-                  <a:rPr kumimoji="1" lang="en-US" sz="2000" dirty="0"/>
-                  <a:t>the sample accurately reflects the population from which it is </a:t>
-                </a:r>
-                <a:r>
-                  <a:rPr kumimoji="1" lang="en-US" sz="2000" dirty="0" smtClean="0"/>
-                  <a:t>drawn)</a:t>
-                </a:r>
-                <a:endParaRPr kumimoji="1" lang="en-US" sz="2000" dirty="0"/>
-              </a:p>
-              <a:p>
-                <a:pPr>
-                  <a:spcBef>
-                    <a:spcPct val="50000"/>
-                  </a:spcBef>
-                  <a:buFontTx/>
-                  <a:buChar char="•"/>
-                </a:pPr>
-                <a:r>
-                  <a:rPr kumimoji="1" lang="en-US" sz="2000" dirty="0"/>
-                  <a:t> Generate a large number of “bootstrap” samples by resampling (with replacement) from </a:t>
-                </a:r>
-                <a:r>
-                  <a:rPr kumimoji="1" lang="en-US" sz="2000" dirty="0" smtClean="0"/>
-                  <a:t>your dataset</a:t>
-                </a:r>
-                <a:endParaRPr kumimoji="1" lang="en-US" sz="2000" dirty="0"/>
-              </a:p>
-              <a:p>
-                <a:pPr>
-                  <a:spcBef>
-                    <a:spcPct val="50000"/>
-                  </a:spcBef>
-                  <a:buFontTx/>
-                  <a:buChar char="•"/>
-                </a:pPr>
-                <a:r>
-                  <a:rPr kumimoji="1" lang="en-US" sz="2000" dirty="0"/>
-                  <a:t> Resample with the same structure </a:t>
-                </a:r>
-                <a:r>
-                  <a:rPr kumimoji="1" lang="en-US" sz="2000" dirty="0" smtClean="0"/>
-                  <a:t>as </a:t>
-                </a:r>
-                <a:r>
-                  <a:rPr kumimoji="1" lang="en-US" sz="2000" dirty="0"/>
-                  <a:t>used in the original sample</a:t>
-                </a:r>
-              </a:p>
-              <a:p>
-                <a:pPr>
-                  <a:spcBef>
-                    <a:spcPct val="50000"/>
-                  </a:spcBef>
-                  <a:buFontTx/>
-                  <a:buChar char="•"/>
-                </a:pPr>
-                <a:r>
-                  <a:rPr kumimoji="1" lang="en-US" sz="2000" dirty="0"/>
-                  <a:t> Compute your </a:t>
-                </a:r>
-                <a:r>
-                  <a:rPr kumimoji="1" lang="en-US" sz="2000" dirty="0" smtClean="0"/>
-                  <a:t>estimator</a:t>
-                </a:r>
-                <a:r>
-                  <a:rPr lang="is-IS" sz="2000" dirty="0" smtClean="0">
-                    <a:sym typeface="Symbol" pitchFamily="18" charset="2"/>
-                  </a:rPr>
-                  <a:t> </a:t>
-                </a:r>
-                <a14:m>
-                  <m:oMath xmlns:m="http://schemas.openxmlformats.org/officeDocument/2006/math">
-                    <m:acc>
-                      <m:accPr>
-                        <m:chr m:val="̂"/>
-                        <m:ctrlPr>
-                          <a:rPr lang="is-IS" sz="2000" i="1">
-                            <a:latin typeface="Cambria Math" charset="0"/>
-                            <a:sym typeface="Symbol" pitchFamily="18" charset="2"/>
-                          </a:rPr>
-                        </m:ctrlPr>
-                      </m:accPr>
-                      <m:e>
-                        <m:r>
-                          <a:rPr lang="is-IS" sz="2000" i="1">
-                            <a:latin typeface="Cambria Math" charset="0"/>
-                            <a:ea typeface="Cambria Math" charset="0"/>
-                            <a:cs typeface="Cambria Math" charset="0"/>
-                            <a:sym typeface="Symbol" pitchFamily="18" charset="2"/>
-                          </a:rPr>
-                          <m:t>𝜃</m:t>
-                        </m:r>
-                      </m:e>
-                    </m:acc>
-                    <m:r>
-                      <a:rPr lang="en-US" sz="2000" b="0" i="0" smtClean="0">
-                        <a:latin typeface="Cambria Math" charset="0"/>
-                        <a:ea typeface="Cambria Math" charset="0"/>
-                        <a:cs typeface="Cambria Math" charset="0"/>
-                        <a:sym typeface="Symbol" pitchFamily="18" charset="2"/>
-                      </a:rPr>
-                      <m:t> </m:t>
-                    </m:r>
-                  </m:oMath>
-                </a14:m>
-                <a:r>
-                  <a:rPr kumimoji="1" lang="en-US" sz="2000" dirty="0" smtClean="0"/>
-                  <a:t>for </a:t>
-                </a:r>
-                <a:r>
-                  <a:rPr kumimoji="1" lang="en-US" sz="2000" dirty="0"/>
-                  <a:t>each of the bootstrap samples</a:t>
-                </a:r>
-              </a:p>
-              <a:p>
-                <a:pPr>
-                  <a:spcBef>
-                    <a:spcPct val="50000"/>
-                  </a:spcBef>
-                  <a:buFontTx/>
-                  <a:buChar char="•"/>
-                </a:pPr>
-                <a:r>
-                  <a:rPr kumimoji="1" lang="en-US" sz="2000" dirty="0"/>
-                  <a:t> Compute the </a:t>
-                </a:r>
-                <a:r>
-                  <a:rPr kumimoji="1" lang="en-US" sz="2000" dirty="0" smtClean="0"/>
-                  <a:t>standard deviation of the bootstrapped estimates</a:t>
-                </a:r>
-                <a:endParaRPr lang="en-US" sz="2000" dirty="0"/>
-              </a:p>
-            </p:txBody>
-          </p:sp>
-        </mc:Choice>
-        <mc:Fallback xmlns="">
-          <p:sp>
-            <p:nvSpPr>
-              <p:cNvPr id="7175" name="Text Box 4"/>
-              <p:cNvSpPr txBox="1">
-                <a:spLocks noRot="1" noChangeAspect="1" noMove="1" noResize="1" noEditPoints="1" noAdjustHandles="1" noChangeArrowheads="1" noChangeShapeType="1" noTextEdit="1"/>
-              </p:cNvSpPr>
-              <p:nvPr/>
-            </p:nvSpPr>
-            <p:spPr bwMode="auto">
-              <a:xfrm>
-                <a:off x="533400" y="1828800"/>
-                <a:ext cx="5715000" cy="3805272"/>
-              </a:xfrm>
-              <a:prstGeom prst="rect">
-                <a:avLst/>
-              </a:prstGeom>
-              <a:blipFill rotWithShape="0">
-                <a:blip r:embed="rId2"/>
-                <a:stretch>
-                  <a:fillRect l="-1174" t="-801" r="-107" b="-1923"/>
-                </a:stretch>
-              </a:blipFill>
-              <a:ln>
-                <a:noFill/>
-              </a:ln>
-              <a:effectLst/>
-              <a:extLst>
-                <a:ext uri="{909E8E84-426E-40dd-AFC4-6F175D3DCCD1}">
-                  <a14:hiddenFill xmlns:a14="http://schemas.microsoft.com/office/drawing/2010/main" xmlns="">
-                    <a:solidFill>
-                      <a:schemeClr val="accent1"/>
-                    </a:solidFill>
-                  </a14:hiddenFill>
-                </a:ext>
-                <a:ext uri="{91240B29-F687-4f45-9708-019B960494DF}">
-                  <a14:hiddenLine xmlns:a14="http://schemas.microsoft.com/office/drawing/2010/main" xmlns="" w="9525">
-                    <a:solidFill>
-                      <a:schemeClr val="tx1"/>
-                    </a:solidFill>
-                    <a:miter lim="800000"/>
-                    <a:headEnd/>
-                    <a:tailEnd/>
-                  </a14:hiddenLine>
-                </a:ext>
-                <a:ext uri="{AF507438-7753-43e0-B8FC-AC1667EBCBE1}">
-                  <a14:hiddenEffects xmlns:a14="http://schemas.microsoft.com/office/drawing/2010/main" xmlns="">
-                    <a:effectLst>
-                      <a:outerShdw dist="35921" dir="2700000" algn="ctr" rotWithShape="0">
-                        <a:schemeClr val="bg2"/>
-                      </a:outerShdw>
-                    </a:effectLst>
-                  </a14:hiddenEffects>
-                </a:ext>
-              </a:extLst>
-            </p:spPr>
-            <p:txBody>
-              <a:bodyPr/>
-              <a:lstStyle/>
-              <a:p>
-                <a:r>
-                  <a:rPr lang="en-US">
-                    <a:noFill/>
-                  </a:rPr>
-                  <a:t> </a:t>
-                </a:r>
-              </a:p>
-            </p:txBody>
-          </p:sp>
-        </mc:Fallback>
-      </mc:AlternateContent>
-      <p:sp>
-        <p:nvSpPr>
-          <p:cNvPr id="7176" name="Rectangle 5"/>
-          <p:cNvSpPr>
-            <a:spLocks noChangeArrowheads="1"/>
-          </p:cNvSpPr>
-          <p:nvPr/>
-        </p:nvSpPr>
-        <p:spPr bwMode="auto">
-          <a:xfrm>
-            <a:off x="0" y="0"/>
-            <a:ext cx="6858000" cy="0"/>
-          </a:xfrm>
-          <a:prstGeom prst="rect">
-            <a:avLst/>
-          </a:prstGeom>
-          <a:noFill/>
-          <a:ln>
-            <a:noFill/>
-          </a:ln>
-          <a:effectLst/>
-          <a:extLst>
-            <a:ext uri="{909E8E84-426E-40dd-AFC4-6F175D3DCCD1}">
-              <a14:hiddenFill xmlns:a14="http://schemas.microsoft.com/office/drawing/2010/main" xmlns="">
-                <a:solidFill>
-                  <a:schemeClr val="accent1"/>
-                </a:solidFill>
-              </a14:hiddenFill>
-            </a:ext>
-            <a:ext uri="{91240B29-F687-4f45-9708-019B960494DF}">
-              <a14:hiddenLine xmlns:a14="http://schemas.microsoft.com/office/drawing/2010/main" xmlns="" w="9525">
-                <a:solidFill>
-                  <a:schemeClr val="tx1"/>
-                </a:solidFill>
-                <a:miter lim="800000"/>
-                <a:headEnd/>
-                <a:tailEnd/>
-              </a14:hiddenLine>
-            </a:ext>
-            <a:ext uri="{AF507438-7753-43e0-B8FC-AC1667EBCBE1}">
-              <a14:hiddenEffects xmlns:a14="http://schemas.microsoft.com/office/drawing/2010/main" xmlns="">
-                <a:effectLst>
-                  <a:outerShdw dist="35921" dir="2700000" algn="ctr" rotWithShape="0">
-                    <a:schemeClr val="bg2"/>
-                  </a:outerShdw>
-                </a:effectLst>
-              </a14:hiddenEffects>
-            </a:ext>
-          </a:extLst>
-        </p:spPr>
-        <p:txBody>
-          <a:bodyPr wrap="none" anchor="ctr">
-            <a:spAutoFit/>
-          </a:bodyPr>
-          <a:lstStyle/>
-          <a:p>
-            <a:endParaRPr lang="en-US"/>
-          </a:p>
-        </p:txBody>
-      </p:sp>
-      <p:sp>
-        <p:nvSpPr>
-          <p:cNvPr id="7177" name="Rectangle 6"/>
-          <p:cNvSpPr>
-            <a:spLocks noChangeArrowheads="1"/>
-          </p:cNvSpPr>
-          <p:nvPr/>
-        </p:nvSpPr>
-        <p:spPr bwMode="auto">
-          <a:xfrm>
-            <a:off x="0" y="0"/>
-            <a:ext cx="6858000" cy="0"/>
-          </a:xfrm>
-          <a:prstGeom prst="rect">
-            <a:avLst/>
-          </a:prstGeom>
-          <a:noFill/>
-          <a:ln>
-            <a:noFill/>
-          </a:ln>
-          <a:effectLst/>
-          <a:extLst>
-            <a:ext uri="{909E8E84-426E-40dd-AFC4-6F175D3DCCD1}">
-              <a14:hiddenFill xmlns:a14="http://schemas.microsoft.com/office/drawing/2010/main" xmlns="">
-                <a:solidFill>
-                  <a:schemeClr val="accent1"/>
-                </a:solidFill>
-              </a14:hiddenFill>
-            </a:ext>
-            <a:ext uri="{91240B29-F687-4f45-9708-019B960494DF}">
-              <a14:hiddenLine xmlns:a14="http://schemas.microsoft.com/office/drawing/2010/main" xmlns="" w="9525">
-                <a:solidFill>
-                  <a:schemeClr val="tx1"/>
-                </a:solidFill>
-                <a:miter lim="800000"/>
-                <a:headEnd/>
-                <a:tailEnd/>
-              </a14:hiddenLine>
-            </a:ext>
-            <a:ext uri="{AF507438-7753-43e0-B8FC-AC1667EBCBE1}">
-              <a14:hiddenEffects xmlns:a14="http://schemas.microsoft.com/office/drawing/2010/main" xmlns="">
-                <a:effectLst>
-                  <a:outerShdw dist="35921" dir="2700000" algn="ctr" rotWithShape="0">
-                    <a:schemeClr val="bg2"/>
-                  </a:outerShdw>
-                </a:effectLst>
-              </a14:hiddenEffects>
-            </a:ext>
-          </a:extLst>
-        </p:spPr>
-        <p:txBody>
-          <a:bodyPr wrap="none" anchor="ctr">
-            <a:spAutoFit/>
-          </a:bodyPr>
-          <a:lstStyle/>
-          <a:p>
-            <a:endParaRPr lang="en-US"/>
-          </a:p>
-        </p:txBody>
-      </p:sp>
-    </p:spTree>
-  </p:cSld>
-  <p:clrMapOvr>
-    <a:masterClrMapping/>
-  </p:clrMapOvr>
-  <p:timing>
-    <p:tnLst>
-      <p:par>
-        <p:cTn id="1" dur="indefinite" restart="never" nodeType="tmRoot"/>
-      </p:par>
-    </p:tnLst>
-  </p:timing>
-</p:sld>
-</file>
-
-<file path=ppt/slides/slide9.xml><?xml version="1.0" encoding="utf-8"?>
-<p:sld xmlns:a="http://schemas.openxmlformats.org/drawingml/2006/main" xmlns:r="http://schemas.openxmlformats.org/officeDocument/2006/relationships" xmlns:p="http://schemas.openxmlformats.org/presentationml/2006/main">
-  <p:cSld>
-    <p:spTree>
-      <p:nvGrpSpPr>
-        <p:cNvPr id="1" name=""/>
-        <p:cNvGrpSpPr/>
-        <p:nvPr/>
-      </p:nvGrpSpPr>
-      <p:grpSpPr>
-        <a:xfrm>
-          <a:off x="0" y="0"/>
-          <a:ext cx="0" cy="0"/>
-          <a:chOff x="0" y="0"/>
-          <a:chExt cx="0" cy="0"/>
-        </a:xfrm>
-      </p:grpSpPr>
-      <p:sp>
-        <p:nvSpPr>
-          <p:cNvPr id="11266" name="Date Placeholder 3"/>
-          <p:cNvSpPr>
-            <a:spLocks noGrp="1"/>
-          </p:cNvSpPr>
-          <p:nvPr>
-            <p:ph type="dt" sz="quarter" idx="10"/>
-          </p:nvPr>
-        </p:nvSpPr>
-        <p:spPr>
-          <a:noFill/>
-        </p:spPr>
-        <p:txBody>
-          <a:bodyPr/>
-          <a:lstStyle>
-            <a:lvl1pPr>
-              <a:defRPr sz="2400">
-                <a:solidFill>
-                  <a:schemeClr val="tx1"/>
-                </a:solidFill>
-                <a:latin typeface="Times New Roman" charset="0"/>
-              </a:defRPr>
-            </a:lvl1pPr>
-            <a:lvl2pPr marL="742950" indent="-285750">
-              <a:defRPr sz="2400">
-                <a:solidFill>
-                  <a:schemeClr val="tx1"/>
-                </a:solidFill>
-                <a:latin typeface="Times New Roman" charset="0"/>
-              </a:defRPr>
-            </a:lvl2pPr>
-            <a:lvl3pPr marL="1143000" indent="-228600">
-              <a:defRPr sz="2400">
-                <a:solidFill>
-                  <a:schemeClr val="tx1"/>
-                </a:solidFill>
-                <a:latin typeface="Times New Roman" charset="0"/>
-              </a:defRPr>
-            </a:lvl3pPr>
-            <a:lvl4pPr marL="1600200" indent="-228600">
-              <a:defRPr sz="2400">
-                <a:solidFill>
-                  <a:schemeClr val="tx1"/>
-                </a:solidFill>
-                <a:latin typeface="Times New Roman" charset="0"/>
-              </a:defRPr>
-            </a:lvl4pPr>
-            <a:lvl5pPr marL="2057400" indent="-228600">
-              <a:defRPr sz="2400">
-                <a:solidFill>
-                  <a:schemeClr val="tx1"/>
-                </a:solidFill>
-                <a:latin typeface="Times New Roman" charset="0"/>
-              </a:defRPr>
-            </a:lvl5pPr>
-            <a:lvl6pPr marL="2514600" indent="-228600" eaLnBrk="0" fontAlgn="base" hangingPunct="0">
-              <a:spcBef>
-                <a:spcPct val="0"/>
-              </a:spcBef>
-              <a:spcAft>
-                <a:spcPct val="0"/>
-              </a:spcAft>
-              <a:defRPr sz="2400">
-                <a:solidFill>
-                  <a:schemeClr val="tx1"/>
-                </a:solidFill>
-                <a:latin typeface="Times New Roman" charset="0"/>
-              </a:defRPr>
-            </a:lvl6pPr>
-            <a:lvl7pPr marL="2971800" indent="-228600" eaLnBrk="0" fontAlgn="base" hangingPunct="0">
-              <a:spcBef>
-                <a:spcPct val="0"/>
-              </a:spcBef>
-              <a:spcAft>
-                <a:spcPct val="0"/>
-              </a:spcAft>
-              <a:defRPr sz="2400">
-                <a:solidFill>
-                  <a:schemeClr val="tx1"/>
-                </a:solidFill>
-                <a:latin typeface="Times New Roman" charset="0"/>
-              </a:defRPr>
-            </a:lvl7pPr>
-            <a:lvl8pPr marL="3429000" indent="-228600" eaLnBrk="0" fontAlgn="base" hangingPunct="0">
-              <a:spcBef>
-                <a:spcPct val="0"/>
-              </a:spcBef>
-              <a:spcAft>
-                <a:spcPct val="0"/>
-              </a:spcAft>
-              <a:defRPr sz="2400">
-                <a:solidFill>
-                  <a:schemeClr val="tx1"/>
-                </a:solidFill>
-                <a:latin typeface="Times New Roman" charset="0"/>
-              </a:defRPr>
-            </a:lvl8pPr>
-            <a:lvl9pPr marL="3886200" indent="-228600" eaLnBrk="0" fontAlgn="base" hangingPunct="0">
-              <a:spcBef>
-                <a:spcPct val="0"/>
-              </a:spcBef>
-              <a:spcAft>
-                <a:spcPct val="0"/>
-              </a:spcAft>
-              <a:defRPr sz="2400">
-                <a:solidFill>
-                  <a:schemeClr val="tx1"/>
-                </a:solidFill>
-                <a:latin typeface="Times New Roman" charset="0"/>
-              </a:defRPr>
-            </a:lvl9pPr>
-          </a:lstStyle>
-          <a:p>
-            <a:r>
-              <a:rPr lang="en-US" sz="1400" smtClean="0"/>
-              <a:t>Summer 2017</a:t>
-            </a:r>
-            <a:endParaRPr lang="en-US" sz="1400"/>
-          </a:p>
-        </p:txBody>
-      </p:sp>
-      <p:sp>
-        <p:nvSpPr>
-          <p:cNvPr id="11267" name="Footer Placeholder 4"/>
-          <p:cNvSpPr>
-            <a:spLocks noGrp="1"/>
-          </p:cNvSpPr>
-          <p:nvPr>
-            <p:ph type="ftr" sz="quarter" idx="11"/>
-          </p:nvPr>
-        </p:nvSpPr>
-        <p:spPr>
-          <a:noFill/>
-        </p:spPr>
-        <p:txBody>
-          <a:bodyPr/>
-          <a:lstStyle>
-            <a:lvl1pPr>
-              <a:defRPr sz="2400">
-                <a:solidFill>
-                  <a:schemeClr val="tx1"/>
-                </a:solidFill>
-                <a:latin typeface="Times New Roman" charset="0"/>
-              </a:defRPr>
-            </a:lvl1pPr>
-            <a:lvl2pPr marL="742950" indent="-285750">
-              <a:defRPr sz="2400">
-                <a:solidFill>
-                  <a:schemeClr val="tx1"/>
-                </a:solidFill>
-                <a:latin typeface="Times New Roman" charset="0"/>
-              </a:defRPr>
-            </a:lvl2pPr>
-            <a:lvl3pPr marL="1143000" indent="-228600">
-              <a:defRPr sz="2400">
-                <a:solidFill>
-                  <a:schemeClr val="tx1"/>
-                </a:solidFill>
-                <a:latin typeface="Times New Roman" charset="0"/>
-              </a:defRPr>
-            </a:lvl3pPr>
-            <a:lvl4pPr marL="1600200" indent="-228600">
-              <a:defRPr sz="2400">
-                <a:solidFill>
-                  <a:schemeClr val="tx1"/>
-                </a:solidFill>
-                <a:latin typeface="Times New Roman" charset="0"/>
-              </a:defRPr>
-            </a:lvl4pPr>
-            <a:lvl5pPr marL="2057400" indent="-228600">
-              <a:defRPr sz="2400">
-                <a:solidFill>
-                  <a:schemeClr val="tx1"/>
-                </a:solidFill>
-                <a:latin typeface="Times New Roman" charset="0"/>
-              </a:defRPr>
-            </a:lvl5pPr>
-            <a:lvl6pPr marL="2514600" indent="-228600" eaLnBrk="0" fontAlgn="base" hangingPunct="0">
-              <a:spcBef>
-                <a:spcPct val="0"/>
-              </a:spcBef>
-              <a:spcAft>
-                <a:spcPct val="0"/>
-              </a:spcAft>
-              <a:defRPr sz="2400">
-                <a:solidFill>
-                  <a:schemeClr val="tx1"/>
-                </a:solidFill>
-                <a:latin typeface="Times New Roman" charset="0"/>
-              </a:defRPr>
-            </a:lvl6pPr>
-            <a:lvl7pPr marL="2971800" indent="-228600" eaLnBrk="0" fontAlgn="base" hangingPunct="0">
-              <a:spcBef>
-                <a:spcPct val="0"/>
-              </a:spcBef>
-              <a:spcAft>
-                <a:spcPct val="0"/>
-              </a:spcAft>
-              <a:defRPr sz="2400">
-                <a:solidFill>
-                  <a:schemeClr val="tx1"/>
-                </a:solidFill>
-                <a:latin typeface="Times New Roman" charset="0"/>
-              </a:defRPr>
-            </a:lvl7pPr>
-            <a:lvl8pPr marL="3429000" indent="-228600" eaLnBrk="0" fontAlgn="base" hangingPunct="0">
-              <a:spcBef>
-                <a:spcPct val="0"/>
-              </a:spcBef>
-              <a:spcAft>
-                <a:spcPct val="0"/>
-              </a:spcAft>
-              <a:defRPr sz="2400">
-                <a:solidFill>
-                  <a:schemeClr val="tx1"/>
-                </a:solidFill>
-                <a:latin typeface="Times New Roman" charset="0"/>
-              </a:defRPr>
-            </a:lvl8pPr>
-            <a:lvl9pPr marL="3886200" indent="-228600" eaLnBrk="0" fontAlgn="base" hangingPunct="0">
-              <a:spcBef>
-                <a:spcPct val="0"/>
-              </a:spcBef>
-              <a:spcAft>
-                <a:spcPct val="0"/>
-              </a:spcAft>
-              <a:defRPr sz="2400">
-                <a:solidFill>
-                  <a:schemeClr val="tx1"/>
-                </a:solidFill>
-                <a:latin typeface="Times New Roman" charset="0"/>
-              </a:defRPr>
-            </a:lvl9pPr>
-          </a:lstStyle>
-          <a:p>
-            <a:r>
-              <a:rPr lang="en-US" sz="1400" smtClean="0"/>
-              <a:t>Summer Institutes</a:t>
-            </a:r>
-          </a:p>
-        </p:txBody>
-      </p:sp>
-      <p:sp>
-        <p:nvSpPr>
-          <p:cNvPr id="11268" name="Slide Number Placeholder 5"/>
-          <p:cNvSpPr>
-            <a:spLocks noGrp="1"/>
-          </p:cNvSpPr>
-          <p:nvPr>
-            <p:ph type="sldNum" sz="quarter" idx="12"/>
-          </p:nvPr>
-        </p:nvSpPr>
-        <p:spPr>
-          <a:noFill/>
-        </p:spPr>
-        <p:txBody>
-          <a:bodyPr/>
-          <a:lstStyle>
-            <a:lvl1pPr>
-              <a:defRPr sz="2400">
-                <a:solidFill>
-                  <a:schemeClr val="tx1"/>
-                </a:solidFill>
-                <a:latin typeface="Times New Roman" charset="0"/>
-              </a:defRPr>
-            </a:lvl1pPr>
-            <a:lvl2pPr marL="742950" indent="-285750">
-              <a:defRPr sz="2400">
-                <a:solidFill>
-                  <a:schemeClr val="tx1"/>
-                </a:solidFill>
-                <a:latin typeface="Times New Roman" charset="0"/>
-              </a:defRPr>
-            </a:lvl2pPr>
-            <a:lvl3pPr marL="1143000" indent="-228600">
-              <a:defRPr sz="2400">
-                <a:solidFill>
-                  <a:schemeClr val="tx1"/>
-                </a:solidFill>
-                <a:latin typeface="Times New Roman" charset="0"/>
-              </a:defRPr>
-            </a:lvl3pPr>
-            <a:lvl4pPr marL="1600200" indent="-228600">
-              <a:defRPr sz="2400">
-                <a:solidFill>
-                  <a:schemeClr val="tx1"/>
-                </a:solidFill>
-                <a:latin typeface="Times New Roman" charset="0"/>
-              </a:defRPr>
-            </a:lvl4pPr>
-            <a:lvl5pPr marL="2057400" indent="-228600">
-              <a:defRPr sz="2400">
-                <a:solidFill>
-                  <a:schemeClr val="tx1"/>
-                </a:solidFill>
-                <a:latin typeface="Times New Roman" charset="0"/>
-              </a:defRPr>
-            </a:lvl5pPr>
-            <a:lvl6pPr marL="2514600" indent="-228600" eaLnBrk="0" fontAlgn="base" hangingPunct="0">
-              <a:spcBef>
-                <a:spcPct val="0"/>
-              </a:spcBef>
-              <a:spcAft>
-                <a:spcPct val="0"/>
-              </a:spcAft>
-              <a:defRPr sz="2400">
-                <a:solidFill>
-                  <a:schemeClr val="tx1"/>
-                </a:solidFill>
-                <a:latin typeface="Times New Roman" charset="0"/>
-              </a:defRPr>
-            </a:lvl6pPr>
-            <a:lvl7pPr marL="2971800" indent="-228600" eaLnBrk="0" fontAlgn="base" hangingPunct="0">
-              <a:spcBef>
-                <a:spcPct val="0"/>
-              </a:spcBef>
-              <a:spcAft>
-                <a:spcPct val="0"/>
-              </a:spcAft>
-              <a:defRPr sz="2400">
-                <a:solidFill>
-                  <a:schemeClr val="tx1"/>
-                </a:solidFill>
-                <a:latin typeface="Times New Roman" charset="0"/>
-              </a:defRPr>
-            </a:lvl7pPr>
-            <a:lvl8pPr marL="3429000" indent="-228600" eaLnBrk="0" fontAlgn="base" hangingPunct="0">
-              <a:spcBef>
-                <a:spcPct val="0"/>
-              </a:spcBef>
-              <a:spcAft>
-                <a:spcPct val="0"/>
-              </a:spcAft>
-              <a:defRPr sz="2400">
-                <a:solidFill>
-                  <a:schemeClr val="tx1"/>
-                </a:solidFill>
-                <a:latin typeface="Times New Roman" charset="0"/>
-              </a:defRPr>
-            </a:lvl8pPr>
-            <a:lvl9pPr marL="3886200" indent="-228600" eaLnBrk="0" fontAlgn="base" hangingPunct="0">
-              <a:spcBef>
-                <a:spcPct val="0"/>
-              </a:spcBef>
-              <a:spcAft>
-                <a:spcPct val="0"/>
-              </a:spcAft>
-              <a:defRPr sz="2400">
-                <a:solidFill>
-                  <a:schemeClr val="tx1"/>
-                </a:solidFill>
-                <a:latin typeface="Times New Roman" charset="0"/>
-              </a:defRPr>
-            </a:lvl9pPr>
-          </a:lstStyle>
-          <a:p>
-            <a:fld id="{DD05954E-84E0-44EF-923F-9BAD61D7048E}" type="slidenum">
-              <a:rPr lang="en-US" sz="1400" smtClean="0"/>
-              <a:pPr/>
-              <a:t>257</a:t>
-            </a:fld>
-            <a:endParaRPr lang="en-US" sz="1400" smtClean="0"/>
-          </a:p>
-        </p:txBody>
-      </p:sp>
-      <p:sp>
-        <p:nvSpPr>
-          <p:cNvPr id="11269" name="Text Box 5"/>
-          <p:cNvSpPr txBox="1">
-            <a:spLocks noChangeArrowheads="1"/>
-          </p:cNvSpPr>
-          <p:nvPr/>
-        </p:nvSpPr>
-        <p:spPr bwMode="auto">
-          <a:xfrm>
-            <a:off x="1404938" y="590550"/>
-            <a:ext cx="3810000" cy="701675"/>
-          </a:xfrm>
-          <a:prstGeom prst="rect">
-            <a:avLst/>
-          </a:prstGeom>
-          <a:noFill/>
-          <a:ln>
-            <a:noFill/>
-          </a:ln>
-          <a:effectLst/>
-          <a:extLst>
-            <a:ext uri="{909E8E84-426E-40dd-AFC4-6F175D3DCCD1}">
-              <a14:hiddenFill xmlns:a14="http://schemas.microsoft.com/office/drawing/2010/main" xmlns="">
-                <a:solidFill>
-                  <a:schemeClr val="accent1"/>
-                </a:solidFill>
-              </a14:hiddenFill>
-            </a:ext>
-            <a:ext uri="{91240B29-F687-4f45-9708-019B960494DF}">
-              <a14:hiddenLine xmlns:a14="http://schemas.microsoft.com/office/drawing/2010/main" xmlns="" w="9525">
-                <a:solidFill>
-                  <a:schemeClr val="tx1"/>
-                </a:solidFill>
-                <a:miter lim="800000"/>
-                <a:headEnd/>
-                <a:tailEnd/>
-              </a14:hiddenLine>
-            </a:ext>
-            <a:ext uri="{AF507438-7753-43e0-B8FC-AC1667EBCBE1}">
-              <a14:hiddenEffects xmlns:a14="http://schemas.microsoft.com/office/drawing/2010/main" xmlns="">
-                <a:effectLst>
-                  <a:outerShdw dist="35921" dir="2700000" algn="ctr" rotWithShape="0">
-                    <a:schemeClr val="bg2"/>
-                  </a:outerShdw>
-                </a:effectLst>
-              </a14:hiddenEffects>
-            </a:ext>
-          </a:extLst>
-        </p:spPr>
-        <p:txBody>
-          <a:bodyPr>
-            <a:spAutoFit/>
-          </a:bodyPr>
-          <a:lstStyle>
-            <a:lvl1pPr>
-              <a:defRPr sz="2400">
-                <a:solidFill>
-                  <a:schemeClr val="tx1"/>
-                </a:solidFill>
-                <a:latin typeface="Times New Roman" charset="0"/>
-              </a:defRPr>
-            </a:lvl1pPr>
-            <a:lvl2pPr marL="742950" indent="-285750">
-              <a:defRPr sz="2400">
-                <a:solidFill>
-                  <a:schemeClr val="tx1"/>
-                </a:solidFill>
-                <a:latin typeface="Times New Roman" charset="0"/>
-              </a:defRPr>
-            </a:lvl2pPr>
-            <a:lvl3pPr marL="1143000" indent="-228600">
-              <a:defRPr sz="2400">
-                <a:solidFill>
-                  <a:schemeClr val="tx1"/>
-                </a:solidFill>
-                <a:latin typeface="Times New Roman" charset="0"/>
-              </a:defRPr>
-            </a:lvl3pPr>
-            <a:lvl4pPr marL="1600200" indent="-228600">
-              <a:defRPr sz="2400">
-                <a:solidFill>
-                  <a:schemeClr val="tx1"/>
-                </a:solidFill>
-                <a:latin typeface="Times New Roman" charset="0"/>
-              </a:defRPr>
-            </a:lvl4pPr>
-            <a:lvl5pPr marL="2057400" indent="-228600">
-              <a:defRPr sz="2400">
-                <a:solidFill>
-                  <a:schemeClr val="tx1"/>
-                </a:solidFill>
-                <a:latin typeface="Times New Roman" charset="0"/>
-              </a:defRPr>
-            </a:lvl5pPr>
-            <a:lvl6pPr marL="2514600" indent="-228600" eaLnBrk="0" fontAlgn="base" hangingPunct="0">
-              <a:spcBef>
-                <a:spcPct val="0"/>
-              </a:spcBef>
-              <a:spcAft>
-                <a:spcPct val="0"/>
-              </a:spcAft>
-              <a:defRPr sz="2400">
-                <a:solidFill>
-                  <a:schemeClr val="tx1"/>
-                </a:solidFill>
-                <a:latin typeface="Times New Roman" charset="0"/>
-              </a:defRPr>
-            </a:lvl6pPr>
-            <a:lvl7pPr marL="2971800" indent="-228600" eaLnBrk="0" fontAlgn="base" hangingPunct="0">
-              <a:spcBef>
-                <a:spcPct val="0"/>
-              </a:spcBef>
-              <a:spcAft>
-                <a:spcPct val="0"/>
-              </a:spcAft>
-              <a:defRPr sz="2400">
-                <a:solidFill>
-                  <a:schemeClr val="tx1"/>
-                </a:solidFill>
-                <a:latin typeface="Times New Roman" charset="0"/>
-              </a:defRPr>
-            </a:lvl7pPr>
-            <a:lvl8pPr marL="3429000" indent="-228600" eaLnBrk="0" fontAlgn="base" hangingPunct="0">
-              <a:spcBef>
-                <a:spcPct val="0"/>
-              </a:spcBef>
-              <a:spcAft>
-                <a:spcPct val="0"/>
-              </a:spcAft>
-              <a:defRPr sz="2400">
-                <a:solidFill>
-                  <a:schemeClr val="tx1"/>
-                </a:solidFill>
-                <a:latin typeface="Times New Roman" charset="0"/>
-              </a:defRPr>
-            </a:lvl8pPr>
-            <a:lvl9pPr marL="3886200" indent="-228600" eaLnBrk="0" fontAlgn="base" hangingPunct="0">
-              <a:spcBef>
-                <a:spcPct val="0"/>
-              </a:spcBef>
-              <a:spcAft>
-                <a:spcPct val="0"/>
-              </a:spcAft>
-              <a:defRPr sz="2400">
-                <a:solidFill>
-                  <a:schemeClr val="tx1"/>
-                </a:solidFill>
-                <a:latin typeface="Times New Roman" charset="0"/>
-              </a:defRPr>
-            </a:lvl9pPr>
-          </a:lstStyle>
-          <a:p>
-            <a:pPr algn="ctr">
-              <a:spcBef>
-                <a:spcPct val="50000"/>
-              </a:spcBef>
-            </a:pPr>
-            <a:r>
-              <a:rPr lang="en-US" sz="2000" b="1"/>
-              <a:t>Bootstrap Estimation</a:t>
-            </a:r>
-            <a:br>
-              <a:rPr lang="en-US" sz="2000" b="1"/>
-            </a:br>
-            <a:r>
-              <a:rPr lang="en-US" sz="2000" b="1"/>
-              <a:t>Examples</a:t>
-            </a:r>
-          </a:p>
-        </p:txBody>
-      </p:sp>
-      <p:sp>
-        <p:nvSpPr>
-          <p:cNvPr id="11270" name="Line 6"/>
-          <p:cNvSpPr>
-            <a:spLocks noChangeShapeType="1"/>
-          </p:cNvSpPr>
-          <p:nvPr/>
-        </p:nvSpPr>
-        <p:spPr bwMode="auto">
-          <a:xfrm>
-            <a:off x="1252538" y="1395413"/>
-            <a:ext cx="4114800" cy="0"/>
-          </a:xfrm>
-          <a:prstGeom prst="line">
-            <a:avLst/>
-          </a:prstGeom>
-          <a:noFill/>
-          <a:ln w="38100">
-            <a:solidFill>
-              <a:schemeClr val="tx1"/>
-            </a:solidFill>
-            <a:round/>
-            <a:headEnd/>
-            <a:tailEnd/>
-          </a:ln>
-          <a:effectLst/>
-          <a:extLst>
-            <a:ext uri="{909E8E84-426E-40dd-AFC4-6F175D3DCCD1}">
-              <a14:hiddenFill xmlns:a14="http://schemas.microsoft.com/office/drawing/2010/main" xmlns="">
-                <a:noFill/>
-              </a14:hiddenFill>
-            </a:ext>
-            <a:ext uri="{AF507438-7753-43e0-B8FC-AC1667EBCBE1}">
-              <a14:hiddenEffects xmlns:a14="http://schemas.microsoft.com/office/drawing/2010/main" xmlns="">
-                <a:effectLst>
-                  <a:outerShdw dist="35921" dir="2700000" algn="ctr" rotWithShape="0">
-                    <a:schemeClr val="bg2"/>
-                  </a:outerShdw>
-                </a:effectLst>
-              </a14:hiddenEffects>
-            </a:ext>
-          </a:extLst>
-        </p:spPr>
-        <p:txBody>
-          <a:bodyPr wrap="none" anchor="ctr"/>
-          <a:lstStyle/>
-          <a:p>
-            <a:endParaRPr lang="en-US"/>
-          </a:p>
-        </p:txBody>
-      </p:sp>
-      <p:sp>
-        <p:nvSpPr>
-          <p:cNvPr id="11271" name="Text Box 7"/>
-          <p:cNvSpPr txBox="1">
-            <a:spLocks noChangeArrowheads="1"/>
-          </p:cNvSpPr>
-          <p:nvPr/>
-        </p:nvSpPr>
-        <p:spPr bwMode="auto">
-          <a:xfrm>
-            <a:off x="566738" y="2084388"/>
-            <a:ext cx="5634037" cy="5201424"/>
-          </a:xfrm>
-          <a:prstGeom prst="rect">
-            <a:avLst/>
-          </a:prstGeom>
-          <a:noFill/>
-          <a:ln>
-            <a:noFill/>
-          </a:ln>
-          <a:effectLst/>
-          <a:extLst>
-            <a:ext uri="{909E8E84-426E-40dd-AFC4-6F175D3DCCD1}">
-              <a14:hiddenFill xmlns:a14="http://schemas.microsoft.com/office/drawing/2010/main" xmlns="">
-                <a:solidFill>
-                  <a:schemeClr val="accent1"/>
-                </a:solidFill>
-              </a14:hiddenFill>
-            </a:ext>
-            <a:ext uri="{91240B29-F687-4f45-9708-019B960494DF}">
-              <a14:hiddenLine xmlns:a14="http://schemas.microsoft.com/office/drawing/2010/main" xmlns="" w="9525">
-                <a:solidFill>
-                  <a:schemeClr val="tx1"/>
-                </a:solidFill>
-                <a:miter lim="800000"/>
-                <a:headEnd/>
-                <a:tailEnd/>
-              </a14:hiddenLine>
-            </a:ext>
-            <a:ext uri="{AF507438-7753-43e0-B8FC-AC1667EBCBE1}">
-              <a14:hiddenEffects xmlns:a14="http://schemas.microsoft.com/office/drawing/2010/main" xmlns="">
-                <a:effectLst>
-                  <a:outerShdw dist="35921" dir="2700000" algn="ctr" rotWithShape="0">
-                    <a:schemeClr val="bg2"/>
-                  </a:outerShdw>
-                </a:effectLst>
-              </a14:hiddenEffects>
-            </a:ext>
-          </a:extLst>
-        </p:spPr>
-        <p:txBody>
-          <a:bodyPr>
-            <a:spAutoFit/>
-          </a:bodyPr>
-          <a:lstStyle>
-            <a:lvl1pPr>
-              <a:tabLst>
-                <a:tab pos="228600" algn="l"/>
-              </a:tabLst>
-              <a:defRPr sz="2400">
-                <a:solidFill>
-                  <a:schemeClr val="tx1"/>
-                </a:solidFill>
-                <a:latin typeface="Times New Roman" charset="0"/>
-              </a:defRPr>
-            </a:lvl1pPr>
-            <a:lvl2pPr marL="742950" indent="-285750">
-              <a:tabLst>
-                <a:tab pos="228600" algn="l"/>
-              </a:tabLst>
-              <a:defRPr sz="2400">
-                <a:solidFill>
-                  <a:schemeClr val="tx1"/>
-                </a:solidFill>
-                <a:latin typeface="Times New Roman" charset="0"/>
-              </a:defRPr>
-            </a:lvl2pPr>
-            <a:lvl3pPr marL="1143000" indent="-228600">
-              <a:tabLst>
-                <a:tab pos="228600" algn="l"/>
-              </a:tabLst>
-              <a:defRPr sz="2400">
-                <a:solidFill>
-                  <a:schemeClr val="tx1"/>
-                </a:solidFill>
-                <a:latin typeface="Times New Roman" charset="0"/>
-              </a:defRPr>
-            </a:lvl3pPr>
-            <a:lvl4pPr marL="1600200" indent="-228600">
-              <a:tabLst>
-                <a:tab pos="228600" algn="l"/>
-              </a:tabLst>
-              <a:defRPr sz="2400">
-                <a:solidFill>
-                  <a:schemeClr val="tx1"/>
-                </a:solidFill>
-                <a:latin typeface="Times New Roman" charset="0"/>
-              </a:defRPr>
-            </a:lvl4pPr>
-            <a:lvl5pPr marL="2057400" indent="-228600">
-              <a:tabLst>
-                <a:tab pos="228600" algn="l"/>
-              </a:tabLst>
-              <a:defRPr sz="2400">
-                <a:solidFill>
-                  <a:schemeClr val="tx1"/>
-                </a:solidFill>
-                <a:latin typeface="Times New Roman" charset="0"/>
-              </a:defRPr>
-            </a:lvl5pPr>
-            <a:lvl6pPr marL="2514600" indent="-228600" eaLnBrk="0" fontAlgn="base" hangingPunct="0">
-              <a:spcBef>
-                <a:spcPct val="0"/>
-              </a:spcBef>
-              <a:spcAft>
-                <a:spcPct val="0"/>
-              </a:spcAft>
-              <a:tabLst>
-                <a:tab pos="228600" algn="l"/>
-              </a:tabLst>
-              <a:defRPr sz="2400">
-                <a:solidFill>
-                  <a:schemeClr val="tx1"/>
-                </a:solidFill>
-                <a:latin typeface="Times New Roman" charset="0"/>
-              </a:defRPr>
-            </a:lvl6pPr>
-            <a:lvl7pPr marL="2971800" indent="-228600" eaLnBrk="0" fontAlgn="base" hangingPunct="0">
-              <a:spcBef>
-                <a:spcPct val="0"/>
-              </a:spcBef>
-              <a:spcAft>
-                <a:spcPct val="0"/>
-              </a:spcAft>
-              <a:tabLst>
-                <a:tab pos="228600" algn="l"/>
-              </a:tabLst>
-              <a:defRPr sz="2400">
-                <a:solidFill>
-                  <a:schemeClr val="tx1"/>
-                </a:solidFill>
-                <a:latin typeface="Times New Roman" charset="0"/>
-              </a:defRPr>
-            </a:lvl7pPr>
-            <a:lvl8pPr marL="3429000" indent="-228600" eaLnBrk="0" fontAlgn="base" hangingPunct="0">
-              <a:spcBef>
-                <a:spcPct val="0"/>
-              </a:spcBef>
-              <a:spcAft>
-                <a:spcPct val="0"/>
-              </a:spcAft>
-              <a:tabLst>
-                <a:tab pos="228600" algn="l"/>
-              </a:tabLst>
-              <a:defRPr sz="2400">
-                <a:solidFill>
-                  <a:schemeClr val="tx1"/>
-                </a:solidFill>
-                <a:latin typeface="Times New Roman" charset="0"/>
-              </a:defRPr>
-            </a:lvl8pPr>
-            <a:lvl9pPr marL="3886200" indent="-228600" eaLnBrk="0" fontAlgn="base" hangingPunct="0">
-              <a:spcBef>
-                <a:spcPct val="0"/>
-              </a:spcBef>
-              <a:spcAft>
-                <a:spcPct val="0"/>
-              </a:spcAft>
-              <a:tabLst>
-                <a:tab pos="228600" algn="l"/>
-              </a:tabLst>
-              <a:defRPr sz="2400">
-                <a:solidFill>
-                  <a:schemeClr val="tx1"/>
-                </a:solidFill>
-                <a:latin typeface="Times New Roman" charset="0"/>
-              </a:defRPr>
-            </a:lvl9pPr>
-          </a:lstStyle>
-          <a:p>
-            <a:pPr>
-              <a:spcBef>
-                <a:spcPct val="20000"/>
-              </a:spcBef>
-              <a:buClr>
-                <a:schemeClr val="hlink"/>
-              </a:buClr>
-              <a:buSzPct val="70000"/>
-              <a:buFont typeface="Wingdings" pitchFamily="2" charset="2"/>
-              <a:buNone/>
-            </a:pPr>
-            <a:r>
-              <a:rPr kumimoji="1" lang="en-US" sz="2000" dirty="0"/>
-              <a:t>What is the variance of the sample </a:t>
-            </a:r>
-            <a:r>
-              <a:rPr kumimoji="1" lang="en-US" sz="2000" dirty="0" smtClean="0"/>
-              <a:t>median? No idea!</a:t>
-            </a:r>
-          </a:p>
-          <a:p>
-            <a:pPr>
-              <a:spcBef>
-                <a:spcPct val="20000"/>
-              </a:spcBef>
-              <a:buClr>
-                <a:schemeClr val="hlink"/>
-              </a:buClr>
-              <a:buSzPct val="70000"/>
-              <a:buFont typeface="Wingdings" pitchFamily="2" charset="2"/>
-              <a:buNone/>
-            </a:pPr>
-            <a:r>
-              <a:rPr kumimoji="1" lang="en-US" sz="2000" dirty="0"/>
-              <a:t>	=&gt; Use the </a:t>
-            </a:r>
-            <a:r>
-              <a:rPr kumimoji="1" lang="en-US" sz="2000" dirty="0" smtClean="0"/>
-              <a:t>bootstrap!</a:t>
-            </a:r>
-          </a:p>
-          <a:p>
-            <a:pPr>
-              <a:spcBef>
-                <a:spcPct val="20000"/>
-              </a:spcBef>
-              <a:buClr>
-                <a:schemeClr val="hlink"/>
-              </a:buClr>
-              <a:buSzPct val="70000"/>
-              <a:buFont typeface="Wingdings" pitchFamily="2" charset="2"/>
-              <a:buNone/>
-            </a:pPr>
-            <a:endParaRPr kumimoji="1" lang="en-US" sz="2000" b="1" dirty="0"/>
-          </a:p>
-          <a:p>
-            <a:pPr>
-              <a:spcBef>
-                <a:spcPct val="20000"/>
-              </a:spcBef>
-              <a:buClr>
-                <a:schemeClr val="hlink"/>
-              </a:buClr>
-              <a:buSzPct val="70000"/>
-              <a:buFont typeface="Wingdings" pitchFamily="2" charset="2"/>
-              <a:buNone/>
-            </a:pPr>
-            <a:r>
-              <a:rPr kumimoji="1" lang="en-US" sz="2000" b="1" dirty="0" smtClean="0"/>
-              <a:t>Bootstrapped </a:t>
-            </a:r>
-            <a:r>
-              <a:rPr kumimoji="1" lang="en-US" sz="2000" b="1" dirty="0"/>
-              <a:t>estimates of the standard error for sample median</a:t>
-            </a:r>
-          </a:p>
-          <a:p>
-            <a:pPr algn="just"/>
-            <a:endParaRPr lang="en-US" sz="2000" dirty="0"/>
-          </a:p>
-          <a:p>
-            <a:r>
-              <a:rPr kumimoji="1" lang="en-US" sz="2000" dirty="0"/>
-              <a:t>		</a:t>
-            </a:r>
-            <a:r>
-              <a:rPr kumimoji="1" lang="en-US" sz="2000" u="sng" dirty="0"/>
-              <a:t>   </a:t>
-            </a:r>
-            <a:r>
-              <a:rPr kumimoji="1" lang="en-US" sz="2000" u="sng" dirty="0" smtClean="0"/>
-              <a:t>	   </a:t>
-            </a:r>
-            <a:r>
-              <a:rPr kumimoji="1" lang="en-US" sz="2000" u="sng" dirty="0"/>
-              <a:t>Data         Median</a:t>
-            </a:r>
-          </a:p>
-          <a:p>
-            <a:r>
-              <a:rPr kumimoji="1" lang="en-US" sz="2000" dirty="0"/>
-              <a:t>Original sample:	{1, 5, 8, 3, 7}	5</a:t>
-            </a:r>
-          </a:p>
-          <a:p>
-            <a:endParaRPr kumimoji="1" lang="en-US" sz="2000" dirty="0"/>
-          </a:p>
-          <a:p>
-            <a:r>
-              <a:rPr kumimoji="1" lang="en-US" sz="2000" dirty="0"/>
-              <a:t>Bootstrap 1:	{1, 7, 1, 3, 7}	3</a:t>
-            </a:r>
-          </a:p>
-          <a:p>
-            <a:r>
-              <a:rPr kumimoji="1" lang="en-US" sz="2000" dirty="0"/>
-              <a:t>Bootstrap 2:	{7, 3, 8, 8, 3}	7</a:t>
-            </a:r>
-          </a:p>
-          <a:p>
-            <a:r>
-              <a:rPr kumimoji="1" lang="en-US" sz="2000" dirty="0"/>
-              <a:t>Bootstrap 3:	{7, 3, 8, 8, 3}	7</a:t>
-            </a:r>
-          </a:p>
-          <a:p>
-            <a:r>
-              <a:rPr kumimoji="1" lang="en-US" sz="2000" dirty="0"/>
-              <a:t>Bootstrap 4:	{3, 5, 5, 1, 5}	5</a:t>
-            </a:r>
-          </a:p>
-          <a:p>
-            <a:r>
-              <a:rPr kumimoji="1" lang="en-US" sz="2000" dirty="0"/>
-              <a:t>Bootstrap 5:	{1, 1, 5, 1, 8}	1</a:t>
-            </a:r>
-          </a:p>
-          <a:p>
-            <a:r>
-              <a:rPr kumimoji="1" lang="en-US" sz="2000" dirty="0"/>
-              <a:t>     etc.</a:t>
-            </a:r>
-          </a:p>
-          <a:p>
-            <a:r>
-              <a:rPr kumimoji="1" lang="en-US" sz="2000" dirty="0"/>
-              <a:t>Bootstrap </a:t>
-            </a:r>
-            <a:r>
-              <a:rPr kumimoji="1" lang="en-US" sz="2000" i="1" dirty="0"/>
-              <a:t>B</a:t>
-            </a:r>
-            <a:r>
-              <a:rPr kumimoji="1" lang="en-US" sz="2000" dirty="0"/>
-              <a:t> (=1000)</a:t>
-            </a:r>
-            <a:endParaRPr kumimoji="1" lang="en-US" sz="2000" i="1" dirty="0"/>
-          </a:p>
-        </p:txBody>
-      </p:sp>
-    </p:spTree>
-    <p:extLst>
-      <p:ext uri="{BB962C8B-B14F-4D97-AF65-F5344CB8AC3E}">
-        <p14:creationId xmlns:p14="http://schemas.microsoft.com/office/powerpoint/2010/main" val="2815219907"/>
       </p:ext>
     </p:extLst>
   </p:cSld>
